--- a/assets/charts.pptx
+++ b/assets/charts.pptx
@@ -7,8 +7,7 @@
   <p:sldIdLst>
     <p:sldId id="257" r:id="rId2"/>
     <p:sldId id="260" r:id="rId3"/>
-    <p:sldId id="258" r:id="rId4"/>
-    <p:sldId id="259" r:id="rId5"/>
+    <p:sldId id="261" r:id="rId4"/>
   </p:sldIdLst>
   <p:sldSz cx="12192000" cy="6858000"/>
   <p:notesSz cx="6858000" cy="9144000"/>
@@ -181,7 +180,7 @@
                   <a:bodyPr/>
                   <a:lstStyle/>
                   <a:p>
-                    <a:fld id="{2BA7D8DE-0FAF-9145-893A-174DD53228D2}" type="CELLRANGE">
+                    <a:fld id="{BA50F457-1B45-EE49-B7CF-1305D80CDA86}" type="CELLRANGE">
                       <a:rPr lang="en-US"/>
                       <a:pPr/>
                       <a:t>[CELLRANGE]</a:t>
@@ -215,7 +214,7 @@
                   <a:bodyPr/>
                   <a:lstStyle/>
                   <a:p>
-                    <a:fld id="{D523C5AD-9C47-024D-B07A-6B5D3268AC05}" type="CELLRANGE">
+                    <a:fld id="{AEA16656-E7CC-8A4E-8D77-E2261C8459BF}" type="CELLRANGE">
                       <a:rPr lang="en-US"/>
                       <a:pPr/>
                       <a:t>[CELLRANGE]</a:t>
@@ -249,7 +248,7 @@
                   <a:bodyPr/>
                   <a:lstStyle/>
                   <a:p>
-                    <a:fld id="{5637D1EA-DE55-2E48-A0C6-0F31FE34717C}" type="CELLRANGE">
+                    <a:fld id="{DD67E634-9463-AC4E-BFFE-CD79F58E0265}" type="CELLRANGE">
                       <a:rPr lang="en-US"/>
                       <a:pPr/>
                       <a:t>[CELLRANGE]</a:t>
@@ -425,7 +424,7 @@
                   <a:bodyPr/>
                   <a:lstStyle/>
                   <a:p>
-                    <a:fld id="{DA3280FB-D614-3343-BF7C-AB81B732AC67}" type="CELLRANGE">
+                    <a:fld id="{40C58483-50F3-294A-BE9E-0AED19535E77}" type="CELLRANGE">
                       <a:rPr lang="en-US"/>
                       <a:pPr/>
                       <a:t>[CELLRANGE]</a:t>
@@ -459,7 +458,7 @@
                   <a:bodyPr/>
                   <a:lstStyle/>
                   <a:p>
-                    <a:fld id="{45D13585-F074-A34B-B46A-6EEB5764FC27}" type="CELLRANGE">
+                    <a:fld id="{B2B68C3F-B369-5E4E-BBED-087C87775C9A}" type="CELLRANGE">
                       <a:rPr lang="en-US"/>
                       <a:pPr/>
                       <a:t>[CELLRANGE]</a:t>
@@ -493,7 +492,7 @@
                   <a:bodyPr/>
                   <a:lstStyle/>
                   <a:p>
-                    <a:fld id="{4D2A3CC3-3F9C-B840-AD4D-F1944530899E}" type="CELLRANGE">
+                    <a:fld id="{031C5C58-3F94-0342-BE3D-9A75874B0595}" type="CELLRANGE">
                       <a:rPr lang="en-US"/>
                       <a:pPr/>
                       <a:t>[CELLRANGE]</a:t>
@@ -669,7 +668,7 @@
                   <a:bodyPr/>
                   <a:lstStyle/>
                   <a:p>
-                    <a:fld id="{6E84E42A-E55A-9A41-8AD9-FE2E33FFE676}" type="CELLRANGE">
+                    <a:fld id="{55E39E56-9DE4-9241-8E12-9FCC612004D9}" type="CELLRANGE">
                       <a:rPr lang="en-US"/>
                       <a:pPr/>
                       <a:t>[CELLRANGE]</a:t>
@@ -703,7 +702,7 @@
                   <a:bodyPr/>
                   <a:lstStyle/>
                   <a:p>
-                    <a:fld id="{81F35A32-6926-7049-ADDC-7FF83B9C4972}" type="CELLRANGE">
+                    <a:fld id="{8E261B08-EE35-F34E-B93B-BE26AB6A9419}" type="CELLRANGE">
                       <a:rPr lang="en-US"/>
                       <a:pPr/>
                       <a:t>[CELLRANGE]</a:t>
@@ -737,7 +736,7 @@
                   <a:bodyPr/>
                   <a:lstStyle/>
                   <a:p>
-                    <a:fld id="{8E0115BE-5274-5242-8A54-DE2C1DE08FD8}" type="CELLRANGE">
+                    <a:fld id="{E66E051B-2AE6-8B4A-9F7A-0058E53F40BB}" type="CELLRANGE">
                       <a:rPr lang="en-US"/>
                       <a:pPr/>
                       <a:t>[CELLRANGE]</a:t>
@@ -913,7 +912,7 @@
                   <a:bodyPr/>
                   <a:lstStyle/>
                   <a:p>
-                    <a:fld id="{C7276172-5AE4-864B-9D3A-223C654B71E9}" type="CELLRANGE">
+                    <a:fld id="{983BD300-3363-BA48-8BD5-3B7D49E5AAEF}" type="CELLRANGE">
                       <a:rPr lang="en-US"/>
                       <a:pPr/>
                       <a:t>[CELLRANGE]</a:t>
@@ -947,7 +946,7 @@
                   <a:bodyPr/>
                   <a:lstStyle/>
                   <a:p>
-                    <a:fld id="{A98F28E3-0FB3-604A-A191-7B2C67F29A1A}" type="CELLRANGE">
+                    <a:fld id="{674EAC27-D4F5-524B-A39D-B8892500762C}" type="CELLRANGE">
                       <a:rPr lang="en-US"/>
                       <a:pPr/>
                       <a:t>[CELLRANGE]</a:t>
@@ -981,7 +980,7 @@
                   <a:bodyPr/>
                   <a:lstStyle/>
                   <a:p>
-                    <a:fld id="{18EA24EA-483F-F145-908E-EE377FFE9437}" type="CELLRANGE">
+                    <a:fld id="{0F735206-62FC-6541-9A72-403186EAC937}" type="CELLRANGE">
                       <a:rPr lang="en-US"/>
                       <a:pPr/>
                       <a:t>[CELLRANGE]</a:t>
@@ -1156,7 +1155,7 @@
                   <a:bodyPr/>
                   <a:lstStyle/>
                   <a:p>
-                    <a:fld id="{7D471D42-8BEF-6846-B0BB-65E261F29357}" type="CELLRANGE">
+                    <a:fld id="{BA991CC6-4E13-AE4D-9A24-B99857E5B993}" type="CELLRANGE">
                       <a:rPr lang="en-US"/>
                       <a:pPr/>
                       <a:t>[CELLRANGE]</a:t>
@@ -1190,7 +1189,7 @@
                   <a:bodyPr/>
                   <a:lstStyle/>
                   <a:p>
-                    <a:fld id="{737D5E84-504E-7641-B29E-87EE79DD9012}" type="CELLRANGE">
+                    <a:fld id="{31D429BC-AFE5-8044-A8C8-1FD56723E6BA}" type="CELLRANGE">
                       <a:rPr lang="en-US"/>
                       <a:pPr/>
                       <a:t>[CELLRANGE]</a:t>
@@ -1224,7 +1223,7 @@
                   <a:bodyPr/>
                   <a:lstStyle/>
                   <a:p>
-                    <a:fld id="{57E7E53B-AA65-774A-8004-B65F344196D4}" type="CELLRANGE">
+                    <a:fld id="{773A4B3E-EE84-9E48-8AD4-0DA0AE4F488F}" type="CELLRANGE">
                       <a:rPr lang="en-US"/>
                       <a:pPr/>
                       <a:t>[CELLRANGE]</a:t>
@@ -1610,691 +1609,6 @@
 </c:chartSpace>
 </file>
 
-<file path=ppt/charts/chart10.xml><?xml version="1.0" encoding="utf-8"?>
-<c:chartSpace xmlns:c="http://schemas.openxmlformats.org/drawingml/2006/chart" xmlns:a="http://schemas.openxmlformats.org/drawingml/2006/main" xmlns:r="http://schemas.openxmlformats.org/officeDocument/2006/relationships" xmlns:c16r2="http://schemas.microsoft.com/office/drawing/2015/06/chart">
-  <c:date1904 val="0"/>
-  <c:lang val="en-US"/>
-  <c:roundedCorners val="0"/>
-  <mc:AlternateContent xmlns:mc="http://schemas.openxmlformats.org/markup-compatibility/2006">
-    <mc:Choice xmlns:c14="http://schemas.microsoft.com/office/drawing/2007/8/2/chart" Requires="c14">
-      <c14:style val="102"/>
-    </mc:Choice>
-    <mc:Fallback>
-      <c:style val="2"/>
-    </mc:Fallback>
-  </mc:AlternateContent>
-  <c:chart>
-    <c:autoTitleDeleted val="1"/>
-    <c:plotArea>
-      <c:layout/>
-      <c:barChart>
-        <c:barDir val="bar"/>
-        <c:grouping val="clustered"/>
-        <c:varyColors val="0"/>
-        <c:ser>
-          <c:idx val="0"/>
-          <c:order val="0"/>
-          <c:tx>
-            <c:strRef>
-              <c:f>Sheet1!$B$13</c:f>
-              <c:strCache>
-                <c:ptCount val="1"/>
-                <c:pt idx="0">
-                  <c:v>Engineer, data</c:v>
-                </c:pt>
-              </c:strCache>
-            </c:strRef>
-          </c:tx>
-          <c:spPr>
-            <a:solidFill>
-              <a:schemeClr val="accent1"/>
-            </a:solidFill>
-            <a:ln>
-              <a:noFill/>
-            </a:ln>
-            <a:effectLst/>
-          </c:spPr>
-          <c:invertIfNegative val="0"/>
-          <c:dPt>
-            <c:idx val="0"/>
-            <c:invertIfNegative val="0"/>
-            <c:bubble3D val="0"/>
-            <c:spPr>
-              <a:solidFill>
-                <a:schemeClr val="accent1">
-                  <a:lumMod val="60000"/>
-                  <a:lumOff val="40000"/>
-                </a:schemeClr>
-              </a:solidFill>
-              <a:ln>
-                <a:noFill/>
-              </a:ln>
-              <a:effectLst/>
-            </c:spPr>
-            <c:extLst>
-              <c:ext xmlns:c16="http://schemas.microsoft.com/office/drawing/2014/chart" uri="{C3380CC4-5D6E-409C-BE32-E72D297353CC}">
-                <c16:uniqueId val="{00000001-4F6D-A74B-B46D-56FC0015F8AF}"/>
-              </c:ext>
-            </c:extLst>
-          </c:dPt>
-          <c:dPt>
-            <c:idx val="1"/>
-            <c:invertIfNegative val="0"/>
-            <c:bubble3D val="0"/>
-            <c:spPr>
-              <a:solidFill>
-                <a:schemeClr val="accent1">
-                  <a:lumMod val="75000"/>
-                </a:schemeClr>
-              </a:solidFill>
-              <a:ln>
-                <a:noFill/>
-              </a:ln>
-              <a:effectLst/>
-            </c:spPr>
-            <c:extLst>
-              <c:ext xmlns:c16="http://schemas.microsoft.com/office/drawing/2014/chart" uri="{C3380CC4-5D6E-409C-BE32-E72D297353CC}">
-                <c16:uniqueId val="{00000003-4F6D-A74B-B46D-56FC0015F8AF}"/>
-              </c:ext>
-            </c:extLst>
-          </c:dPt>
-          <c:dPt>
-            <c:idx val="2"/>
-            <c:invertIfNegative val="0"/>
-            <c:bubble3D val="0"/>
-            <c:spPr>
-              <a:solidFill>
-                <a:schemeClr val="accent1">
-                  <a:lumMod val="50000"/>
-                </a:schemeClr>
-              </a:solidFill>
-              <a:ln>
-                <a:noFill/>
-              </a:ln>
-              <a:effectLst/>
-            </c:spPr>
-            <c:extLst>
-              <c:ext xmlns:c16="http://schemas.microsoft.com/office/drawing/2014/chart" uri="{C3380CC4-5D6E-409C-BE32-E72D297353CC}">
-                <c16:uniqueId val="{00000002-4F6D-A74B-B46D-56FC0015F8AF}"/>
-              </c:ext>
-            </c:extLst>
-          </c:dPt>
-          <c:dPt>
-            <c:idx val="3"/>
-            <c:invertIfNegative val="0"/>
-            <c:bubble3D val="0"/>
-            <c:spPr>
-              <a:solidFill>
-                <a:schemeClr val="tx2">
-                  <a:lumMod val="40000"/>
-                  <a:lumOff val="60000"/>
-                </a:schemeClr>
-              </a:solidFill>
-              <a:ln>
-                <a:noFill/>
-              </a:ln>
-              <a:effectLst/>
-            </c:spPr>
-            <c:extLst>
-              <c:ext xmlns:c16="http://schemas.microsoft.com/office/drawing/2014/chart" uri="{C3380CC4-5D6E-409C-BE32-E72D297353CC}">
-                <c16:uniqueId val="{00000000-4F6D-A74B-B46D-56FC0015F8AF}"/>
-              </c:ext>
-            </c:extLst>
-          </c:dPt>
-          <c:dLbls>
-            <c:spPr>
-              <a:noFill/>
-              <a:ln>
-                <a:noFill/>
-              </a:ln>
-              <a:effectLst/>
-            </c:spPr>
-            <c:txPr>
-              <a:bodyPr rot="0" spcFirstLastPara="1" vertOverflow="ellipsis" vert="horz" wrap="square" lIns="38100" tIns="19050" rIns="38100" bIns="19050" anchor="ctr" anchorCtr="1">
-                <a:spAutoFit/>
-              </a:bodyPr>
-              <a:lstStyle/>
-              <a:p>
-                <a:pPr>
-                  <a:defRPr sz="1197" b="1" i="0" u="none" strike="noStrike" kern="1200" baseline="0">
-                    <a:solidFill>
-                      <a:schemeClr val="bg1"/>
-                    </a:solidFill>
-                    <a:latin typeface="Times New Roman" panose="02020603050405020304" pitchFamily="18" charset="0"/>
-                    <a:ea typeface="+mn-ea"/>
-                    <a:cs typeface="Times New Roman" panose="02020603050405020304" pitchFamily="18" charset="0"/>
-                  </a:defRPr>
-                </a:pPr>
-                <a:endParaRPr lang="en-BR"/>
-              </a:p>
-            </c:txPr>
-            <c:dLblPos val="inEnd"/>
-            <c:showLegendKey val="0"/>
-            <c:showVal val="1"/>
-            <c:showCatName val="0"/>
-            <c:showSerName val="0"/>
-            <c:showPercent val="0"/>
-            <c:showBubbleSize val="0"/>
-            <c:showLeaderLines val="0"/>
-            <c:extLst>
-              <c:ext xmlns:c15="http://schemas.microsoft.com/office/drawing/2012/chart" uri="{CE6537A1-D6FC-4f65-9D91-7224C49458BB}">
-                <c15:showLeaderLines val="1"/>
-                <c15:leaderLines>
-                  <c:spPr>
-                    <a:ln w="9525" cap="flat" cmpd="sng" algn="ctr">
-                      <a:solidFill>
-                        <a:schemeClr val="tx1">
-                          <a:lumMod val="35000"/>
-                          <a:lumOff val="65000"/>
-                        </a:schemeClr>
-                      </a:solidFill>
-                      <a:round/>
-                    </a:ln>
-                    <a:effectLst/>
-                  </c:spPr>
-                </c15:leaderLines>
-              </c:ext>
-            </c:extLst>
-          </c:dLbls>
-          <c:errBars>
-            <c:errBarType val="both"/>
-            <c:errValType val="fixedVal"/>
-            <c:noEndCap val="0"/>
-            <c:val val="2.0000000000000004E-2"/>
-            <c:spPr>
-              <a:noFill/>
-              <a:ln w="19050" cap="flat" cmpd="sng" algn="ctr">
-                <a:solidFill>
-                  <a:schemeClr val="tx1">
-                    <a:lumMod val="65000"/>
-                    <a:lumOff val="35000"/>
-                  </a:schemeClr>
-                </a:solidFill>
-                <a:round/>
-              </a:ln>
-              <a:effectLst/>
-            </c:spPr>
-          </c:errBars>
-          <c:cat>
-            <c:strRef>
-              <c:f>Sheet1!$A$14:$A$17</c:f>
-              <c:strCache>
-                <c:ptCount val="4"/>
-                <c:pt idx="0">
-                  <c:v>Curious about other opportunities</c:v>
-                </c:pt>
-                <c:pt idx="1">
-                  <c:v>Wanting to work with new technologies</c:v>
-                </c:pt>
-                <c:pt idx="2">
-                  <c:v>Growth or leadership opportunities</c:v>
-                </c:pt>
-                <c:pt idx="3">
-                  <c:v>Better compensation</c:v>
-                </c:pt>
-              </c:strCache>
-            </c:strRef>
-          </c:cat>
-          <c:val>
-            <c:numRef>
-              <c:f>Sheet1!$B$14:$B$17</c:f>
-              <c:numCache>
-                <c:formatCode>0.0%</c:formatCode>
-                <c:ptCount val="4"/>
-                <c:pt idx="0">
-                  <c:v>0.60011918951132304</c:v>
-                </c:pt>
-                <c:pt idx="1">
-                  <c:v>0.63230035756853398</c:v>
-                </c:pt>
-                <c:pt idx="2">
-                  <c:v>0.57210965435041705</c:v>
-                </c:pt>
-                <c:pt idx="3">
-                  <c:v>0.70113230035756802</c:v>
-                </c:pt>
-              </c:numCache>
-            </c:numRef>
-          </c:val>
-          <c:extLst>
-            <c:ext xmlns:c16="http://schemas.microsoft.com/office/drawing/2014/chart" uri="{C3380CC4-5D6E-409C-BE32-E72D297353CC}">
-              <c16:uniqueId val="{00000000-7FA4-D74B-ACEC-FDC6A309FD31}"/>
-            </c:ext>
-          </c:extLst>
-        </c:ser>
-        <c:dLbls>
-          <c:dLblPos val="inEnd"/>
-          <c:showLegendKey val="0"/>
-          <c:showVal val="1"/>
-          <c:showCatName val="0"/>
-          <c:showSerName val="0"/>
-          <c:showPercent val="0"/>
-          <c:showBubbleSize val="0"/>
-        </c:dLbls>
-        <c:gapWidth val="70"/>
-        <c:axId val="202237439"/>
-        <c:axId val="231483135"/>
-      </c:barChart>
-      <c:catAx>
-        <c:axId val="202237439"/>
-        <c:scaling>
-          <c:orientation val="minMax"/>
-        </c:scaling>
-        <c:delete val="1"/>
-        <c:axPos val="l"/>
-        <c:numFmt formatCode="General" sourceLinked="1"/>
-        <c:majorTickMark val="none"/>
-        <c:minorTickMark val="none"/>
-        <c:tickLblPos val="nextTo"/>
-        <c:crossAx val="231483135"/>
-        <c:crosses val="autoZero"/>
-        <c:auto val="1"/>
-        <c:lblAlgn val="ctr"/>
-        <c:lblOffset val="100"/>
-        <c:noMultiLvlLbl val="0"/>
-      </c:catAx>
-      <c:valAx>
-        <c:axId val="231483135"/>
-        <c:scaling>
-          <c:orientation val="minMax"/>
-        </c:scaling>
-        <c:delete val="1"/>
-        <c:axPos val="b"/>
-        <c:numFmt formatCode="0.0%" sourceLinked="1"/>
-        <c:majorTickMark val="none"/>
-        <c:minorTickMark val="none"/>
-        <c:tickLblPos val="nextTo"/>
-        <c:crossAx val="202237439"/>
-        <c:crosses val="autoZero"/>
-        <c:crossBetween val="between"/>
-      </c:valAx>
-      <c:spPr>
-        <a:noFill/>
-        <a:ln>
-          <a:noFill/>
-        </a:ln>
-        <a:effectLst/>
-      </c:spPr>
-    </c:plotArea>
-    <c:plotVisOnly val="1"/>
-    <c:dispBlanksAs val="gap"/>
-    <c:extLst>
-      <c:ext xmlns:c16r3="http://schemas.microsoft.com/office/drawing/2017/03/chart" uri="{56B9EC1D-385E-4148-901F-78D8002777C0}">
-        <c16r3:dataDisplayOptions16>
-          <c16r3:dispNaAsBlank val="1"/>
-        </c16r3:dataDisplayOptions16>
-      </c:ext>
-    </c:extLst>
-    <c:showDLblsOverMax val="0"/>
-  </c:chart>
-  <c:spPr>
-    <a:noFill/>
-    <a:ln>
-      <a:noFill/>
-    </a:ln>
-    <a:effectLst/>
-  </c:spPr>
-  <c:txPr>
-    <a:bodyPr/>
-    <a:lstStyle/>
-    <a:p>
-      <a:pPr>
-        <a:defRPr>
-          <a:latin typeface="Times New Roman" panose="02020603050405020304" pitchFamily="18" charset="0"/>
-          <a:cs typeface="Times New Roman" panose="02020603050405020304" pitchFamily="18" charset="0"/>
-        </a:defRPr>
-      </a:pPr>
-      <a:endParaRPr lang="en-BR"/>
-    </a:p>
-  </c:txPr>
-  <c:externalData r:id="rId3">
-    <c:autoUpdate val="0"/>
-  </c:externalData>
-</c:chartSpace>
-</file>
-
-<file path=ppt/charts/chart11.xml><?xml version="1.0" encoding="utf-8"?>
-<c:chartSpace xmlns:c="http://schemas.openxmlformats.org/drawingml/2006/chart" xmlns:a="http://schemas.openxmlformats.org/drawingml/2006/main" xmlns:r="http://schemas.openxmlformats.org/officeDocument/2006/relationships" xmlns:c16r2="http://schemas.microsoft.com/office/drawing/2015/06/chart">
-  <c:date1904 val="0"/>
-  <c:lang val="en-US"/>
-  <c:roundedCorners val="0"/>
-  <mc:AlternateContent xmlns:mc="http://schemas.openxmlformats.org/markup-compatibility/2006">
-    <mc:Choice xmlns:c14="http://schemas.microsoft.com/office/drawing/2007/8/2/chart" Requires="c14">
-      <c14:style val="102"/>
-    </mc:Choice>
-    <mc:Fallback>
-      <c:style val="2"/>
-    </mc:Fallback>
-  </mc:AlternateContent>
-  <c:chart>
-    <c:autoTitleDeleted val="1"/>
-    <c:plotArea>
-      <c:layout/>
-      <c:barChart>
-        <c:barDir val="bar"/>
-        <c:grouping val="clustered"/>
-        <c:varyColors val="0"/>
-        <c:ser>
-          <c:idx val="0"/>
-          <c:order val="0"/>
-          <c:tx>
-            <c:strRef>
-              <c:f>Sheet1!$B$7</c:f>
-              <c:strCache>
-                <c:ptCount val="1"/>
-                <c:pt idx="0">
-                  <c:v>Data scientist or machine learning specialist</c:v>
-                </c:pt>
-              </c:strCache>
-            </c:strRef>
-          </c:tx>
-          <c:spPr>
-            <a:solidFill>
-              <a:schemeClr val="accent1"/>
-            </a:solidFill>
-            <a:ln>
-              <a:noFill/>
-            </a:ln>
-            <a:effectLst/>
-          </c:spPr>
-          <c:invertIfNegative val="0"/>
-          <c:dPt>
-            <c:idx val="0"/>
-            <c:invertIfNegative val="0"/>
-            <c:bubble3D val="0"/>
-            <c:spPr>
-              <a:solidFill>
-                <a:schemeClr val="accent1">
-                  <a:lumMod val="60000"/>
-                  <a:lumOff val="40000"/>
-                </a:schemeClr>
-              </a:solidFill>
-              <a:ln>
-                <a:noFill/>
-              </a:ln>
-              <a:effectLst/>
-            </c:spPr>
-            <c:extLst>
-              <c:ext xmlns:c16="http://schemas.microsoft.com/office/drawing/2014/chart" uri="{C3380CC4-5D6E-409C-BE32-E72D297353CC}">
-                <c16:uniqueId val="{00000002-8B13-004B-8B41-04DA73E6BA49}"/>
-              </c:ext>
-            </c:extLst>
-          </c:dPt>
-          <c:dPt>
-            <c:idx val="1"/>
-            <c:invertIfNegative val="0"/>
-            <c:bubble3D val="0"/>
-            <c:spPr>
-              <a:solidFill>
-                <a:schemeClr val="accent1">
-                  <a:lumMod val="75000"/>
-                </a:schemeClr>
-              </a:solidFill>
-              <a:ln>
-                <a:noFill/>
-              </a:ln>
-              <a:effectLst/>
-            </c:spPr>
-            <c:extLst>
-              <c:ext xmlns:c16="http://schemas.microsoft.com/office/drawing/2014/chart" uri="{C3380CC4-5D6E-409C-BE32-E72D297353CC}">
-                <c16:uniqueId val="{00000001-8B13-004B-8B41-04DA73E6BA49}"/>
-              </c:ext>
-            </c:extLst>
-          </c:dPt>
-          <c:dPt>
-            <c:idx val="2"/>
-            <c:invertIfNegative val="0"/>
-            <c:bubble3D val="0"/>
-            <c:spPr>
-              <a:solidFill>
-                <a:schemeClr val="accent1">
-                  <a:lumMod val="50000"/>
-                </a:schemeClr>
-              </a:solidFill>
-              <a:ln>
-                <a:noFill/>
-              </a:ln>
-              <a:effectLst/>
-            </c:spPr>
-            <c:extLst>
-              <c:ext xmlns:c16="http://schemas.microsoft.com/office/drawing/2014/chart" uri="{C3380CC4-5D6E-409C-BE32-E72D297353CC}">
-                <c16:uniqueId val="{00000003-8B13-004B-8B41-04DA73E6BA49}"/>
-              </c:ext>
-            </c:extLst>
-          </c:dPt>
-          <c:dPt>
-            <c:idx val="3"/>
-            <c:invertIfNegative val="0"/>
-            <c:bubble3D val="0"/>
-            <c:spPr>
-              <a:solidFill>
-                <a:schemeClr val="tx2">
-                  <a:lumMod val="40000"/>
-                  <a:lumOff val="60000"/>
-                </a:schemeClr>
-              </a:solidFill>
-              <a:ln>
-                <a:noFill/>
-              </a:ln>
-              <a:effectLst/>
-            </c:spPr>
-            <c:extLst>
-              <c:ext xmlns:c16="http://schemas.microsoft.com/office/drawing/2014/chart" uri="{C3380CC4-5D6E-409C-BE32-E72D297353CC}">
-                <c16:uniqueId val="{00000000-8B13-004B-8B41-04DA73E6BA49}"/>
-              </c:ext>
-            </c:extLst>
-          </c:dPt>
-          <c:dLbls>
-            <c:spPr>
-              <a:noFill/>
-              <a:ln>
-                <a:noFill/>
-              </a:ln>
-              <a:effectLst/>
-            </c:spPr>
-            <c:txPr>
-              <a:bodyPr rot="0" spcFirstLastPara="1" vertOverflow="ellipsis" vert="horz" wrap="square" lIns="38100" tIns="19050" rIns="38100" bIns="19050" anchor="ctr" anchorCtr="1">
-                <a:spAutoFit/>
-              </a:bodyPr>
-              <a:lstStyle/>
-              <a:p>
-                <a:pPr>
-                  <a:defRPr sz="1197" b="1" i="0" u="none" strike="noStrike" kern="1200" baseline="0">
-                    <a:solidFill>
-                      <a:schemeClr val="bg1"/>
-                    </a:solidFill>
-                    <a:latin typeface="Times New Roman" panose="02020603050405020304" pitchFamily="18" charset="0"/>
-                    <a:ea typeface="+mn-ea"/>
-                    <a:cs typeface="Times New Roman" panose="02020603050405020304" pitchFamily="18" charset="0"/>
-                  </a:defRPr>
-                </a:pPr>
-                <a:endParaRPr lang="en-BR"/>
-              </a:p>
-            </c:txPr>
-            <c:dLblPos val="inEnd"/>
-            <c:showLegendKey val="0"/>
-            <c:showVal val="1"/>
-            <c:showCatName val="0"/>
-            <c:showSerName val="0"/>
-            <c:showPercent val="0"/>
-            <c:showBubbleSize val="0"/>
-            <c:showLeaderLines val="0"/>
-            <c:extLst>
-              <c:ext xmlns:c15="http://schemas.microsoft.com/office/drawing/2012/chart" uri="{CE6537A1-D6FC-4f65-9D91-7224C49458BB}">
-                <c15:showLeaderLines val="1"/>
-                <c15:leaderLines>
-                  <c:spPr>
-                    <a:ln w="9525" cap="flat" cmpd="sng" algn="ctr">
-                      <a:solidFill>
-                        <a:schemeClr val="tx1">
-                          <a:lumMod val="35000"/>
-                          <a:lumOff val="65000"/>
-                        </a:schemeClr>
-                      </a:solidFill>
-                      <a:round/>
-                    </a:ln>
-                    <a:effectLst/>
-                  </c:spPr>
-                </c15:leaderLines>
-              </c:ext>
-            </c:extLst>
-          </c:dLbls>
-          <c:errBars>
-            <c:errBarType val="both"/>
-            <c:errValType val="fixedVal"/>
-            <c:noEndCap val="0"/>
-            <c:val val="2.0000000000000004E-2"/>
-            <c:spPr>
-              <a:noFill/>
-              <a:ln w="19050" cap="flat" cmpd="sng" algn="ctr">
-                <a:solidFill>
-                  <a:schemeClr val="tx1">
-                    <a:lumMod val="65000"/>
-                    <a:lumOff val="35000"/>
-                  </a:schemeClr>
-                </a:solidFill>
-                <a:round/>
-              </a:ln>
-              <a:effectLst/>
-            </c:spPr>
-          </c:errBars>
-          <c:cat>
-            <c:strRef>
-              <c:f>Sheet1!$A$8:$A$11</c:f>
-              <c:strCache>
-                <c:ptCount val="4"/>
-                <c:pt idx="0">
-                  <c:v>Curious about other opportunities</c:v>
-                </c:pt>
-                <c:pt idx="1">
-                  <c:v>Wanting to work with new technologies</c:v>
-                </c:pt>
-                <c:pt idx="2">
-                  <c:v>Growth or leadership opportunities</c:v>
-                </c:pt>
-                <c:pt idx="3">
-                  <c:v>Better compensation</c:v>
-                </c:pt>
-              </c:strCache>
-            </c:strRef>
-          </c:cat>
-          <c:val>
-            <c:numRef>
-              <c:f>Sheet1!$B$8:$B$11</c:f>
-              <c:numCache>
-                <c:formatCode>0.0%</c:formatCode>
-                <c:ptCount val="4"/>
-                <c:pt idx="0">
-                  <c:v>0.59459459459459396</c:v>
-                </c:pt>
-                <c:pt idx="1">
-                  <c:v>0.54876615746180901</c:v>
-                </c:pt>
-                <c:pt idx="2">
-                  <c:v>0.56051703877790804</c:v>
-                </c:pt>
-                <c:pt idx="3">
-                  <c:v>0.65981198589894197</c:v>
-                </c:pt>
-              </c:numCache>
-            </c:numRef>
-          </c:val>
-          <c:extLst>
-            <c:ext xmlns:c16="http://schemas.microsoft.com/office/drawing/2014/chart" uri="{C3380CC4-5D6E-409C-BE32-E72D297353CC}">
-              <c16:uniqueId val="{00000000-7FA4-D74B-ACEC-FDC6A309FD31}"/>
-            </c:ext>
-          </c:extLst>
-        </c:ser>
-        <c:dLbls>
-          <c:showLegendKey val="0"/>
-          <c:showVal val="0"/>
-          <c:showCatName val="0"/>
-          <c:showSerName val="0"/>
-          <c:showPercent val="0"/>
-          <c:showBubbleSize val="0"/>
-        </c:dLbls>
-        <c:gapWidth val="70"/>
-        <c:axId val="202237439"/>
-        <c:axId val="231483135"/>
-      </c:barChart>
-      <c:catAx>
-        <c:axId val="202237439"/>
-        <c:scaling>
-          <c:orientation val="minMax"/>
-        </c:scaling>
-        <c:delete val="1"/>
-        <c:axPos val="l"/>
-        <c:numFmt formatCode="General" sourceLinked="1"/>
-        <c:majorTickMark val="none"/>
-        <c:minorTickMark val="none"/>
-        <c:tickLblPos val="nextTo"/>
-        <c:crossAx val="231483135"/>
-        <c:crosses val="autoZero"/>
-        <c:auto val="1"/>
-        <c:lblAlgn val="ctr"/>
-        <c:lblOffset val="100"/>
-        <c:noMultiLvlLbl val="0"/>
-      </c:catAx>
-      <c:valAx>
-        <c:axId val="231483135"/>
-        <c:scaling>
-          <c:orientation val="minMax"/>
-        </c:scaling>
-        <c:delete val="1"/>
-        <c:axPos val="b"/>
-        <c:numFmt formatCode="0.0%" sourceLinked="1"/>
-        <c:majorTickMark val="none"/>
-        <c:minorTickMark val="none"/>
-        <c:tickLblPos val="nextTo"/>
-        <c:crossAx val="202237439"/>
-        <c:crosses val="autoZero"/>
-        <c:crossBetween val="between"/>
-      </c:valAx>
-      <c:spPr>
-        <a:noFill/>
-        <a:ln>
-          <a:noFill/>
-        </a:ln>
-        <a:effectLst/>
-      </c:spPr>
-    </c:plotArea>
-    <c:plotVisOnly val="1"/>
-    <c:dispBlanksAs val="gap"/>
-    <c:extLst>
-      <c:ext xmlns:c16r3="http://schemas.microsoft.com/office/drawing/2017/03/chart" uri="{56B9EC1D-385E-4148-901F-78D8002777C0}">
-        <c16r3:dataDisplayOptions16>
-          <c16r3:dispNaAsBlank val="1"/>
-        </c16r3:dataDisplayOptions16>
-      </c:ext>
-    </c:extLst>
-    <c:showDLblsOverMax val="0"/>
-  </c:chart>
-  <c:spPr>
-    <a:noFill/>
-    <a:ln>
-      <a:noFill/>
-    </a:ln>
-    <a:effectLst/>
-  </c:spPr>
-  <c:txPr>
-    <a:bodyPr/>
-    <a:lstStyle/>
-    <a:p>
-      <a:pPr>
-        <a:defRPr>
-          <a:latin typeface="Times New Roman" panose="02020603050405020304" pitchFamily="18" charset="0"/>
-          <a:cs typeface="Times New Roman" panose="02020603050405020304" pitchFamily="18" charset="0"/>
-        </a:defRPr>
-      </a:pPr>
-      <a:endParaRPr lang="en-BR"/>
-    </a:p>
-  </c:txPr>
-  <c:externalData r:id="rId3">
-    <c:autoUpdate val="0"/>
-  </c:externalData>
-</c:chartSpace>
-</file>
-
 <file path=ppt/charts/chart2.xml><?xml version="1.0" encoding="utf-8"?>
 <c:chartSpace xmlns:c="http://schemas.openxmlformats.org/drawingml/2006/chart" xmlns:a="http://schemas.openxmlformats.org/drawingml/2006/main" xmlns:r="http://schemas.openxmlformats.org/officeDocument/2006/relationships" xmlns:c16r2="http://schemas.microsoft.com/office/drawing/2015/06/chart">
   <c:date1904 val="0"/>
@@ -2530,7 +1844,7 @@
             <c:errBarType val="both"/>
             <c:errValType val="fixedVal"/>
             <c:noEndCap val="0"/>
-            <c:val val="6.0000000000000012E-2"/>
+            <c:val val="0.1"/>
             <c:spPr>
               <a:noFill/>
               <a:ln w="19050" cap="flat" cmpd="sng" algn="ctr">
@@ -2565,16 +1879,16 @@
             <c:numRef>
               <c:f>Sheet1!$B$2:$B$4</c:f>
               <c:numCache>
-                <c:formatCode>0.00</c:formatCode>
+                <c:formatCode>\+0%;\-0%</c:formatCode>
                 <c:ptCount val="3"/>
                 <c:pt idx="0">
-                  <c:v>0.16716174742603701</c:v>
+                  <c:v>0.26387382263996301</c:v>
                 </c:pt>
                 <c:pt idx="1">
-                  <c:v>3.8318480448851597E-2</c:v>
+                  <c:v>6.1971165867296903E-2</c:v>
                 </c:pt>
                 <c:pt idx="2">
-                  <c:v>-5.2104526591802397E-2</c:v>
+                  <c:v>-7.8361727365462694E-2</c:v>
                 </c:pt>
               </c:numCache>
             </c:numRef>
@@ -2652,7 +1966,7 @@
         <c:axId val="1902919296"/>
         <c:scaling>
           <c:orientation val="minMax"/>
-          <c:min val="-0.12000000000000001"/>
+          <c:min val="-0.2"/>
         </c:scaling>
         <c:delete val="1"/>
         <c:axPos val="b"/>
@@ -4772,22 +4086,24 @@
         <c:grouping val="clustered"/>
         <c:varyColors val="0"/>
         <c:ser>
-          <c:idx val="0"/>
+          <c:idx val="2"/>
           <c:order val="0"/>
           <c:tx>
             <c:strRef>
-              <c:f>Sheet1!$B$1</c:f>
+              <c:f>Sheet1!$D$1</c:f>
               <c:strCache>
                 <c:ptCount val="1"/>
                 <c:pt idx="0">
-                  <c:v>Data or business analyst</c:v>
+                  <c:v>Engineer, data</c:v>
                 </c:pt>
               </c:strCache>
             </c:strRef>
           </c:tx>
           <c:spPr>
             <a:solidFill>
-              <a:schemeClr val="accent1"/>
+              <a:schemeClr val="bg1">
+                <a:lumMod val="95000"/>
+              </a:schemeClr>
             </a:solidFill>
             <a:ln>
               <a:noFill/>
@@ -4795,92 +4111,6 @@
             <a:effectLst/>
           </c:spPr>
           <c:invertIfNegative val="0"/>
-          <c:dPt>
-            <c:idx val="0"/>
-            <c:invertIfNegative val="0"/>
-            <c:bubble3D val="0"/>
-            <c:spPr>
-              <a:solidFill>
-                <a:schemeClr val="accent1">
-                  <a:lumMod val="60000"/>
-                  <a:lumOff val="40000"/>
-                </a:schemeClr>
-              </a:solidFill>
-              <a:ln>
-                <a:noFill/>
-              </a:ln>
-              <a:effectLst/>
-            </c:spPr>
-            <c:extLst>
-              <c:ext xmlns:c16="http://schemas.microsoft.com/office/drawing/2014/chart" uri="{C3380CC4-5D6E-409C-BE32-E72D297353CC}">
-                <c16:uniqueId val="{00000008-F88C-8741-8622-31586D47B8D9}"/>
-              </c:ext>
-            </c:extLst>
-          </c:dPt>
-          <c:dPt>
-            <c:idx val="1"/>
-            <c:invertIfNegative val="0"/>
-            <c:bubble3D val="0"/>
-            <c:spPr>
-              <a:solidFill>
-                <a:schemeClr val="accent1">
-                  <a:lumMod val="75000"/>
-                </a:schemeClr>
-              </a:solidFill>
-              <a:ln>
-                <a:noFill/>
-              </a:ln>
-              <a:effectLst/>
-            </c:spPr>
-            <c:extLst>
-              <c:ext xmlns:c16="http://schemas.microsoft.com/office/drawing/2014/chart" uri="{C3380CC4-5D6E-409C-BE32-E72D297353CC}">
-                <c16:uniqueId val="{00000007-F88C-8741-8622-31586D47B8D9}"/>
-              </c:ext>
-            </c:extLst>
-          </c:dPt>
-          <c:dPt>
-            <c:idx val="2"/>
-            <c:invertIfNegative val="0"/>
-            <c:bubble3D val="0"/>
-            <c:spPr>
-              <a:solidFill>
-                <a:schemeClr val="accent1">
-                  <a:lumMod val="50000"/>
-                </a:schemeClr>
-              </a:solidFill>
-              <a:ln>
-                <a:noFill/>
-              </a:ln>
-              <a:effectLst/>
-            </c:spPr>
-            <c:extLst>
-              <c:ext xmlns:c16="http://schemas.microsoft.com/office/drawing/2014/chart" uri="{C3380CC4-5D6E-409C-BE32-E72D297353CC}">
-                <c16:uniqueId val="{00000006-F88C-8741-8622-31586D47B8D9}"/>
-              </c:ext>
-            </c:extLst>
-          </c:dPt>
-          <c:dPt>
-            <c:idx val="3"/>
-            <c:invertIfNegative val="0"/>
-            <c:bubble3D val="0"/>
-            <c:spPr>
-              <a:solidFill>
-                <a:schemeClr val="tx2">
-                  <a:lumMod val="40000"/>
-                  <a:lumOff val="60000"/>
-                </a:schemeClr>
-              </a:solidFill>
-              <a:ln>
-                <a:noFill/>
-              </a:ln>
-              <a:effectLst/>
-            </c:spPr>
-            <c:extLst>
-              <c:ext xmlns:c16="http://schemas.microsoft.com/office/drawing/2014/chart" uri="{C3380CC4-5D6E-409C-BE32-E72D297353CC}">
-                <c16:uniqueId val="{00000003-F88C-8741-8622-31586D47B8D9}"/>
-              </c:ext>
-            </c:extLst>
-          </c:dPt>
           <c:dLbls>
             <c:spPr>
               <a:noFill/>
@@ -4890,13 +4120,18 @@
               <a:effectLst/>
             </c:spPr>
             <c:txPr>
-              <a:bodyPr rot="0" spcFirstLastPara="1" vertOverflow="ellipsis" vert="horz" wrap="square" anchor="ctr" anchorCtr="1"/>
+              <a:bodyPr rot="0" spcFirstLastPara="1" vertOverflow="ellipsis" vert="horz" wrap="square" lIns="38100" tIns="19050" rIns="38100" bIns="19050" anchor="ctr" anchorCtr="1">
+                <a:spAutoFit/>
+              </a:bodyPr>
               <a:lstStyle/>
               <a:p>
                 <a:pPr>
-                  <a:defRPr sz="1197" b="1" i="0" u="none" strike="noStrike" kern="1200" baseline="0">
+                  <a:defRPr sz="1000" b="0" i="0" u="none" strike="noStrike" kern="1200" baseline="0">
                     <a:solidFill>
-                      <a:schemeClr val="bg1"/>
+                      <a:schemeClr val="tx1">
+                        <a:lumMod val="75000"/>
+                        <a:lumOff val="25000"/>
+                      </a:schemeClr>
                     </a:solidFill>
                     <a:latin typeface="Times New Roman" panose="02020603050405020304" pitchFamily="18" charset="0"/>
                     <a:ea typeface="+mn-ea"/>
@@ -4906,7 +4141,7 @@
                 <a:endParaRPr lang="en-BR"/>
               </a:p>
             </c:txPr>
-            <c:dLblPos val="inEnd"/>
+            <c:dLblPos val="inBase"/>
             <c:showLegendKey val="0"/>
             <c:showVal val="1"/>
             <c:showCatName val="0"/>
@@ -4943,9 +4178,8 @@
               <a:noFill/>
               <a:ln w="19050" cap="flat" cmpd="sng" algn="ctr">
                 <a:solidFill>
-                  <a:schemeClr val="tx1">
-                    <a:lumMod val="65000"/>
-                    <a:lumOff val="35000"/>
+                  <a:schemeClr val="bg2">
+                    <a:lumMod val="90000"/>
                   </a:schemeClr>
                 </a:solidFill>
                 <a:round/>
@@ -4959,16 +4193,396 @@
               <c:strCache>
                 <c:ptCount val="4"/>
                 <c:pt idx="0">
-                  <c:v>Curious about other opportunities</c:v>
+                  <c:v>Languages, frameworks, and other technologies I’d be working with</c:v>
                 </c:pt>
                 <c:pt idx="1">
-                  <c:v>Wanting to work with new technologies</c:v>
+                  <c:v>Office environment or company culture</c:v>
                 </c:pt>
                 <c:pt idx="2">
-                  <c:v>Growth or leadership opportunities</c:v>
+                  <c:v>Flex time or a flexible schedule</c:v>
                 </c:pt>
                 <c:pt idx="3">
-                  <c:v>Better compensation</c:v>
+                  <c:v>Opportunities for professional development</c:v>
+                </c:pt>
+              </c:strCache>
+            </c:strRef>
+          </c:cat>
+          <c:val>
+            <c:numRef>
+              <c:f>Sheet1!$D$2:$D$5</c:f>
+              <c:numCache>
+                <c:formatCode>0.0%</c:formatCode>
+                <c:ptCount val="4"/>
+                <c:pt idx="0">
+                  <c:v>0.52709640616086695</c:v>
+                </c:pt>
+                <c:pt idx="1">
+                  <c:v>0.44095835710211001</c:v>
+                </c:pt>
+                <c:pt idx="2">
+                  <c:v>0.40559041642897797</c:v>
+                </c:pt>
+                <c:pt idx="3">
+                  <c:v>0.447803764974329</c:v>
+                </c:pt>
+              </c:numCache>
+            </c:numRef>
+          </c:val>
+          <c:extLst>
+            <c:ext xmlns:c16="http://schemas.microsoft.com/office/drawing/2014/chart" uri="{C3380CC4-5D6E-409C-BE32-E72D297353CC}">
+              <c16:uniqueId val="{0000000D-DF51-4E4E-AE21-4FF23F5BC3B1}"/>
+            </c:ext>
+          </c:extLst>
+        </c:ser>
+        <c:ser>
+          <c:idx val="1"/>
+          <c:order val="1"/>
+          <c:tx>
+            <c:strRef>
+              <c:f>Sheet1!$C$1</c:f>
+              <c:strCache>
+                <c:ptCount val="1"/>
+                <c:pt idx="0">
+                  <c:v>Data scientist or machine learning specialist</c:v>
+                </c:pt>
+              </c:strCache>
+            </c:strRef>
+          </c:tx>
+          <c:spPr>
+            <a:solidFill>
+              <a:schemeClr val="bg1">
+                <a:lumMod val="95000"/>
+              </a:schemeClr>
+            </a:solidFill>
+            <a:ln>
+              <a:noFill/>
+            </a:ln>
+            <a:effectLst/>
+          </c:spPr>
+          <c:invertIfNegative val="0"/>
+          <c:dLbls>
+            <c:spPr>
+              <a:noFill/>
+              <a:ln>
+                <a:noFill/>
+              </a:ln>
+              <a:effectLst/>
+            </c:spPr>
+            <c:txPr>
+              <a:bodyPr rot="0" spcFirstLastPara="1" vertOverflow="ellipsis" vert="horz" wrap="square" lIns="38100" tIns="19050" rIns="38100" bIns="19050" anchor="ctr" anchorCtr="1">
+                <a:spAutoFit/>
+              </a:bodyPr>
+              <a:lstStyle/>
+              <a:p>
+                <a:pPr>
+                  <a:defRPr sz="1000" b="0" i="0" u="none" strike="noStrike" kern="1200" baseline="0">
+                    <a:solidFill>
+                      <a:schemeClr val="tx1">
+                        <a:lumMod val="75000"/>
+                        <a:lumOff val="25000"/>
+                      </a:schemeClr>
+                    </a:solidFill>
+                    <a:latin typeface="Times New Roman" panose="02020603050405020304" pitchFamily="18" charset="0"/>
+                    <a:ea typeface="+mn-ea"/>
+                    <a:cs typeface="Times New Roman" panose="02020603050405020304" pitchFamily="18" charset="0"/>
+                  </a:defRPr>
+                </a:pPr>
+                <a:endParaRPr lang="en-BR"/>
+              </a:p>
+            </c:txPr>
+            <c:dLblPos val="inBase"/>
+            <c:showLegendKey val="0"/>
+            <c:showVal val="1"/>
+            <c:showCatName val="0"/>
+            <c:showSerName val="0"/>
+            <c:showPercent val="0"/>
+            <c:showBubbleSize val="0"/>
+            <c:showLeaderLines val="0"/>
+            <c:extLst>
+              <c:ext xmlns:c15="http://schemas.microsoft.com/office/drawing/2012/chart" uri="{CE6537A1-D6FC-4f65-9D91-7224C49458BB}">
+                <c15:showLeaderLines val="1"/>
+                <c15:leaderLines>
+                  <c:spPr>
+                    <a:ln w="9525" cap="flat" cmpd="sng" algn="ctr">
+                      <a:solidFill>
+                        <a:schemeClr val="tx1">
+                          <a:lumMod val="35000"/>
+                          <a:lumOff val="65000"/>
+                        </a:schemeClr>
+                      </a:solidFill>
+                      <a:round/>
+                    </a:ln>
+                    <a:effectLst/>
+                  </c:spPr>
+                </c15:leaderLines>
+              </c:ext>
+            </c:extLst>
+          </c:dLbls>
+          <c:errBars>
+            <c:errBarType val="both"/>
+            <c:errValType val="fixedVal"/>
+            <c:noEndCap val="0"/>
+            <c:val val="2.0000000000000004E-2"/>
+            <c:spPr>
+              <a:noFill/>
+              <a:ln w="19050" cap="flat" cmpd="sng" algn="ctr">
+                <a:solidFill>
+                  <a:schemeClr val="bg2">
+                    <a:lumMod val="90000"/>
+                  </a:schemeClr>
+                </a:solidFill>
+                <a:round/>
+              </a:ln>
+              <a:effectLst/>
+            </c:spPr>
+          </c:errBars>
+          <c:cat>
+            <c:strRef>
+              <c:f>Sheet1!$A$2:$A$5</c:f>
+              <c:strCache>
+                <c:ptCount val="4"/>
+                <c:pt idx="0">
+                  <c:v>Languages, frameworks, and other technologies I’d be working with</c:v>
+                </c:pt>
+                <c:pt idx="1">
+                  <c:v>Office environment or company culture</c:v>
+                </c:pt>
+                <c:pt idx="2">
+                  <c:v>Flex time or a flexible schedule</c:v>
+                </c:pt>
+                <c:pt idx="3">
+                  <c:v>Opportunities for professional development</c:v>
+                </c:pt>
+              </c:strCache>
+            </c:strRef>
+          </c:cat>
+          <c:val>
+            <c:numRef>
+              <c:f>Sheet1!$C$2:$C$5</c:f>
+              <c:numCache>
+                <c:formatCode>0.0%</c:formatCode>
+                <c:ptCount val="4"/>
+                <c:pt idx="0">
+                  <c:v>0.414513468938977</c:v>
+                </c:pt>
+                <c:pt idx="1">
+                  <c:v>0.39857064321055502</c:v>
+                </c:pt>
+                <c:pt idx="2">
+                  <c:v>0.40736668499175299</c:v>
+                </c:pt>
+                <c:pt idx="3">
+                  <c:v>0.42221000549752602</c:v>
+                </c:pt>
+              </c:numCache>
+            </c:numRef>
+          </c:val>
+          <c:extLst>
+            <c:ext xmlns:c16="http://schemas.microsoft.com/office/drawing/2014/chart" uri="{C3380CC4-5D6E-409C-BE32-E72D297353CC}">
+              <c16:uniqueId val="{0000000C-DF51-4E4E-AE21-4FF23F5BC3B1}"/>
+            </c:ext>
+          </c:extLst>
+        </c:ser>
+        <c:ser>
+          <c:idx val="0"/>
+          <c:order val="2"/>
+          <c:tx>
+            <c:strRef>
+              <c:f>Sheet1!$B$1</c:f>
+              <c:strCache>
+                <c:ptCount val="1"/>
+                <c:pt idx="0">
+                  <c:v>Data or business analyst</c:v>
+                </c:pt>
+              </c:strCache>
+            </c:strRef>
+          </c:tx>
+          <c:spPr>
+            <a:solidFill>
+              <a:schemeClr val="accent1">
+                <a:lumMod val="50000"/>
+              </a:schemeClr>
+            </a:solidFill>
+            <a:ln>
+              <a:noFill/>
+            </a:ln>
+            <a:effectLst/>
+          </c:spPr>
+          <c:invertIfNegative val="0"/>
+          <c:dPt>
+            <c:idx val="0"/>
+            <c:invertIfNegative val="0"/>
+            <c:bubble3D val="0"/>
+            <c:spPr>
+              <a:solidFill>
+                <a:schemeClr val="accent1">
+                  <a:lumMod val="40000"/>
+                  <a:lumOff val="60000"/>
+                </a:schemeClr>
+              </a:solidFill>
+              <a:ln>
+                <a:noFill/>
+              </a:ln>
+              <a:effectLst/>
+            </c:spPr>
+            <c:extLst>
+              <c:ext xmlns:c16="http://schemas.microsoft.com/office/drawing/2014/chart" uri="{C3380CC4-5D6E-409C-BE32-E72D297353CC}">
+                <c16:uniqueId val="{00000008-F88C-8741-8622-31586D47B8D9}"/>
+              </c:ext>
+            </c:extLst>
+          </c:dPt>
+          <c:dPt>
+            <c:idx val="1"/>
+            <c:invertIfNegative val="0"/>
+            <c:bubble3D val="0"/>
+            <c:spPr>
+              <a:solidFill>
+                <a:schemeClr val="accent1">
+                  <a:lumMod val="60000"/>
+                  <a:lumOff val="40000"/>
+                </a:schemeClr>
+              </a:solidFill>
+              <a:ln>
+                <a:noFill/>
+              </a:ln>
+              <a:effectLst/>
+            </c:spPr>
+            <c:extLst>
+              <c:ext xmlns:c16="http://schemas.microsoft.com/office/drawing/2014/chart" uri="{C3380CC4-5D6E-409C-BE32-E72D297353CC}">
+                <c16:uniqueId val="{00000007-F88C-8741-8622-31586D47B8D9}"/>
+              </c:ext>
+            </c:extLst>
+          </c:dPt>
+          <c:dPt>
+            <c:idx val="2"/>
+            <c:invertIfNegative val="0"/>
+            <c:bubble3D val="0"/>
+            <c:spPr>
+              <a:solidFill>
+                <a:schemeClr val="accent1">
+                  <a:lumMod val="75000"/>
+                </a:schemeClr>
+              </a:solidFill>
+              <a:ln>
+                <a:noFill/>
+              </a:ln>
+              <a:effectLst/>
+            </c:spPr>
+            <c:extLst>
+              <c:ext xmlns:c16="http://schemas.microsoft.com/office/drawing/2014/chart" uri="{C3380CC4-5D6E-409C-BE32-E72D297353CC}">
+                <c16:uniqueId val="{00000006-F88C-8741-8622-31586D47B8D9}"/>
+              </c:ext>
+            </c:extLst>
+          </c:dPt>
+          <c:dPt>
+            <c:idx val="3"/>
+            <c:invertIfNegative val="0"/>
+            <c:bubble3D val="0"/>
+            <c:spPr>
+              <a:solidFill>
+                <a:schemeClr val="accent1">
+                  <a:lumMod val="50000"/>
+                </a:schemeClr>
+              </a:solidFill>
+              <a:ln>
+                <a:noFill/>
+              </a:ln>
+              <a:effectLst/>
+            </c:spPr>
+            <c:extLst>
+              <c:ext xmlns:c16="http://schemas.microsoft.com/office/drawing/2014/chart" uri="{C3380CC4-5D6E-409C-BE32-E72D297353CC}">
+                <c16:uniqueId val="{00000003-F88C-8741-8622-31586D47B8D9}"/>
+              </c:ext>
+            </c:extLst>
+          </c:dPt>
+          <c:dLbls>
+            <c:spPr>
+              <a:noFill/>
+              <a:ln>
+                <a:noFill/>
+              </a:ln>
+              <a:effectLst/>
+            </c:spPr>
+            <c:txPr>
+              <a:bodyPr rot="0" spcFirstLastPara="1" vertOverflow="ellipsis" vert="horz" wrap="square" anchor="ctr" anchorCtr="1"/>
+              <a:lstStyle/>
+              <a:p>
+                <a:pPr>
+                  <a:defRPr sz="1000" b="1" i="0" u="none" strike="noStrike" kern="1200" baseline="0">
+                    <a:solidFill>
+                      <a:schemeClr val="bg1"/>
+                    </a:solidFill>
+                    <a:latin typeface="Times New Roman" panose="02020603050405020304" pitchFamily="18" charset="0"/>
+                    <a:ea typeface="+mn-ea"/>
+                    <a:cs typeface="Times New Roman" panose="02020603050405020304" pitchFamily="18" charset="0"/>
+                  </a:defRPr>
+                </a:pPr>
+                <a:endParaRPr lang="en-BR"/>
+              </a:p>
+            </c:txPr>
+            <c:dLblPos val="inBase"/>
+            <c:showLegendKey val="0"/>
+            <c:showVal val="1"/>
+            <c:showCatName val="0"/>
+            <c:showSerName val="0"/>
+            <c:showPercent val="0"/>
+            <c:showBubbleSize val="0"/>
+            <c:separator>, </c:separator>
+            <c:showLeaderLines val="0"/>
+            <c:extLst>
+              <c:ext xmlns:c15="http://schemas.microsoft.com/office/drawing/2012/chart" uri="{CE6537A1-D6FC-4f65-9D91-7224C49458BB}">
+                <c15:showLeaderLines val="1"/>
+                <c15:leaderLines>
+                  <c:spPr>
+                    <a:ln w="9525" cap="flat" cmpd="sng" algn="ctr">
+                      <a:solidFill>
+                        <a:schemeClr val="tx1">
+                          <a:lumMod val="35000"/>
+                          <a:lumOff val="65000"/>
+                        </a:schemeClr>
+                      </a:solidFill>
+                      <a:round/>
+                    </a:ln>
+                    <a:effectLst/>
+                  </c:spPr>
+                </c15:leaderLines>
+              </c:ext>
+            </c:extLst>
+          </c:dLbls>
+          <c:errBars>
+            <c:errBarType val="both"/>
+            <c:errValType val="fixedVal"/>
+            <c:noEndCap val="0"/>
+            <c:val val="2.0000000000000004E-2"/>
+            <c:spPr>
+              <a:noFill/>
+              <a:ln w="19050" cap="flat" cmpd="sng" algn="ctr">
+                <a:solidFill>
+                  <a:schemeClr val="bg2">
+                    <a:lumMod val="90000"/>
+                  </a:schemeClr>
+                </a:solidFill>
+                <a:round/>
+              </a:ln>
+              <a:effectLst/>
+            </c:spPr>
+          </c:errBars>
+          <c:cat>
+            <c:strRef>
+              <c:f>Sheet1!$A$2:$A$5</c:f>
+              <c:strCache>
+                <c:ptCount val="4"/>
+                <c:pt idx="0">
+                  <c:v>Languages, frameworks, and other technologies I’d be working with</c:v>
+                </c:pt>
+                <c:pt idx="1">
+                  <c:v>Office environment or company culture</c:v>
+                </c:pt>
+                <c:pt idx="2">
+                  <c:v>Flex time or a flexible schedule</c:v>
+                </c:pt>
+                <c:pt idx="3">
+                  <c:v>Opportunities for professional development</c:v>
                 </c:pt>
               </c:strCache>
             </c:strRef>
@@ -4980,16 +4594,16 @@
                 <c:formatCode>0.0%</c:formatCode>
                 <c:ptCount val="4"/>
                 <c:pt idx="0">
-                  <c:v>0.56235431235431199</c:v>
+                  <c:v>0.41103299080584099</c:v>
                 </c:pt>
                 <c:pt idx="1">
-                  <c:v>0.56585081585081498</c:v>
+                  <c:v>0.41968631692806901</c:v>
                 </c:pt>
                 <c:pt idx="2">
-                  <c:v>0.57284382284382196</c:v>
+                  <c:v>0.44294213088155698</c:v>
                 </c:pt>
                 <c:pt idx="3">
-                  <c:v>0.69580419580419495</c:v>
+                  <c:v>0.44835045970795001</c:v>
                 </c:pt>
               </c:numCache>
             </c:numRef>
@@ -5112,22 +4726,24 @@
         <c:grouping val="clustered"/>
         <c:varyColors val="0"/>
         <c:ser>
-          <c:idx val="0"/>
+          <c:idx val="2"/>
           <c:order val="0"/>
           <c:tx>
             <c:strRef>
-              <c:f>Sheet1!$B$7</c:f>
+              <c:f>Sheet1!$D$1</c:f>
               <c:strCache>
                 <c:ptCount val="1"/>
                 <c:pt idx="0">
-                  <c:v>Data scientist or machine learning specialist</c:v>
+                  <c:v>Engineer, data</c:v>
                 </c:pt>
               </c:strCache>
             </c:strRef>
           </c:tx>
           <c:spPr>
             <a:solidFill>
-              <a:schemeClr val="accent1"/>
+              <a:schemeClr val="bg1">
+                <a:lumMod val="95000"/>
+              </a:schemeClr>
             </a:solidFill>
             <a:ln>
               <a:noFill/>
@@ -5135,92 +4751,6 @@
             <a:effectLst/>
           </c:spPr>
           <c:invertIfNegative val="0"/>
-          <c:dPt>
-            <c:idx val="0"/>
-            <c:invertIfNegative val="0"/>
-            <c:bubble3D val="0"/>
-            <c:spPr>
-              <a:solidFill>
-                <a:schemeClr val="accent1">
-                  <a:lumMod val="75000"/>
-                </a:schemeClr>
-              </a:solidFill>
-              <a:ln>
-                <a:noFill/>
-              </a:ln>
-              <a:effectLst/>
-            </c:spPr>
-            <c:extLst>
-              <c:ext xmlns:c16="http://schemas.microsoft.com/office/drawing/2014/chart" uri="{C3380CC4-5D6E-409C-BE32-E72D297353CC}">
-                <c16:uniqueId val="{00000002-8B13-004B-8B41-04DA73E6BA49}"/>
-              </c:ext>
-            </c:extLst>
-          </c:dPt>
-          <c:dPt>
-            <c:idx val="1"/>
-            <c:invertIfNegative val="0"/>
-            <c:bubble3D val="0"/>
-            <c:spPr>
-              <a:solidFill>
-                <a:schemeClr val="accent1">
-                  <a:lumMod val="50000"/>
-                </a:schemeClr>
-              </a:solidFill>
-              <a:ln>
-                <a:noFill/>
-              </a:ln>
-              <a:effectLst/>
-            </c:spPr>
-            <c:extLst>
-              <c:ext xmlns:c16="http://schemas.microsoft.com/office/drawing/2014/chart" uri="{C3380CC4-5D6E-409C-BE32-E72D297353CC}">
-                <c16:uniqueId val="{00000001-8B13-004B-8B41-04DA73E6BA49}"/>
-              </c:ext>
-            </c:extLst>
-          </c:dPt>
-          <c:dPt>
-            <c:idx val="2"/>
-            <c:invertIfNegative val="0"/>
-            <c:bubble3D val="0"/>
-            <c:spPr>
-              <a:solidFill>
-                <a:schemeClr val="accent1">
-                  <a:lumMod val="60000"/>
-                  <a:lumOff val="40000"/>
-                </a:schemeClr>
-              </a:solidFill>
-              <a:ln>
-                <a:noFill/>
-              </a:ln>
-              <a:effectLst/>
-            </c:spPr>
-            <c:extLst>
-              <c:ext xmlns:c16="http://schemas.microsoft.com/office/drawing/2014/chart" uri="{C3380CC4-5D6E-409C-BE32-E72D297353CC}">
-                <c16:uniqueId val="{00000003-8B13-004B-8B41-04DA73E6BA49}"/>
-              </c:ext>
-            </c:extLst>
-          </c:dPt>
-          <c:dPt>
-            <c:idx val="3"/>
-            <c:invertIfNegative val="0"/>
-            <c:bubble3D val="0"/>
-            <c:spPr>
-              <a:solidFill>
-                <a:schemeClr val="tx2">
-                  <a:lumMod val="40000"/>
-                  <a:lumOff val="60000"/>
-                </a:schemeClr>
-              </a:solidFill>
-              <a:ln>
-                <a:noFill/>
-              </a:ln>
-              <a:effectLst/>
-            </c:spPr>
-            <c:extLst>
-              <c:ext xmlns:c16="http://schemas.microsoft.com/office/drawing/2014/chart" uri="{C3380CC4-5D6E-409C-BE32-E72D297353CC}">
-                <c16:uniqueId val="{00000000-8B13-004B-8B41-04DA73E6BA49}"/>
-              </c:ext>
-            </c:extLst>
-          </c:dPt>
           <c:dLbls>
             <c:spPr>
               <a:noFill/>
@@ -5236,9 +4766,12 @@
               <a:lstStyle/>
               <a:p>
                 <a:pPr>
-                  <a:defRPr sz="1197" b="1" i="0" u="none" strike="noStrike" kern="1200" baseline="0">
+                  <a:defRPr sz="1000" b="0" i="0" u="none" strike="noStrike" kern="1200" baseline="0">
                     <a:solidFill>
-                      <a:schemeClr val="bg1"/>
+                      <a:schemeClr val="tx1">
+                        <a:lumMod val="75000"/>
+                        <a:lumOff val="25000"/>
+                      </a:schemeClr>
                     </a:solidFill>
                     <a:latin typeface="Times New Roman" panose="02020603050405020304" pitchFamily="18" charset="0"/>
                     <a:ea typeface="+mn-ea"/>
@@ -5248,7 +4781,7 @@
                 <a:endParaRPr lang="en-BR"/>
               </a:p>
             </c:txPr>
-            <c:dLblPos val="inEnd"/>
+            <c:dLblPos val="inBase"/>
             <c:showLegendKey val="0"/>
             <c:showVal val="1"/>
             <c:showCatName val="0"/>
@@ -5285,9 +4818,8 @@
               <a:noFill/>
               <a:ln w="19050" cap="flat" cmpd="sng" algn="ctr">
                 <a:solidFill>
-                  <a:schemeClr val="tx1">
-                    <a:lumMod val="65000"/>
-                    <a:lumOff val="35000"/>
+                  <a:schemeClr val="bg2">
+                    <a:lumMod val="90000"/>
                   </a:schemeClr>
                 </a:solidFill>
                 <a:round/>
@@ -5297,41 +4829,483 @@
           </c:errBars>
           <c:cat>
             <c:strRef>
-              <c:f>Sheet1!$A$8:$A$11</c:f>
+              <c:f>Sheet1!$A$2:$A$5</c:f>
               <c:strCache>
                 <c:ptCount val="4"/>
                 <c:pt idx="0">
-                  <c:v>Wanting to work with new technologies</c:v>
+                  <c:v>Languages, frameworks, and other technologies I’d be working with</c:v>
                 </c:pt>
                 <c:pt idx="1">
-                  <c:v>Growth or leadership opportunities</c:v>
+                  <c:v>Office environment or company culture</c:v>
                 </c:pt>
                 <c:pt idx="2">
-                  <c:v>Curious about other opportunities</c:v>
+                  <c:v>Flex time or a flexible schedule</c:v>
                 </c:pt>
                 <c:pt idx="3">
-                  <c:v>Better compensation</c:v>
+                  <c:v>Opportunities for professional development</c:v>
                 </c:pt>
               </c:strCache>
             </c:strRef>
           </c:cat>
           <c:val>
             <c:numRef>
-              <c:f>Sheet1!$B$8:$B$11</c:f>
+              <c:f>Sheet1!$D$2:$D$5</c:f>
               <c:numCache>
                 <c:formatCode>0.0%</c:formatCode>
                 <c:ptCount val="4"/>
                 <c:pt idx="0">
-                  <c:v>0.54876615746180901</c:v>
+                  <c:v>0.52709640616086695</c:v>
                 </c:pt>
                 <c:pt idx="1">
-                  <c:v>0.56051703877790804</c:v>
+                  <c:v>0.44095835710211001</c:v>
                 </c:pt>
                 <c:pt idx="2">
-                  <c:v>0.59459459459459396</c:v>
+                  <c:v>0.40559041642897797</c:v>
                 </c:pt>
                 <c:pt idx="3">
-                  <c:v>0.65981198589894197</c:v>
+                  <c:v>0.447803764974329</c:v>
+                </c:pt>
+              </c:numCache>
+            </c:numRef>
+          </c:val>
+          <c:extLst>
+            <c:ext xmlns:c16="http://schemas.microsoft.com/office/drawing/2014/chart" uri="{C3380CC4-5D6E-409C-BE32-E72D297353CC}">
+              <c16:uniqueId val="{0000000D-DF51-4E4E-AE21-4FF23F5BC3B1}"/>
+            </c:ext>
+          </c:extLst>
+        </c:ser>
+        <c:ser>
+          <c:idx val="1"/>
+          <c:order val="1"/>
+          <c:tx>
+            <c:strRef>
+              <c:f>Sheet1!$C$1</c:f>
+              <c:strCache>
+                <c:ptCount val="1"/>
+                <c:pt idx="0">
+                  <c:v>Data scientist or machine learning specialist</c:v>
+                </c:pt>
+              </c:strCache>
+            </c:strRef>
+          </c:tx>
+          <c:spPr>
+            <a:solidFill>
+              <a:schemeClr val="accent1">
+                <a:lumMod val="50000"/>
+              </a:schemeClr>
+            </a:solidFill>
+            <a:ln>
+              <a:noFill/>
+            </a:ln>
+            <a:effectLst/>
+          </c:spPr>
+          <c:invertIfNegative val="0"/>
+          <c:dPt>
+            <c:idx val="0"/>
+            <c:invertIfNegative val="0"/>
+            <c:bubble3D val="0"/>
+            <c:spPr>
+              <a:solidFill>
+                <a:schemeClr val="accent1">
+                  <a:lumMod val="75000"/>
+                </a:schemeClr>
+              </a:solidFill>
+              <a:ln>
+                <a:noFill/>
+              </a:ln>
+              <a:effectLst/>
+            </c:spPr>
+            <c:extLst>
+              <c:ext xmlns:c16="http://schemas.microsoft.com/office/drawing/2014/chart" uri="{C3380CC4-5D6E-409C-BE32-E72D297353CC}">
+                <c16:uniqueId val="{00000008-5BB6-F247-85FA-197E9F237426}"/>
+              </c:ext>
+            </c:extLst>
+          </c:dPt>
+          <c:dPt>
+            <c:idx val="1"/>
+            <c:invertIfNegative val="0"/>
+            <c:bubble3D val="0"/>
+            <c:spPr>
+              <a:solidFill>
+                <a:schemeClr val="accent1">
+                  <a:lumMod val="40000"/>
+                  <a:lumOff val="60000"/>
+                </a:schemeClr>
+              </a:solidFill>
+              <a:ln>
+                <a:noFill/>
+              </a:ln>
+              <a:effectLst/>
+            </c:spPr>
+            <c:extLst>
+              <c:ext xmlns:c16="http://schemas.microsoft.com/office/drawing/2014/chart" uri="{C3380CC4-5D6E-409C-BE32-E72D297353CC}">
+                <c16:uniqueId val="{0000000A-5BB6-F247-85FA-197E9F237426}"/>
+              </c:ext>
+            </c:extLst>
+          </c:dPt>
+          <c:dPt>
+            <c:idx val="2"/>
+            <c:invertIfNegative val="0"/>
+            <c:bubble3D val="0"/>
+            <c:spPr>
+              <a:solidFill>
+                <a:schemeClr val="accent1">
+                  <a:lumMod val="60000"/>
+                  <a:lumOff val="40000"/>
+                </a:schemeClr>
+              </a:solidFill>
+              <a:ln>
+                <a:noFill/>
+              </a:ln>
+              <a:effectLst/>
+            </c:spPr>
+            <c:extLst>
+              <c:ext xmlns:c16="http://schemas.microsoft.com/office/drawing/2014/chart" uri="{C3380CC4-5D6E-409C-BE32-E72D297353CC}">
+                <c16:uniqueId val="{00000009-5BB6-F247-85FA-197E9F237426}"/>
+              </c:ext>
+            </c:extLst>
+          </c:dPt>
+          <c:dLbls>
+            <c:spPr>
+              <a:noFill/>
+              <a:ln>
+                <a:noFill/>
+              </a:ln>
+              <a:effectLst/>
+            </c:spPr>
+            <c:txPr>
+              <a:bodyPr rot="0" spcFirstLastPara="1" vertOverflow="ellipsis" vert="horz" wrap="square" lIns="38100" tIns="19050" rIns="38100" bIns="19050" anchor="ctr" anchorCtr="1">
+                <a:spAutoFit/>
+              </a:bodyPr>
+              <a:lstStyle/>
+              <a:p>
+                <a:pPr>
+                  <a:defRPr sz="1000" b="1" i="0" u="none" strike="noStrike" kern="1200" baseline="0">
+                    <a:solidFill>
+                      <a:schemeClr val="bg1"/>
+                    </a:solidFill>
+                    <a:latin typeface="Times New Roman" panose="02020603050405020304" pitchFamily="18" charset="0"/>
+                    <a:ea typeface="+mn-ea"/>
+                    <a:cs typeface="Times New Roman" panose="02020603050405020304" pitchFamily="18" charset="0"/>
+                  </a:defRPr>
+                </a:pPr>
+                <a:endParaRPr lang="en-BR"/>
+              </a:p>
+            </c:txPr>
+            <c:dLblPos val="inBase"/>
+            <c:showLegendKey val="0"/>
+            <c:showVal val="1"/>
+            <c:showCatName val="0"/>
+            <c:showSerName val="0"/>
+            <c:showPercent val="0"/>
+            <c:showBubbleSize val="0"/>
+            <c:showLeaderLines val="0"/>
+            <c:extLst>
+              <c:ext xmlns:c15="http://schemas.microsoft.com/office/drawing/2012/chart" uri="{CE6537A1-D6FC-4f65-9D91-7224C49458BB}">
+                <c15:showLeaderLines val="1"/>
+                <c15:leaderLines>
+                  <c:spPr>
+                    <a:ln w="9525" cap="flat" cmpd="sng" algn="ctr">
+                      <a:solidFill>
+                        <a:schemeClr val="tx1">
+                          <a:lumMod val="35000"/>
+                          <a:lumOff val="65000"/>
+                        </a:schemeClr>
+                      </a:solidFill>
+                      <a:round/>
+                    </a:ln>
+                    <a:effectLst/>
+                  </c:spPr>
+                </c15:leaderLines>
+              </c:ext>
+            </c:extLst>
+          </c:dLbls>
+          <c:errBars>
+            <c:errBarType val="both"/>
+            <c:errValType val="fixedVal"/>
+            <c:noEndCap val="0"/>
+            <c:val val="2.0000000000000004E-2"/>
+            <c:spPr>
+              <a:noFill/>
+              <a:ln w="19050" cap="flat" cmpd="sng" algn="ctr">
+                <a:solidFill>
+                  <a:schemeClr val="bg2">
+                    <a:lumMod val="90000"/>
+                  </a:schemeClr>
+                </a:solidFill>
+                <a:round/>
+              </a:ln>
+              <a:effectLst/>
+            </c:spPr>
+          </c:errBars>
+          <c:cat>
+            <c:strRef>
+              <c:f>Sheet1!$A$2:$A$5</c:f>
+              <c:strCache>
+                <c:ptCount val="4"/>
+                <c:pt idx="0">
+                  <c:v>Languages, frameworks, and other technologies I’d be working with</c:v>
+                </c:pt>
+                <c:pt idx="1">
+                  <c:v>Office environment or company culture</c:v>
+                </c:pt>
+                <c:pt idx="2">
+                  <c:v>Flex time or a flexible schedule</c:v>
+                </c:pt>
+                <c:pt idx="3">
+                  <c:v>Opportunities for professional development</c:v>
+                </c:pt>
+              </c:strCache>
+            </c:strRef>
+          </c:cat>
+          <c:val>
+            <c:numRef>
+              <c:f>Sheet1!$C$2:$C$5</c:f>
+              <c:numCache>
+                <c:formatCode>0.0%</c:formatCode>
+                <c:ptCount val="4"/>
+                <c:pt idx="0">
+                  <c:v>0.414513468938977</c:v>
+                </c:pt>
+                <c:pt idx="1">
+                  <c:v>0.39857064321055502</c:v>
+                </c:pt>
+                <c:pt idx="2">
+                  <c:v>0.40736668499175299</c:v>
+                </c:pt>
+                <c:pt idx="3">
+                  <c:v>0.42221000549752602</c:v>
+                </c:pt>
+              </c:numCache>
+            </c:numRef>
+          </c:val>
+          <c:extLst>
+            <c:ext xmlns:c16="http://schemas.microsoft.com/office/drawing/2014/chart" uri="{C3380CC4-5D6E-409C-BE32-E72D297353CC}">
+              <c16:uniqueId val="{0000000C-DF51-4E4E-AE21-4FF23F5BC3B1}"/>
+            </c:ext>
+          </c:extLst>
+        </c:ser>
+        <c:ser>
+          <c:idx val="0"/>
+          <c:order val="2"/>
+          <c:tx>
+            <c:strRef>
+              <c:f>Sheet1!$B$1</c:f>
+              <c:strCache>
+                <c:ptCount val="1"/>
+                <c:pt idx="0">
+                  <c:v>Data or business analyst</c:v>
+                </c:pt>
+              </c:strCache>
+            </c:strRef>
+          </c:tx>
+          <c:spPr>
+            <a:solidFill>
+              <a:schemeClr val="bg1">
+                <a:lumMod val="95000"/>
+              </a:schemeClr>
+            </a:solidFill>
+            <a:ln>
+              <a:noFill/>
+            </a:ln>
+            <a:effectLst/>
+          </c:spPr>
+          <c:invertIfNegative val="0"/>
+          <c:dPt>
+            <c:idx val="0"/>
+            <c:invertIfNegative val="0"/>
+            <c:bubble3D val="0"/>
+            <c:spPr>
+              <a:solidFill>
+                <a:schemeClr val="bg1">
+                  <a:lumMod val="95000"/>
+                </a:schemeClr>
+              </a:solidFill>
+              <a:ln>
+                <a:noFill/>
+              </a:ln>
+              <a:effectLst/>
+            </c:spPr>
+            <c:extLst>
+              <c:ext xmlns:c16="http://schemas.microsoft.com/office/drawing/2014/chart" uri="{C3380CC4-5D6E-409C-BE32-E72D297353CC}">
+                <c16:uniqueId val="{00000008-F88C-8741-8622-31586D47B8D9}"/>
+              </c:ext>
+            </c:extLst>
+          </c:dPt>
+          <c:dPt>
+            <c:idx val="1"/>
+            <c:invertIfNegative val="0"/>
+            <c:bubble3D val="0"/>
+            <c:spPr>
+              <a:solidFill>
+                <a:schemeClr val="bg1">
+                  <a:lumMod val="95000"/>
+                </a:schemeClr>
+              </a:solidFill>
+              <a:ln>
+                <a:noFill/>
+              </a:ln>
+              <a:effectLst/>
+            </c:spPr>
+            <c:extLst>
+              <c:ext xmlns:c16="http://schemas.microsoft.com/office/drawing/2014/chart" uri="{C3380CC4-5D6E-409C-BE32-E72D297353CC}">
+                <c16:uniqueId val="{00000007-F88C-8741-8622-31586D47B8D9}"/>
+              </c:ext>
+            </c:extLst>
+          </c:dPt>
+          <c:dPt>
+            <c:idx val="2"/>
+            <c:invertIfNegative val="0"/>
+            <c:bubble3D val="0"/>
+            <c:spPr>
+              <a:solidFill>
+                <a:schemeClr val="bg1">
+                  <a:lumMod val="95000"/>
+                </a:schemeClr>
+              </a:solidFill>
+              <a:ln>
+                <a:noFill/>
+              </a:ln>
+              <a:effectLst/>
+            </c:spPr>
+            <c:extLst>
+              <c:ext xmlns:c16="http://schemas.microsoft.com/office/drawing/2014/chart" uri="{C3380CC4-5D6E-409C-BE32-E72D297353CC}">
+                <c16:uniqueId val="{00000006-F88C-8741-8622-31586D47B8D9}"/>
+              </c:ext>
+            </c:extLst>
+          </c:dPt>
+          <c:dPt>
+            <c:idx val="3"/>
+            <c:invertIfNegative val="0"/>
+            <c:bubble3D val="0"/>
+            <c:spPr>
+              <a:solidFill>
+                <a:schemeClr val="bg1">
+                  <a:lumMod val="95000"/>
+                </a:schemeClr>
+              </a:solidFill>
+              <a:ln>
+                <a:noFill/>
+              </a:ln>
+              <a:effectLst/>
+            </c:spPr>
+            <c:extLst>
+              <c:ext xmlns:c16="http://schemas.microsoft.com/office/drawing/2014/chart" uri="{C3380CC4-5D6E-409C-BE32-E72D297353CC}">
+                <c16:uniqueId val="{00000003-F88C-8741-8622-31586D47B8D9}"/>
+              </c:ext>
+            </c:extLst>
+          </c:dPt>
+          <c:dLbls>
+            <c:spPr>
+              <a:noFill/>
+              <a:ln>
+                <a:noFill/>
+              </a:ln>
+              <a:effectLst/>
+            </c:spPr>
+            <c:txPr>
+              <a:bodyPr rot="0" spcFirstLastPara="1" vertOverflow="ellipsis" vert="horz" wrap="square" anchor="ctr" anchorCtr="1"/>
+              <a:lstStyle/>
+              <a:p>
+                <a:pPr>
+                  <a:defRPr sz="1000" b="0" i="0" u="none" strike="noStrike" kern="1200" baseline="0">
+                    <a:solidFill>
+                      <a:schemeClr val="tx1">
+                        <a:lumMod val="75000"/>
+                        <a:lumOff val="25000"/>
+                      </a:schemeClr>
+                    </a:solidFill>
+                    <a:latin typeface="Times New Roman" panose="02020603050405020304" pitchFamily="18" charset="0"/>
+                    <a:ea typeface="+mn-ea"/>
+                    <a:cs typeface="Times New Roman" panose="02020603050405020304" pitchFamily="18" charset="0"/>
+                  </a:defRPr>
+                </a:pPr>
+                <a:endParaRPr lang="en-BR"/>
+              </a:p>
+            </c:txPr>
+            <c:dLblPos val="inBase"/>
+            <c:showLegendKey val="0"/>
+            <c:showVal val="1"/>
+            <c:showCatName val="0"/>
+            <c:showSerName val="0"/>
+            <c:showPercent val="0"/>
+            <c:showBubbleSize val="0"/>
+            <c:showLeaderLines val="0"/>
+            <c:extLst>
+              <c:ext xmlns:c15="http://schemas.microsoft.com/office/drawing/2012/chart" uri="{CE6537A1-D6FC-4f65-9D91-7224C49458BB}">
+                <c15:showLeaderLines val="1"/>
+                <c15:leaderLines>
+                  <c:spPr>
+                    <a:ln w="9525" cap="flat" cmpd="sng" algn="ctr">
+                      <a:solidFill>
+                        <a:schemeClr val="tx1">
+                          <a:lumMod val="35000"/>
+                          <a:lumOff val="65000"/>
+                        </a:schemeClr>
+                      </a:solidFill>
+                      <a:round/>
+                    </a:ln>
+                    <a:effectLst/>
+                  </c:spPr>
+                </c15:leaderLines>
+              </c:ext>
+            </c:extLst>
+          </c:dLbls>
+          <c:errBars>
+            <c:errBarType val="both"/>
+            <c:errValType val="fixedVal"/>
+            <c:noEndCap val="0"/>
+            <c:val val="2.0000000000000004E-2"/>
+            <c:spPr>
+              <a:noFill/>
+              <a:ln w="19050" cap="flat" cmpd="sng" algn="ctr">
+                <a:solidFill>
+                  <a:schemeClr val="bg2">
+                    <a:lumMod val="90000"/>
+                  </a:schemeClr>
+                </a:solidFill>
+                <a:round/>
+              </a:ln>
+              <a:effectLst/>
+            </c:spPr>
+          </c:errBars>
+          <c:cat>
+            <c:strRef>
+              <c:f>Sheet1!$A$2:$A$5</c:f>
+              <c:strCache>
+                <c:ptCount val="4"/>
+                <c:pt idx="0">
+                  <c:v>Languages, frameworks, and other technologies I’d be working with</c:v>
+                </c:pt>
+                <c:pt idx="1">
+                  <c:v>Office environment or company culture</c:v>
+                </c:pt>
+                <c:pt idx="2">
+                  <c:v>Flex time or a flexible schedule</c:v>
+                </c:pt>
+                <c:pt idx="3">
+                  <c:v>Opportunities for professional development</c:v>
+                </c:pt>
+              </c:strCache>
+            </c:strRef>
+          </c:cat>
+          <c:val>
+            <c:numRef>
+              <c:f>Sheet1!$B$2:$B$5</c:f>
+              <c:numCache>
+                <c:formatCode>0.0%</c:formatCode>
+                <c:ptCount val="4"/>
+                <c:pt idx="0">
+                  <c:v>0.41103299080584099</c:v>
+                </c:pt>
+                <c:pt idx="1">
+                  <c:v>0.41968631692806901</c:v>
+                </c:pt>
+                <c:pt idx="2">
+                  <c:v>0.44294213088155698</c:v>
+                </c:pt>
+                <c:pt idx="3">
+                  <c:v>0.44835045970795001</c:v>
                 </c:pt>
               </c:numCache>
             </c:numRef>
@@ -5454,11 +5428,11 @@
         <c:grouping val="clustered"/>
         <c:varyColors val="0"/>
         <c:ser>
-          <c:idx val="0"/>
+          <c:idx val="2"/>
           <c:order val="0"/>
           <c:tx>
             <c:strRef>
-              <c:f>Sheet1!$B$13</c:f>
+              <c:f>Sheet1!$D$1</c:f>
               <c:strCache>
                 <c:ptCount val="1"/>
                 <c:pt idx="0">
@@ -5469,7 +5443,9 @@
           </c:tx>
           <c:spPr>
             <a:solidFill>
-              <a:schemeClr val="accent1"/>
+              <a:schemeClr val="accent1">
+                <a:lumMod val="50000"/>
+              </a:schemeClr>
             </a:solidFill>
             <a:ln>
               <a:noFill/>
@@ -5494,7 +5470,7 @@
             </c:spPr>
             <c:extLst>
               <c:ext xmlns:c16="http://schemas.microsoft.com/office/drawing/2014/chart" uri="{C3380CC4-5D6E-409C-BE32-E72D297353CC}">
-                <c16:uniqueId val="{00000001-4F6D-A74B-B46D-56FC0015F8AF}"/>
+                <c16:uniqueId val="{00000009-BADC-FC4B-A354-BC73D54DF3B7}"/>
               </c:ext>
             </c:extLst>
           </c:dPt>
@@ -5516,12 +5492,34 @@
             </c:spPr>
             <c:extLst>
               <c:ext xmlns:c16="http://schemas.microsoft.com/office/drawing/2014/chart" uri="{C3380CC4-5D6E-409C-BE32-E72D297353CC}">
-                <c16:uniqueId val="{00000003-4F6D-A74B-B46D-56FC0015F8AF}"/>
+                <c16:uniqueId val="{00000008-BADC-FC4B-A354-BC73D54DF3B7}"/>
               </c:ext>
             </c:extLst>
           </c:dPt>
           <c:dPt>
             <c:idx val="2"/>
+            <c:invertIfNegative val="0"/>
+            <c:bubble3D val="0"/>
+            <c:spPr>
+              <a:solidFill>
+                <a:schemeClr val="accent1">
+                  <a:lumMod val="40000"/>
+                  <a:lumOff val="60000"/>
+                </a:schemeClr>
+              </a:solidFill>
+              <a:ln>
+                <a:noFill/>
+              </a:ln>
+              <a:effectLst/>
+            </c:spPr>
+            <c:extLst>
+              <c:ext xmlns:c16="http://schemas.microsoft.com/office/drawing/2014/chart" uri="{C3380CC4-5D6E-409C-BE32-E72D297353CC}">
+                <c16:uniqueId val="{0000000A-BADC-FC4B-A354-BC73D54DF3B7}"/>
+              </c:ext>
+            </c:extLst>
+          </c:dPt>
+          <c:dPt>
+            <c:idx val="3"/>
             <c:invertIfNegative val="0"/>
             <c:bubble3D val="0"/>
             <c:spPr>
@@ -5537,29 +5535,7 @@
             </c:spPr>
             <c:extLst>
               <c:ext xmlns:c16="http://schemas.microsoft.com/office/drawing/2014/chart" uri="{C3380CC4-5D6E-409C-BE32-E72D297353CC}">
-                <c16:uniqueId val="{00000002-4F6D-A74B-B46D-56FC0015F8AF}"/>
-              </c:ext>
-            </c:extLst>
-          </c:dPt>
-          <c:dPt>
-            <c:idx val="3"/>
-            <c:invertIfNegative val="0"/>
-            <c:bubble3D val="0"/>
-            <c:spPr>
-              <a:solidFill>
-                <a:schemeClr val="tx2">
-                  <a:lumMod val="40000"/>
-                  <a:lumOff val="60000"/>
-                </a:schemeClr>
-              </a:solidFill>
-              <a:ln>
-                <a:noFill/>
-              </a:ln>
-              <a:effectLst/>
-            </c:spPr>
-            <c:extLst>
-              <c:ext xmlns:c16="http://schemas.microsoft.com/office/drawing/2014/chart" uri="{C3380CC4-5D6E-409C-BE32-E72D297353CC}">
-                <c16:uniqueId val="{00000000-4F6D-A74B-B46D-56FC0015F8AF}"/>
+                <c16:uniqueId val="{0000000F-3AC4-8347-BA15-33BD1F2D1D98}"/>
               </c:ext>
             </c:extLst>
           </c:dPt>
@@ -5578,7 +5554,7 @@
               <a:lstStyle/>
               <a:p>
                 <a:pPr>
-                  <a:defRPr sz="1197" b="1" i="0" u="none" strike="noStrike" kern="1200" baseline="0">
+                  <a:defRPr sz="1000" b="1" i="0" u="none" strike="noStrike" kern="1200" baseline="0">
                     <a:solidFill>
                       <a:schemeClr val="bg1"/>
                     </a:solidFill>
@@ -5590,7 +5566,7 @@
                 <a:endParaRPr lang="en-BR"/>
               </a:p>
             </c:txPr>
-            <c:dLblPos val="inEnd"/>
+            <c:dLblPos val="inBase"/>
             <c:showLegendKey val="0"/>
             <c:showVal val="1"/>
             <c:showCatName val="0"/>
@@ -5627,9 +5603,8 @@
               <a:noFill/>
               <a:ln w="19050" cap="flat" cmpd="sng" algn="ctr">
                 <a:solidFill>
-                  <a:schemeClr val="tx1">
-                    <a:lumMod val="65000"/>
-                    <a:lumOff val="35000"/>
+                  <a:schemeClr val="bg2">
+                    <a:lumMod val="90000"/>
                   </a:schemeClr>
                 </a:solidFill>
                 <a:round/>
@@ -5639,180 +5614,70 @@
           </c:errBars>
           <c:cat>
             <c:strRef>
-              <c:f>Sheet1!$A$14:$A$17</c:f>
+              <c:f>Sheet1!$A$2:$A$5</c:f>
               <c:strCache>
                 <c:ptCount val="4"/>
                 <c:pt idx="0">
-                  <c:v>Growth or leadership opportunities</c:v>
+                  <c:v>Languages, frameworks, and other technologies I’d be working with</c:v>
                 </c:pt>
                 <c:pt idx="1">
-                  <c:v>Curious about other opportunities</c:v>
+                  <c:v>Office environment or company culture</c:v>
                 </c:pt>
                 <c:pt idx="2">
-                  <c:v>Wanting to work with new technologies</c:v>
+                  <c:v>Flex time or a flexible schedule</c:v>
                 </c:pt>
                 <c:pt idx="3">
-                  <c:v>Better compensation</c:v>
+                  <c:v>Opportunities for professional development</c:v>
                 </c:pt>
               </c:strCache>
             </c:strRef>
           </c:cat>
           <c:val>
             <c:numRef>
-              <c:f>Sheet1!$B$14:$B$17</c:f>
+              <c:f>Sheet1!$D$2:$D$5</c:f>
               <c:numCache>
                 <c:formatCode>0.0%</c:formatCode>
                 <c:ptCount val="4"/>
                 <c:pt idx="0">
-                  <c:v>0.57210965435041705</c:v>
+                  <c:v>0.52709640616086695</c:v>
                 </c:pt>
                 <c:pt idx="1">
-                  <c:v>0.60011918951132304</c:v>
+                  <c:v>0.44095835710211001</c:v>
                 </c:pt>
                 <c:pt idx="2">
-                  <c:v>0.63230035756853398</c:v>
+                  <c:v>0.40559041642897797</c:v>
                 </c:pt>
                 <c:pt idx="3">
-                  <c:v>0.70113230035756802</c:v>
+                  <c:v>0.447803764974329</c:v>
                 </c:pt>
               </c:numCache>
             </c:numRef>
           </c:val>
           <c:extLst>
             <c:ext xmlns:c16="http://schemas.microsoft.com/office/drawing/2014/chart" uri="{C3380CC4-5D6E-409C-BE32-E72D297353CC}">
-              <c16:uniqueId val="{00000000-7FA4-D74B-ACEC-FDC6A309FD31}"/>
+              <c16:uniqueId val="{0000000D-DF51-4E4E-AE21-4FF23F5BC3B1}"/>
             </c:ext>
           </c:extLst>
         </c:ser>
-        <c:dLbls>
-          <c:dLblPos val="inEnd"/>
-          <c:showLegendKey val="0"/>
-          <c:showVal val="1"/>
-          <c:showCatName val="0"/>
-          <c:showSerName val="0"/>
-          <c:showPercent val="0"/>
-          <c:showBubbleSize val="0"/>
-        </c:dLbls>
-        <c:gapWidth val="70"/>
-        <c:axId val="202237439"/>
-        <c:axId val="231483135"/>
-      </c:barChart>
-      <c:catAx>
-        <c:axId val="202237439"/>
-        <c:scaling>
-          <c:orientation val="minMax"/>
-        </c:scaling>
-        <c:delete val="1"/>
-        <c:axPos val="l"/>
-        <c:numFmt formatCode="General" sourceLinked="1"/>
-        <c:majorTickMark val="none"/>
-        <c:minorTickMark val="none"/>
-        <c:tickLblPos val="nextTo"/>
-        <c:crossAx val="231483135"/>
-        <c:crosses val="autoZero"/>
-        <c:auto val="1"/>
-        <c:lblAlgn val="ctr"/>
-        <c:lblOffset val="100"/>
-        <c:noMultiLvlLbl val="0"/>
-      </c:catAx>
-      <c:valAx>
-        <c:axId val="231483135"/>
-        <c:scaling>
-          <c:orientation val="minMax"/>
-        </c:scaling>
-        <c:delete val="1"/>
-        <c:axPos val="b"/>
-        <c:numFmt formatCode="0.0%" sourceLinked="1"/>
-        <c:majorTickMark val="none"/>
-        <c:minorTickMark val="none"/>
-        <c:tickLblPos val="nextTo"/>
-        <c:crossAx val="202237439"/>
-        <c:crosses val="autoZero"/>
-        <c:crossBetween val="between"/>
-      </c:valAx>
-      <c:spPr>
-        <a:noFill/>
-        <a:ln>
-          <a:noFill/>
-        </a:ln>
-        <a:effectLst/>
-      </c:spPr>
-    </c:plotArea>
-    <c:plotVisOnly val="1"/>
-    <c:dispBlanksAs val="gap"/>
-    <c:extLst>
-      <c:ext xmlns:c16r3="http://schemas.microsoft.com/office/drawing/2017/03/chart" uri="{56B9EC1D-385E-4148-901F-78D8002777C0}">
-        <c16r3:dataDisplayOptions16>
-          <c16r3:dispNaAsBlank val="1"/>
-        </c16r3:dataDisplayOptions16>
-      </c:ext>
-    </c:extLst>
-    <c:showDLblsOverMax val="0"/>
-  </c:chart>
-  <c:spPr>
-    <a:noFill/>
-    <a:ln>
-      <a:noFill/>
-    </a:ln>
-    <a:effectLst/>
-  </c:spPr>
-  <c:txPr>
-    <a:bodyPr/>
-    <a:lstStyle/>
-    <a:p>
-      <a:pPr>
-        <a:defRPr>
-          <a:latin typeface="Times New Roman" panose="02020603050405020304" pitchFamily="18" charset="0"/>
-          <a:cs typeface="Times New Roman" panose="02020603050405020304" pitchFamily="18" charset="0"/>
-        </a:defRPr>
-      </a:pPr>
-      <a:endParaRPr lang="en-BR"/>
-    </a:p>
-  </c:txPr>
-  <c:externalData r:id="rId3">
-    <c:autoUpdate val="0"/>
-  </c:externalData>
-</c:chartSpace>
-</file>
-
-<file path=ppt/charts/chart9.xml><?xml version="1.0" encoding="utf-8"?>
-<c:chartSpace xmlns:c="http://schemas.openxmlformats.org/drawingml/2006/chart" xmlns:a="http://schemas.openxmlformats.org/drawingml/2006/main" xmlns:r="http://schemas.openxmlformats.org/officeDocument/2006/relationships" xmlns:c16r2="http://schemas.microsoft.com/office/drawing/2015/06/chart">
-  <c:date1904 val="0"/>
-  <c:lang val="en-US"/>
-  <c:roundedCorners val="0"/>
-  <mc:AlternateContent xmlns:mc="http://schemas.openxmlformats.org/markup-compatibility/2006">
-    <mc:Choice xmlns:c14="http://schemas.microsoft.com/office/drawing/2007/8/2/chart" Requires="c14">
-      <c14:style val="102"/>
-    </mc:Choice>
-    <mc:Fallback>
-      <c:style val="2"/>
-    </mc:Fallback>
-  </mc:AlternateContent>
-  <c:chart>
-    <c:autoTitleDeleted val="1"/>
-    <c:plotArea>
-      <c:layout/>
-      <c:barChart>
-        <c:barDir val="bar"/>
-        <c:grouping val="clustered"/>
-        <c:varyColors val="0"/>
         <c:ser>
-          <c:idx val="0"/>
-          <c:order val="0"/>
+          <c:idx val="1"/>
+          <c:order val="1"/>
           <c:tx>
             <c:strRef>
-              <c:f>Sheet1!$B$1</c:f>
+              <c:f>Sheet1!$C$1</c:f>
               <c:strCache>
                 <c:ptCount val="1"/>
                 <c:pt idx="0">
-                  <c:v>Data or business analyst</c:v>
+                  <c:v>Data scientist or machine learning specialist</c:v>
                 </c:pt>
               </c:strCache>
             </c:strRef>
           </c:tx>
           <c:spPr>
             <a:solidFill>
-              <a:schemeClr val="accent1"/>
+              <a:schemeClr val="bg1">
+                <a:lumMod val="95000"/>
+              </a:schemeClr>
             </a:solidFill>
             <a:ln>
               <a:noFill/>
@@ -5820,92 +5685,6 @@
             <a:effectLst/>
           </c:spPr>
           <c:invertIfNegative val="0"/>
-          <c:dPt>
-            <c:idx val="0"/>
-            <c:invertIfNegative val="0"/>
-            <c:bubble3D val="0"/>
-            <c:spPr>
-              <a:solidFill>
-                <a:schemeClr val="accent1">
-                  <a:lumMod val="60000"/>
-                  <a:lumOff val="40000"/>
-                </a:schemeClr>
-              </a:solidFill>
-              <a:ln>
-                <a:noFill/>
-              </a:ln>
-              <a:effectLst/>
-            </c:spPr>
-            <c:extLst>
-              <c:ext xmlns:c16="http://schemas.microsoft.com/office/drawing/2014/chart" uri="{C3380CC4-5D6E-409C-BE32-E72D297353CC}">
-                <c16:uniqueId val="{00000008-F88C-8741-8622-31586D47B8D9}"/>
-              </c:ext>
-            </c:extLst>
-          </c:dPt>
-          <c:dPt>
-            <c:idx val="1"/>
-            <c:invertIfNegative val="0"/>
-            <c:bubble3D val="0"/>
-            <c:spPr>
-              <a:solidFill>
-                <a:schemeClr val="accent1">
-                  <a:lumMod val="75000"/>
-                </a:schemeClr>
-              </a:solidFill>
-              <a:ln>
-                <a:noFill/>
-              </a:ln>
-              <a:effectLst/>
-            </c:spPr>
-            <c:extLst>
-              <c:ext xmlns:c16="http://schemas.microsoft.com/office/drawing/2014/chart" uri="{C3380CC4-5D6E-409C-BE32-E72D297353CC}">
-                <c16:uniqueId val="{00000007-F88C-8741-8622-31586D47B8D9}"/>
-              </c:ext>
-            </c:extLst>
-          </c:dPt>
-          <c:dPt>
-            <c:idx val="2"/>
-            <c:invertIfNegative val="0"/>
-            <c:bubble3D val="0"/>
-            <c:spPr>
-              <a:solidFill>
-                <a:schemeClr val="accent1">
-                  <a:lumMod val="50000"/>
-                </a:schemeClr>
-              </a:solidFill>
-              <a:ln>
-                <a:noFill/>
-              </a:ln>
-              <a:effectLst/>
-            </c:spPr>
-            <c:extLst>
-              <c:ext xmlns:c16="http://schemas.microsoft.com/office/drawing/2014/chart" uri="{C3380CC4-5D6E-409C-BE32-E72D297353CC}">
-                <c16:uniqueId val="{00000006-F88C-8741-8622-31586D47B8D9}"/>
-              </c:ext>
-            </c:extLst>
-          </c:dPt>
-          <c:dPt>
-            <c:idx val="3"/>
-            <c:invertIfNegative val="0"/>
-            <c:bubble3D val="0"/>
-            <c:spPr>
-              <a:solidFill>
-                <a:schemeClr val="tx2">
-                  <a:lumMod val="40000"/>
-                  <a:lumOff val="60000"/>
-                </a:schemeClr>
-              </a:solidFill>
-              <a:ln>
-                <a:noFill/>
-              </a:ln>
-              <a:effectLst/>
-            </c:spPr>
-            <c:extLst>
-              <c:ext xmlns:c16="http://schemas.microsoft.com/office/drawing/2014/chart" uri="{C3380CC4-5D6E-409C-BE32-E72D297353CC}">
-                <c16:uniqueId val="{00000003-F88C-8741-8622-31586D47B8D9}"/>
-              </c:ext>
-            </c:extLst>
-          </c:dPt>
           <c:dLbls>
             <c:spPr>
               <a:noFill/>
@@ -5915,13 +5694,18 @@
               <a:effectLst/>
             </c:spPr>
             <c:txPr>
-              <a:bodyPr rot="0" spcFirstLastPara="1" vertOverflow="ellipsis" vert="horz" wrap="square" anchor="ctr" anchorCtr="1"/>
+              <a:bodyPr rot="0" spcFirstLastPara="1" vertOverflow="ellipsis" vert="horz" wrap="square" lIns="38100" tIns="19050" rIns="38100" bIns="19050" anchor="ctr" anchorCtr="1">
+                <a:spAutoFit/>
+              </a:bodyPr>
               <a:lstStyle/>
               <a:p>
                 <a:pPr>
-                  <a:defRPr sz="1197" b="1" i="0" u="none" strike="noStrike" kern="1200" baseline="0">
+                  <a:defRPr sz="1000" b="0" i="0" u="none" strike="noStrike" kern="1200" baseline="0">
                     <a:solidFill>
-                      <a:schemeClr val="bg1"/>
+                      <a:schemeClr val="tx1">
+                        <a:lumMod val="75000"/>
+                        <a:lumOff val="25000"/>
+                      </a:schemeClr>
                     </a:solidFill>
                     <a:latin typeface="Times New Roman" panose="02020603050405020304" pitchFamily="18" charset="0"/>
                     <a:ea typeface="+mn-ea"/>
@@ -5931,7 +5715,7 @@
                 <a:endParaRPr lang="en-BR"/>
               </a:p>
             </c:txPr>
-            <c:dLblPos val="inEnd"/>
+            <c:dLblPos val="inBase"/>
             <c:showLegendKey val="0"/>
             <c:showVal val="1"/>
             <c:showCatName val="0"/>
@@ -5968,9 +5752,8 @@
               <a:noFill/>
               <a:ln w="19050" cap="flat" cmpd="sng" algn="ctr">
                 <a:solidFill>
-                  <a:schemeClr val="tx1">
-                    <a:lumMod val="65000"/>
-                    <a:lumOff val="35000"/>
+                  <a:schemeClr val="bg2">
+                    <a:lumMod val="90000"/>
                   </a:schemeClr>
                 </a:solidFill>
                 <a:round/>
@@ -5984,16 +5767,247 @@
               <c:strCache>
                 <c:ptCount val="4"/>
                 <c:pt idx="0">
-                  <c:v>Curious about other opportunities</c:v>
+                  <c:v>Languages, frameworks, and other technologies I’d be working with</c:v>
                 </c:pt>
                 <c:pt idx="1">
-                  <c:v>Wanting to work with new technologies</c:v>
+                  <c:v>Office environment or company culture</c:v>
                 </c:pt>
                 <c:pt idx="2">
-                  <c:v>Growth or leadership opportunities</c:v>
+                  <c:v>Flex time or a flexible schedule</c:v>
                 </c:pt>
                 <c:pt idx="3">
-                  <c:v>Better compensation</c:v>
+                  <c:v>Opportunities for professional development</c:v>
+                </c:pt>
+              </c:strCache>
+            </c:strRef>
+          </c:cat>
+          <c:val>
+            <c:numRef>
+              <c:f>Sheet1!$C$2:$C$5</c:f>
+              <c:numCache>
+                <c:formatCode>0.0%</c:formatCode>
+                <c:ptCount val="4"/>
+                <c:pt idx="0">
+                  <c:v>0.414513468938977</c:v>
+                </c:pt>
+                <c:pt idx="1">
+                  <c:v>0.39857064321055502</c:v>
+                </c:pt>
+                <c:pt idx="2">
+                  <c:v>0.40736668499175299</c:v>
+                </c:pt>
+                <c:pt idx="3">
+                  <c:v>0.42221000549752602</c:v>
+                </c:pt>
+              </c:numCache>
+            </c:numRef>
+          </c:val>
+          <c:extLst>
+            <c:ext xmlns:c16="http://schemas.microsoft.com/office/drawing/2014/chart" uri="{C3380CC4-5D6E-409C-BE32-E72D297353CC}">
+              <c16:uniqueId val="{0000000C-DF51-4E4E-AE21-4FF23F5BC3B1}"/>
+            </c:ext>
+          </c:extLst>
+        </c:ser>
+        <c:ser>
+          <c:idx val="0"/>
+          <c:order val="2"/>
+          <c:tx>
+            <c:strRef>
+              <c:f>Sheet1!$B$1</c:f>
+              <c:strCache>
+                <c:ptCount val="1"/>
+                <c:pt idx="0">
+                  <c:v>Data or business analyst</c:v>
+                </c:pt>
+              </c:strCache>
+            </c:strRef>
+          </c:tx>
+          <c:spPr>
+            <a:solidFill>
+              <a:schemeClr val="bg1">
+                <a:lumMod val="95000"/>
+              </a:schemeClr>
+            </a:solidFill>
+            <a:ln>
+              <a:noFill/>
+            </a:ln>
+            <a:effectLst/>
+          </c:spPr>
+          <c:invertIfNegative val="0"/>
+          <c:dPt>
+            <c:idx val="0"/>
+            <c:invertIfNegative val="0"/>
+            <c:bubble3D val="0"/>
+            <c:spPr>
+              <a:solidFill>
+                <a:schemeClr val="bg1">
+                  <a:lumMod val="95000"/>
+                </a:schemeClr>
+              </a:solidFill>
+              <a:ln>
+                <a:noFill/>
+              </a:ln>
+              <a:effectLst/>
+            </c:spPr>
+            <c:extLst>
+              <c:ext xmlns:c16="http://schemas.microsoft.com/office/drawing/2014/chart" uri="{C3380CC4-5D6E-409C-BE32-E72D297353CC}">
+                <c16:uniqueId val="{00000008-F88C-8741-8622-31586D47B8D9}"/>
+              </c:ext>
+            </c:extLst>
+          </c:dPt>
+          <c:dPt>
+            <c:idx val="1"/>
+            <c:invertIfNegative val="0"/>
+            <c:bubble3D val="0"/>
+            <c:spPr>
+              <a:solidFill>
+                <a:schemeClr val="bg1">
+                  <a:lumMod val="95000"/>
+                </a:schemeClr>
+              </a:solidFill>
+              <a:ln>
+                <a:noFill/>
+              </a:ln>
+              <a:effectLst/>
+            </c:spPr>
+            <c:extLst>
+              <c:ext xmlns:c16="http://schemas.microsoft.com/office/drawing/2014/chart" uri="{C3380CC4-5D6E-409C-BE32-E72D297353CC}">
+                <c16:uniqueId val="{00000007-F88C-8741-8622-31586D47B8D9}"/>
+              </c:ext>
+            </c:extLst>
+          </c:dPt>
+          <c:dPt>
+            <c:idx val="2"/>
+            <c:invertIfNegative val="0"/>
+            <c:bubble3D val="0"/>
+            <c:spPr>
+              <a:solidFill>
+                <a:schemeClr val="bg1">
+                  <a:lumMod val="95000"/>
+                </a:schemeClr>
+              </a:solidFill>
+              <a:ln>
+                <a:noFill/>
+              </a:ln>
+              <a:effectLst/>
+            </c:spPr>
+            <c:extLst>
+              <c:ext xmlns:c16="http://schemas.microsoft.com/office/drawing/2014/chart" uri="{C3380CC4-5D6E-409C-BE32-E72D297353CC}">
+                <c16:uniqueId val="{00000006-F88C-8741-8622-31586D47B8D9}"/>
+              </c:ext>
+            </c:extLst>
+          </c:dPt>
+          <c:dPt>
+            <c:idx val="3"/>
+            <c:invertIfNegative val="0"/>
+            <c:bubble3D val="0"/>
+            <c:spPr>
+              <a:solidFill>
+                <a:schemeClr val="bg1">
+                  <a:lumMod val="95000"/>
+                </a:schemeClr>
+              </a:solidFill>
+              <a:ln>
+                <a:noFill/>
+              </a:ln>
+              <a:effectLst/>
+            </c:spPr>
+            <c:extLst>
+              <c:ext xmlns:c16="http://schemas.microsoft.com/office/drawing/2014/chart" uri="{C3380CC4-5D6E-409C-BE32-E72D297353CC}">
+                <c16:uniqueId val="{00000003-F88C-8741-8622-31586D47B8D9}"/>
+              </c:ext>
+            </c:extLst>
+          </c:dPt>
+          <c:dLbls>
+            <c:spPr>
+              <a:noFill/>
+              <a:ln>
+                <a:noFill/>
+              </a:ln>
+              <a:effectLst/>
+            </c:spPr>
+            <c:txPr>
+              <a:bodyPr rot="0" spcFirstLastPara="1" vertOverflow="ellipsis" vert="horz" wrap="square" anchor="ctr" anchorCtr="1"/>
+              <a:lstStyle/>
+              <a:p>
+                <a:pPr>
+                  <a:defRPr sz="1000" b="0" i="0" u="none" strike="noStrike" kern="1200" baseline="0">
+                    <a:solidFill>
+                      <a:schemeClr val="tx1">
+                        <a:lumMod val="75000"/>
+                        <a:lumOff val="25000"/>
+                      </a:schemeClr>
+                    </a:solidFill>
+                    <a:latin typeface="Times New Roman" panose="02020603050405020304" pitchFamily="18" charset="0"/>
+                    <a:ea typeface="+mn-ea"/>
+                    <a:cs typeface="Times New Roman" panose="02020603050405020304" pitchFamily="18" charset="0"/>
+                  </a:defRPr>
+                </a:pPr>
+                <a:endParaRPr lang="en-BR"/>
+              </a:p>
+            </c:txPr>
+            <c:dLblPos val="inBase"/>
+            <c:showLegendKey val="0"/>
+            <c:showVal val="1"/>
+            <c:showCatName val="0"/>
+            <c:showSerName val="0"/>
+            <c:showPercent val="0"/>
+            <c:showBubbleSize val="0"/>
+            <c:showLeaderLines val="0"/>
+            <c:extLst>
+              <c:ext xmlns:c15="http://schemas.microsoft.com/office/drawing/2012/chart" uri="{CE6537A1-D6FC-4f65-9D91-7224C49458BB}">
+                <c15:showLeaderLines val="1"/>
+                <c15:leaderLines>
+                  <c:spPr>
+                    <a:ln w="9525" cap="flat" cmpd="sng" algn="ctr">
+                      <a:solidFill>
+                        <a:schemeClr val="tx1">
+                          <a:lumMod val="35000"/>
+                          <a:lumOff val="65000"/>
+                        </a:schemeClr>
+                      </a:solidFill>
+                      <a:round/>
+                    </a:ln>
+                    <a:effectLst/>
+                  </c:spPr>
+                </c15:leaderLines>
+              </c:ext>
+            </c:extLst>
+          </c:dLbls>
+          <c:errBars>
+            <c:errBarType val="both"/>
+            <c:errValType val="fixedVal"/>
+            <c:noEndCap val="0"/>
+            <c:val val="2.0000000000000004E-2"/>
+            <c:spPr>
+              <a:noFill/>
+              <a:ln w="19050" cap="flat" cmpd="sng" algn="ctr">
+                <a:solidFill>
+                  <a:schemeClr val="bg2">
+                    <a:lumMod val="90000"/>
+                  </a:schemeClr>
+                </a:solidFill>
+                <a:round/>
+              </a:ln>
+              <a:effectLst/>
+            </c:spPr>
+          </c:errBars>
+          <c:cat>
+            <c:strRef>
+              <c:f>Sheet1!$A$2:$A$5</c:f>
+              <c:strCache>
+                <c:ptCount val="4"/>
+                <c:pt idx="0">
+                  <c:v>Languages, frameworks, and other technologies I’d be working with</c:v>
+                </c:pt>
+                <c:pt idx="1">
+                  <c:v>Office environment or company culture</c:v>
+                </c:pt>
+                <c:pt idx="2">
+                  <c:v>Flex time or a flexible schedule</c:v>
+                </c:pt>
+                <c:pt idx="3">
+                  <c:v>Opportunities for professional development</c:v>
                 </c:pt>
               </c:strCache>
             </c:strRef>
@@ -6005,16 +6019,16 @@
                 <c:formatCode>0.0%</c:formatCode>
                 <c:ptCount val="4"/>
                 <c:pt idx="0">
-                  <c:v>0.56235431235431199</c:v>
+                  <c:v>0.41103299080584099</c:v>
                 </c:pt>
                 <c:pt idx="1">
-                  <c:v>0.56585081585081498</c:v>
+                  <c:v>0.41968631692806901</c:v>
                 </c:pt>
                 <c:pt idx="2">
-                  <c:v>0.57284382284382196</c:v>
+                  <c:v>0.44294213088155698</c:v>
                 </c:pt>
                 <c:pt idx="3">
-                  <c:v>0.69580419580419495</c:v>
+                  <c:v>0.44835045970795001</c:v>
                 </c:pt>
               </c:numCache>
             </c:numRef>
@@ -6116,86 +6130,6 @@
 </file>
 
 <file path=ppt/charts/colors1.xml><?xml version="1.0" encoding="utf-8"?>
-<cs:colorStyle xmlns:cs="http://schemas.microsoft.com/office/drawing/2012/chartStyle" xmlns:a="http://schemas.openxmlformats.org/drawingml/2006/main" meth="cycle" id="10">
-  <a:schemeClr val="accent1"/>
-  <a:schemeClr val="accent2"/>
-  <a:schemeClr val="accent3"/>
-  <a:schemeClr val="accent4"/>
-  <a:schemeClr val="accent5"/>
-  <a:schemeClr val="accent6"/>
-  <cs:variation/>
-  <cs:variation>
-    <a:lumMod val="60000"/>
-  </cs:variation>
-  <cs:variation>
-    <a:lumMod val="80000"/>
-    <a:lumOff val="20000"/>
-  </cs:variation>
-  <cs:variation>
-    <a:lumMod val="80000"/>
-  </cs:variation>
-  <cs:variation>
-    <a:lumMod val="60000"/>
-    <a:lumOff val="40000"/>
-  </cs:variation>
-  <cs:variation>
-    <a:lumMod val="50000"/>
-  </cs:variation>
-  <cs:variation>
-    <a:lumMod val="70000"/>
-    <a:lumOff val="30000"/>
-  </cs:variation>
-  <cs:variation>
-    <a:lumMod val="70000"/>
-  </cs:variation>
-  <cs:variation>
-    <a:lumMod val="50000"/>
-    <a:lumOff val="50000"/>
-  </cs:variation>
-</cs:colorStyle>
-</file>
-
-<file path=ppt/charts/colors10.xml><?xml version="1.0" encoding="utf-8"?>
-<cs:colorStyle xmlns:cs="http://schemas.microsoft.com/office/drawing/2012/chartStyle" xmlns:a="http://schemas.openxmlformats.org/drawingml/2006/main" meth="cycle" id="10">
-  <a:schemeClr val="accent1"/>
-  <a:schemeClr val="accent2"/>
-  <a:schemeClr val="accent3"/>
-  <a:schemeClr val="accent4"/>
-  <a:schemeClr val="accent5"/>
-  <a:schemeClr val="accent6"/>
-  <cs:variation/>
-  <cs:variation>
-    <a:lumMod val="60000"/>
-  </cs:variation>
-  <cs:variation>
-    <a:lumMod val="80000"/>
-    <a:lumOff val="20000"/>
-  </cs:variation>
-  <cs:variation>
-    <a:lumMod val="80000"/>
-  </cs:variation>
-  <cs:variation>
-    <a:lumMod val="60000"/>
-    <a:lumOff val="40000"/>
-  </cs:variation>
-  <cs:variation>
-    <a:lumMod val="50000"/>
-  </cs:variation>
-  <cs:variation>
-    <a:lumMod val="70000"/>
-    <a:lumOff val="30000"/>
-  </cs:variation>
-  <cs:variation>
-    <a:lumMod val="70000"/>
-  </cs:variation>
-  <cs:variation>
-    <a:lumMod val="50000"/>
-    <a:lumOff val="50000"/>
-  </cs:variation>
-</cs:colorStyle>
-</file>
-
-<file path=ppt/charts/colors11.xml><?xml version="1.0" encoding="utf-8"?>
 <cs:colorStyle xmlns:cs="http://schemas.microsoft.com/office/drawing/2012/chartStyle" xmlns:a="http://schemas.openxmlformats.org/drawingml/2006/main" meth="cycle" id="10">
   <a:schemeClr val="accent1"/>
   <a:schemeClr val="accent2"/>
@@ -6515,46 +6449,6 @@
 </cs:colorStyle>
 </file>
 
-<file path=ppt/charts/colors9.xml><?xml version="1.0" encoding="utf-8"?>
-<cs:colorStyle xmlns:cs="http://schemas.microsoft.com/office/drawing/2012/chartStyle" xmlns:a="http://schemas.openxmlformats.org/drawingml/2006/main" meth="cycle" id="10">
-  <a:schemeClr val="accent1"/>
-  <a:schemeClr val="accent2"/>
-  <a:schemeClr val="accent3"/>
-  <a:schemeClr val="accent4"/>
-  <a:schemeClr val="accent5"/>
-  <a:schemeClr val="accent6"/>
-  <cs:variation/>
-  <cs:variation>
-    <a:lumMod val="60000"/>
-  </cs:variation>
-  <cs:variation>
-    <a:lumMod val="80000"/>
-    <a:lumOff val="20000"/>
-  </cs:variation>
-  <cs:variation>
-    <a:lumMod val="80000"/>
-  </cs:variation>
-  <cs:variation>
-    <a:lumMod val="60000"/>
-    <a:lumOff val="40000"/>
-  </cs:variation>
-  <cs:variation>
-    <a:lumMod val="50000"/>
-  </cs:variation>
-  <cs:variation>
-    <a:lumMod val="70000"/>
-    <a:lumOff val="30000"/>
-  </cs:variation>
-  <cs:variation>
-    <a:lumMod val="70000"/>
-  </cs:variation>
-  <cs:variation>
-    <a:lumMod val="50000"/>
-    <a:lumOff val="50000"/>
-  </cs:variation>
-</cs:colorStyle>
-</file>
-
 <file path=ppt/charts/style1.xml><?xml version="1.0" encoding="utf-8"?>
 <cs:chartStyle xmlns:cs="http://schemas.microsoft.com/office/drawing/2012/chartStyle" xmlns:a="http://schemas.openxmlformats.org/drawingml/2006/main" id="297">
   <cs:axisTitle>
@@ -7060,7 +6954,7 @@
 </cs:chartStyle>
 </file>
 
-<file path=ppt/charts/style10.xml><?xml version="1.0" encoding="utf-8"?>
+<file path=ppt/charts/style2.xml><?xml version="1.0" encoding="utf-8"?>
 <cs:chartStyle xmlns:cs="http://schemas.microsoft.com/office/drawing/2012/chartStyle" xmlns:a="http://schemas.openxmlformats.org/drawingml/2006/main" id="216">
   <cs:axisTitle>
     <cs:lnRef idx="0"/>
@@ -7565,7 +7459,7 @@
 </cs:chartStyle>
 </file>
 
-<file path=ppt/charts/style11.xml><?xml version="1.0" encoding="utf-8"?>
+<file path=ppt/charts/style3.xml><?xml version="1.0" encoding="utf-8"?>
 <cs:chartStyle xmlns:cs="http://schemas.microsoft.com/office/drawing/2012/chartStyle" xmlns:a="http://schemas.openxmlformats.org/drawingml/2006/main" id="216">
   <cs:axisTitle>
     <cs:lnRef idx="0"/>
@@ -8070,7 +7964,7 @@
 </cs:chartStyle>
 </file>
 
-<file path=ppt/charts/style2.xml><?xml version="1.0" encoding="utf-8"?>
+<file path=ppt/charts/style4.xml><?xml version="1.0" encoding="utf-8"?>
 <cs:chartStyle xmlns:cs="http://schemas.microsoft.com/office/drawing/2012/chartStyle" xmlns:a="http://schemas.openxmlformats.org/drawingml/2006/main" id="216">
   <cs:axisTitle>
     <cs:lnRef idx="0"/>
@@ -8575,7 +8469,7 @@
 </cs:chartStyle>
 </file>
 
-<file path=ppt/charts/style3.xml><?xml version="1.0" encoding="utf-8"?>
+<file path=ppt/charts/style5.xml><?xml version="1.0" encoding="utf-8"?>
 <cs:chartStyle xmlns:cs="http://schemas.microsoft.com/office/drawing/2012/chartStyle" xmlns:a="http://schemas.openxmlformats.org/drawingml/2006/main" id="216">
   <cs:axisTitle>
     <cs:lnRef idx="0"/>
@@ -9080,7 +8974,7 @@
 </cs:chartStyle>
 </file>
 
-<file path=ppt/charts/style4.xml><?xml version="1.0" encoding="utf-8"?>
+<file path=ppt/charts/style6.xml><?xml version="1.0" encoding="utf-8"?>
 <cs:chartStyle xmlns:cs="http://schemas.microsoft.com/office/drawing/2012/chartStyle" xmlns:a="http://schemas.openxmlformats.org/drawingml/2006/main" id="216">
   <cs:axisTitle>
     <cs:lnRef idx="0"/>
@@ -9585,7 +9479,7 @@
 </cs:chartStyle>
 </file>
 
-<file path=ppt/charts/style5.xml><?xml version="1.0" encoding="utf-8"?>
+<file path=ppt/charts/style7.xml><?xml version="1.0" encoding="utf-8"?>
 <cs:chartStyle xmlns:cs="http://schemas.microsoft.com/office/drawing/2012/chartStyle" xmlns:a="http://schemas.openxmlformats.org/drawingml/2006/main" id="216">
   <cs:axisTitle>
     <cs:lnRef idx="0"/>
@@ -10090,1522 +9984,7 @@
 </cs:chartStyle>
 </file>
 
-<file path=ppt/charts/style6.xml><?xml version="1.0" encoding="utf-8"?>
-<cs:chartStyle xmlns:cs="http://schemas.microsoft.com/office/drawing/2012/chartStyle" xmlns:a="http://schemas.openxmlformats.org/drawingml/2006/main" id="216">
-  <cs:axisTitle>
-    <cs:lnRef idx="0"/>
-    <cs:fillRef idx="0"/>
-    <cs:effectRef idx="0"/>
-    <cs:fontRef idx="minor">
-      <a:schemeClr val="tx1">
-        <a:lumMod val="65000"/>
-        <a:lumOff val="35000"/>
-      </a:schemeClr>
-    </cs:fontRef>
-    <cs:defRPr sz="1330" kern="1200"/>
-  </cs:axisTitle>
-  <cs:categoryAxis>
-    <cs:lnRef idx="0"/>
-    <cs:fillRef idx="0"/>
-    <cs:effectRef idx="0"/>
-    <cs:fontRef idx="minor">
-      <a:schemeClr val="tx1">
-        <a:lumMod val="65000"/>
-        <a:lumOff val="35000"/>
-      </a:schemeClr>
-    </cs:fontRef>
-    <cs:spPr>
-      <a:ln w="9525" cap="flat" cmpd="sng" algn="ctr">
-        <a:solidFill>
-          <a:schemeClr val="tx1">
-            <a:lumMod val="15000"/>
-            <a:lumOff val="85000"/>
-          </a:schemeClr>
-        </a:solidFill>
-        <a:round/>
-      </a:ln>
-    </cs:spPr>
-    <cs:defRPr sz="1197" kern="1200"/>
-  </cs:categoryAxis>
-  <cs:chartArea mods="allowNoFillOverride allowNoLineOverride">
-    <cs:lnRef idx="0"/>
-    <cs:fillRef idx="0"/>
-    <cs:effectRef idx="0"/>
-    <cs:fontRef idx="minor">
-      <a:schemeClr val="tx1"/>
-    </cs:fontRef>
-    <cs:spPr>
-      <a:solidFill>
-        <a:schemeClr val="bg1"/>
-      </a:solidFill>
-      <a:ln w="9525" cap="flat" cmpd="sng" algn="ctr">
-        <a:solidFill>
-          <a:schemeClr val="tx1">
-            <a:lumMod val="15000"/>
-            <a:lumOff val="85000"/>
-          </a:schemeClr>
-        </a:solidFill>
-        <a:round/>
-      </a:ln>
-    </cs:spPr>
-    <cs:defRPr sz="1330" kern="1200"/>
-  </cs:chartArea>
-  <cs:dataLabel>
-    <cs:lnRef idx="0"/>
-    <cs:fillRef idx="0"/>
-    <cs:effectRef idx="0"/>
-    <cs:fontRef idx="minor">
-      <a:schemeClr val="tx1">
-        <a:lumMod val="75000"/>
-        <a:lumOff val="25000"/>
-      </a:schemeClr>
-    </cs:fontRef>
-    <cs:defRPr sz="1197" kern="1200"/>
-  </cs:dataLabel>
-  <cs:dataLabelCallout>
-    <cs:lnRef idx="0"/>
-    <cs:fillRef idx="0"/>
-    <cs:effectRef idx="0"/>
-    <cs:fontRef idx="minor">
-      <a:schemeClr val="dk1">
-        <a:lumMod val="65000"/>
-        <a:lumOff val="35000"/>
-      </a:schemeClr>
-    </cs:fontRef>
-    <cs:spPr>
-      <a:solidFill>
-        <a:schemeClr val="lt1"/>
-      </a:solidFill>
-      <a:ln>
-        <a:solidFill>
-          <a:schemeClr val="dk1">
-            <a:lumMod val="25000"/>
-            <a:lumOff val="75000"/>
-          </a:schemeClr>
-        </a:solidFill>
-      </a:ln>
-    </cs:spPr>
-    <cs:defRPr sz="1197" kern="1200"/>
-    <cs:bodyPr rot="0" spcFirstLastPara="1" vertOverflow="clip" horzOverflow="clip" vert="horz" wrap="square" lIns="36576" tIns="18288" rIns="36576" bIns="18288" anchor="ctr" anchorCtr="1">
-      <a:spAutoFit/>
-    </cs:bodyPr>
-  </cs:dataLabelCallout>
-  <cs:dataPoint>
-    <cs:lnRef idx="0"/>
-    <cs:fillRef idx="1">
-      <cs:styleClr val="auto"/>
-    </cs:fillRef>
-    <cs:effectRef idx="0"/>
-    <cs:fontRef idx="minor">
-      <a:schemeClr val="tx1"/>
-    </cs:fontRef>
-  </cs:dataPoint>
-  <cs:dataPoint3D>
-    <cs:lnRef idx="0"/>
-    <cs:fillRef idx="1">
-      <cs:styleClr val="auto"/>
-    </cs:fillRef>
-    <cs:effectRef idx="0"/>
-    <cs:fontRef idx="minor">
-      <a:schemeClr val="tx1"/>
-    </cs:fontRef>
-  </cs:dataPoint3D>
-  <cs:dataPointLine>
-    <cs:lnRef idx="0">
-      <cs:styleClr val="auto"/>
-    </cs:lnRef>
-    <cs:fillRef idx="1"/>
-    <cs:effectRef idx="0"/>
-    <cs:fontRef idx="minor">
-      <a:schemeClr val="tx1"/>
-    </cs:fontRef>
-    <cs:spPr>
-      <a:ln w="28575" cap="rnd">
-        <a:solidFill>
-          <a:schemeClr val="phClr"/>
-        </a:solidFill>
-        <a:round/>
-      </a:ln>
-    </cs:spPr>
-  </cs:dataPointLine>
-  <cs:dataPointMarker>
-    <cs:lnRef idx="0">
-      <cs:styleClr val="auto"/>
-    </cs:lnRef>
-    <cs:fillRef idx="1">
-      <cs:styleClr val="auto"/>
-    </cs:fillRef>
-    <cs:effectRef idx="0"/>
-    <cs:fontRef idx="minor">
-      <a:schemeClr val="tx1"/>
-    </cs:fontRef>
-    <cs:spPr>
-      <a:ln w="9525">
-        <a:solidFill>
-          <a:schemeClr val="phClr"/>
-        </a:solidFill>
-      </a:ln>
-    </cs:spPr>
-  </cs:dataPointMarker>
-  <cs:dataPointMarkerLayout symbol="circle" size="5"/>
-  <cs:dataPointWireframe>
-    <cs:lnRef idx="0">
-      <cs:styleClr val="auto"/>
-    </cs:lnRef>
-    <cs:fillRef idx="1"/>
-    <cs:effectRef idx="0"/>
-    <cs:fontRef idx="minor">
-      <a:schemeClr val="tx1"/>
-    </cs:fontRef>
-    <cs:spPr>
-      <a:ln w="9525" cap="rnd">
-        <a:solidFill>
-          <a:schemeClr val="phClr"/>
-        </a:solidFill>
-        <a:round/>
-      </a:ln>
-    </cs:spPr>
-  </cs:dataPointWireframe>
-  <cs:dataTable>
-    <cs:lnRef idx="0"/>
-    <cs:fillRef idx="0"/>
-    <cs:effectRef idx="0"/>
-    <cs:fontRef idx="minor">
-      <a:schemeClr val="tx1">
-        <a:lumMod val="65000"/>
-        <a:lumOff val="35000"/>
-      </a:schemeClr>
-    </cs:fontRef>
-    <cs:spPr>
-      <a:noFill/>
-      <a:ln w="9525" cap="flat" cmpd="sng" algn="ctr">
-        <a:solidFill>
-          <a:schemeClr val="tx1">
-            <a:lumMod val="15000"/>
-            <a:lumOff val="85000"/>
-          </a:schemeClr>
-        </a:solidFill>
-        <a:round/>
-      </a:ln>
-    </cs:spPr>
-    <cs:defRPr sz="1197" kern="1200"/>
-  </cs:dataTable>
-  <cs:downBar>
-    <cs:lnRef idx="0"/>
-    <cs:fillRef idx="0"/>
-    <cs:effectRef idx="0"/>
-    <cs:fontRef idx="minor">
-      <a:schemeClr val="tx1"/>
-    </cs:fontRef>
-    <cs:spPr>
-      <a:solidFill>
-        <a:schemeClr val="dk1">
-          <a:lumMod val="75000"/>
-          <a:lumOff val="25000"/>
-        </a:schemeClr>
-      </a:solidFill>
-      <a:ln w="9525" cap="flat" cmpd="sng" algn="ctr">
-        <a:solidFill>
-          <a:schemeClr val="tx1">
-            <a:lumMod val="65000"/>
-            <a:lumOff val="35000"/>
-          </a:schemeClr>
-        </a:solidFill>
-        <a:round/>
-      </a:ln>
-    </cs:spPr>
-  </cs:downBar>
-  <cs:dropLine>
-    <cs:lnRef idx="0"/>
-    <cs:fillRef idx="0"/>
-    <cs:effectRef idx="0"/>
-    <cs:fontRef idx="minor">
-      <a:schemeClr val="tx1"/>
-    </cs:fontRef>
-    <cs:spPr>
-      <a:ln w="9525" cap="flat" cmpd="sng" algn="ctr">
-        <a:solidFill>
-          <a:schemeClr val="tx1">
-            <a:lumMod val="35000"/>
-            <a:lumOff val="65000"/>
-          </a:schemeClr>
-        </a:solidFill>
-        <a:round/>
-      </a:ln>
-    </cs:spPr>
-  </cs:dropLine>
-  <cs:errorBar>
-    <cs:lnRef idx="0"/>
-    <cs:fillRef idx="0"/>
-    <cs:effectRef idx="0"/>
-    <cs:fontRef idx="minor">
-      <a:schemeClr val="tx1"/>
-    </cs:fontRef>
-    <cs:spPr>
-      <a:ln w="9525" cap="flat" cmpd="sng" algn="ctr">
-        <a:solidFill>
-          <a:schemeClr val="tx1">
-            <a:lumMod val="65000"/>
-            <a:lumOff val="35000"/>
-          </a:schemeClr>
-        </a:solidFill>
-        <a:round/>
-      </a:ln>
-    </cs:spPr>
-  </cs:errorBar>
-  <cs:floor>
-    <cs:lnRef idx="0"/>
-    <cs:fillRef idx="0"/>
-    <cs:effectRef idx="0"/>
-    <cs:fontRef idx="minor">
-      <a:schemeClr val="tx1"/>
-    </cs:fontRef>
-    <cs:spPr>
-      <a:noFill/>
-      <a:ln>
-        <a:noFill/>
-      </a:ln>
-    </cs:spPr>
-  </cs:floor>
-  <cs:gridlineMajor>
-    <cs:lnRef idx="0"/>
-    <cs:fillRef idx="0"/>
-    <cs:effectRef idx="0"/>
-    <cs:fontRef idx="minor">
-      <a:schemeClr val="tx1"/>
-    </cs:fontRef>
-    <cs:spPr>
-      <a:ln w="9525" cap="flat" cmpd="sng" algn="ctr">
-        <a:solidFill>
-          <a:schemeClr val="tx1">
-            <a:lumMod val="15000"/>
-            <a:lumOff val="85000"/>
-          </a:schemeClr>
-        </a:solidFill>
-        <a:round/>
-      </a:ln>
-    </cs:spPr>
-  </cs:gridlineMajor>
-  <cs:gridlineMinor>
-    <cs:lnRef idx="0"/>
-    <cs:fillRef idx="0"/>
-    <cs:effectRef idx="0"/>
-    <cs:fontRef idx="minor">
-      <a:schemeClr val="tx1"/>
-    </cs:fontRef>
-    <cs:spPr>
-      <a:ln w="9525" cap="flat" cmpd="sng" algn="ctr">
-        <a:solidFill>
-          <a:schemeClr val="tx1">
-            <a:lumMod val="5000"/>
-            <a:lumOff val="95000"/>
-          </a:schemeClr>
-        </a:solidFill>
-        <a:round/>
-      </a:ln>
-    </cs:spPr>
-  </cs:gridlineMinor>
-  <cs:hiLoLine>
-    <cs:lnRef idx="0"/>
-    <cs:fillRef idx="0"/>
-    <cs:effectRef idx="0"/>
-    <cs:fontRef idx="minor">
-      <a:schemeClr val="tx1"/>
-    </cs:fontRef>
-    <cs:spPr>
-      <a:ln w="9525" cap="flat" cmpd="sng" algn="ctr">
-        <a:solidFill>
-          <a:schemeClr val="tx1">
-            <a:lumMod val="50000"/>
-            <a:lumOff val="50000"/>
-          </a:schemeClr>
-        </a:solidFill>
-        <a:round/>
-      </a:ln>
-    </cs:spPr>
-  </cs:hiLoLine>
-  <cs:leaderLine>
-    <cs:lnRef idx="0"/>
-    <cs:fillRef idx="0"/>
-    <cs:effectRef idx="0"/>
-    <cs:fontRef idx="minor">
-      <a:schemeClr val="tx1"/>
-    </cs:fontRef>
-    <cs:spPr>
-      <a:ln w="9525" cap="flat" cmpd="sng" algn="ctr">
-        <a:solidFill>
-          <a:schemeClr val="tx1">
-            <a:lumMod val="35000"/>
-            <a:lumOff val="65000"/>
-          </a:schemeClr>
-        </a:solidFill>
-        <a:round/>
-      </a:ln>
-    </cs:spPr>
-  </cs:leaderLine>
-  <cs:legend>
-    <cs:lnRef idx="0"/>
-    <cs:fillRef idx="0"/>
-    <cs:effectRef idx="0"/>
-    <cs:fontRef idx="minor">
-      <a:schemeClr val="tx1">
-        <a:lumMod val="65000"/>
-        <a:lumOff val="35000"/>
-      </a:schemeClr>
-    </cs:fontRef>
-    <cs:defRPr sz="1197" kern="1200"/>
-  </cs:legend>
-  <cs:plotArea mods="allowNoFillOverride allowNoLineOverride">
-    <cs:lnRef idx="0"/>
-    <cs:fillRef idx="0"/>
-    <cs:effectRef idx="0"/>
-    <cs:fontRef idx="minor">
-      <a:schemeClr val="tx1"/>
-    </cs:fontRef>
-  </cs:plotArea>
-  <cs:plotArea3D mods="allowNoFillOverride allowNoLineOverride">
-    <cs:lnRef idx="0"/>
-    <cs:fillRef idx="0"/>
-    <cs:effectRef idx="0"/>
-    <cs:fontRef idx="minor">
-      <a:schemeClr val="tx1"/>
-    </cs:fontRef>
-  </cs:plotArea3D>
-  <cs:seriesAxis>
-    <cs:lnRef idx="0"/>
-    <cs:fillRef idx="0"/>
-    <cs:effectRef idx="0"/>
-    <cs:fontRef idx="minor">
-      <a:schemeClr val="tx1">
-        <a:lumMod val="65000"/>
-        <a:lumOff val="35000"/>
-      </a:schemeClr>
-    </cs:fontRef>
-    <cs:defRPr sz="1197" kern="1200"/>
-  </cs:seriesAxis>
-  <cs:seriesLine>
-    <cs:lnRef idx="0"/>
-    <cs:fillRef idx="0"/>
-    <cs:effectRef idx="0"/>
-    <cs:fontRef idx="minor">
-      <a:schemeClr val="tx1"/>
-    </cs:fontRef>
-    <cs:spPr>
-      <a:ln w="9525" cap="flat" cmpd="sng" algn="ctr">
-        <a:solidFill>
-          <a:schemeClr val="tx1">
-            <a:lumMod val="35000"/>
-            <a:lumOff val="65000"/>
-          </a:schemeClr>
-        </a:solidFill>
-        <a:round/>
-      </a:ln>
-    </cs:spPr>
-  </cs:seriesLine>
-  <cs:title>
-    <cs:lnRef idx="0"/>
-    <cs:fillRef idx="0"/>
-    <cs:effectRef idx="0"/>
-    <cs:fontRef idx="minor">
-      <a:schemeClr val="tx1">
-        <a:lumMod val="65000"/>
-        <a:lumOff val="35000"/>
-      </a:schemeClr>
-    </cs:fontRef>
-    <cs:defRPr sz="1862" b="0" kern="1200" spc="0" baseline="0"/>
-  </cs:title>
-  <cs:trendline>
-    <cs:lnRef idx="0">
-      <cs:styleClr val="auto"/>
-    </cs:lnRef>
-    <cs:fillRef idx="0"/>
-    <cs:effectRef idx="0"/>
-    <cs:fontRef idx="minor">
-      <a:schemeClr val="tx1"/>
-    </cs:fontRef>
-    <cs:spPr>
-      <a:ln w="19050" cap="rnd">
-        <a:solidFill>
-          <a:schemeClr val="phClr"/>
-        </a:solidFill>
-        <a:prstDash val="sysDot"/>
-      </a:ln>
-    </cs:spPr>
-  </cs:trendline>
-  <cs:trendlineLabel>
-    <cs:lnRef idx="0"/>
-    <cs:fillRef idx="0"/>
-    <cs:effectRef idx="0"/>
-    <cs:fontRef idx="minor">
-      <a:schemeClr val="tx1">
-        <a:lumMod val="65000"/>
-        <a:lumOff val="35000"/>
-      </a:schemeClr>
-    </cs:fontRef>
-    <cs:defRPr sz="1197" kern="1200"/>
-  </cs:trendlineLabel>
-  <cs:upBar>
-    <cs:lnRef idx="0"/>
-    <cs:fillRef idx="0"/>
-    <cs:effectRef idx="0"/>
-    <cs:fontRef idx="minor">
-      <a:schemeClr val="tx1"/>
-    </cs:fontRef>
-    <cs:spPr>
-      <a:solidFill>
-        <a:schemeClr val="lt1"/>
-      </a:solidFill>
-      <a:ln w="9525" cap="flat" cmpd="sng" algn="ctr">
-        <a:solidFill>
-          <a:schemeClr val="tx1">
-            <a:lumMod val="65000"/>
-            <a:lumOff val="35000"/>
-          </a:schemeClr>
-        </a:solidFill>
-        <a:round/>
-      </a:ln>
-    </cs:spPr>
-  </cs:upBar>
-  <cs:valueAxis>
-    <cs:lnRef idx="0"/>
-    <cs:fillRef idx="0"/>
-    <cs:effectRef idx="0"/>
-    <cs:fontRef idx="minor">
-      <a:schemeClr val="tx1">
-        <a:lumMod val="65000"/>
-        <a:lumOff val="35000"/>
-      </a:schemeClr>
-    </cs:fontRef>
-    <cs:defRPr sz="1197" kern="1200"/>
-  </cs:valueAxis>
-  <cs:wall>
-    <cs:lnRef idx="0"/>
-    <cs:fillRef idx="0"/>
-    <cs:effectRef idx="0"/>
-    <cs:fontRef idx="minor">
-      <a:schemeClr val="tx1"/>
-    </cs:fontRef>
-    <cs:spPr>
-      <a:noFill/>
-      <a:ln>
-        <a:noFill/>
-      </a:ln>
-    </cs:spPr>
-  </cs:wall>
-</cs:chartStyle>
-</file>
-
-<file path=ppt/charts/style7.xml><?xml version="1.0" encoding="utf-8"?>
-<cs:chartStyle xmlns:cs="http://schemas.microsoft.com/office/drawing/2012/chartStyle" xmlns:a="http://schemas.openxmlformats.org/drawingml/2006/main" id="216">
-  <cs:axisTitle>
-    <cs:lnRef idx="0"/>
-    <cs:fillRef idx="0"/>
-    <cs:effectRef idx="0"/>
-    <cs:fontRef idx="minor">
-      <a:schemeClr val="tx1">
-        <a:lumMod val="65000"/>
-        <a:lumOff val="35000"/>
-      </a:schemeClr>
-    </cs:fontRef>
-    <cs:defRPr sz="1330" kern="1200"/>
-  </cs:axisTitle>
-  <cs:categoryAxis>
-    <cs:lnRef idx="0"/>
-    <cs:fillRef idx="0"/>
-    <cs:effectRef idx="0"/>
-    <cs:fontRef idx="minor">
-      <a:schemeClr val="tx1">
-        <a:lumMod val="65000"/>
-        <a:lumOff val="35000"/>
-      </a:schemeClr>
-    </cs:fontRef>
-    <cs:spPr>
-      <a:ln w="9525" cap="flat" cmpd="sng" algn="ctr">
-        <a:solidFill>
-          <a:schemeClr val="tx1">
-            <a:lumMod val="15000"/>
-            <a:lumOff val="85000"/>
-          </a:schemeClr>
-        </a:solidFill>
-        <a:round/>
-      </a:ln>
-    </cs:spPr>
-    <cs:defRPr sz="1197" kern="1200"/>
-  </cs:categoryAxis>
-  <cs:chartArea mods="allowNoFillOverride allowNoLineOverride">
-    <cs:lnRef idx="0"/>
-    <cs:fillRef idx="0"/>
-    <cs:effectRef idx="0"/>
-    <cs:fontRef idx="minor">
-      <a:schemeClr val="tx1"/>
-    </cs:fontRef>
-    <cs:spPr>
-      <a:solidFill>
-        <a:schemeClr val="bg1"/>
-      </a:solidFill>
-      <a:ln w="9525" cap="flat" cmpd="sng" algn="ctr">
-        <a:solidFill>
-          <a:schemeClr val="tx1">
-            <a:lumMod val="15000"/>
-            <a:lumOff val="85000"/>
-          </a:schemeClr>
-        </a:solidFill>
-        <a:round/>
-      </a:ln>
-    </cs:spPr>
-    <cs:defRPr sz="1330" kern="1200"/>
-  </cs:chartArea>
-  <cs:dataLabel>
-    <cs:lnRef idx="0"/>
-    <cs:fillRef idx="0"/>
-    <cs:effectRef idx="0"/>
-    <cs:fontRef idx="minor">
-      <a:schemeClr val="tx1">
-        <a:lumMod val="75000"/>
-        <a:lumOff val="25000"/>
-      </a:schemeClr>
-    </cs:fontRef>
-    <cs:defRPr sz="1197" kern="1200"/>
-  </cs:dataLabel>
-  <cs:dataLabelCallout>
-    <cs:lnRef idx="0"/>
-    <cs:fillRef idx="0"/>
-    <cs:effectRef idx="0"/>
-    <cs:fontRef idx="minor">
-      <a:schemeClr val="dk1">
-        <a:lumMod val="65000"/>
-        <a:lumOff val="35000"/>
-      </a:schemeClr>
-    </cs:fontRef>
-    <cs:spPr>
-      <a:solidFill>
-        <a:schemeClr val="lt1"/>
-      </a:solidFill>
-      <a:ln>
-        <a:solidFill>
-          <a:schemeClr val="dk1">
-            <a:lumMod val="25000"/>
-            <a:lumOff val="75000"/>
-          </a:schemeClr>
-        </a:solidFill>
-      </a:ln>
-    </cs:spPr>
-    <cs:defRPr sz="1197" kern="1200"/>
-    <cs:bodyPr rot="0" spcFirstLastPara="1" vertOverflow="clip" horzOverflow="clip" vert="horz" wrap="square" lIns="36576" tIns="18288" rIns="36576" bIns="18288" anchor="ctr" anchorCtr="1">
-      <a:spAutoFit/>
-    </cs:bodyPr>
-  </cs:dataLabelCallout>
-  <cs:dataPoint>
-    <cs:lnRef idx="0"/>
-    <cs:fillRef idx="1">
-      <cs:styleClr val="auto"/>
-    </cs:fillRef>
-    <cs:effectRef idx="0"/>
-    <cs:fontRef idx="minor">
-      <a:schemeClr val="tx1"/>
-    </cs:fontRef>
-  </cs:dataPoint>
-  <cs:dataPoint3D>
-    <cs:lnRef idx="0"/>
-    <cs:fillRef idx="1">
-      <cs:styleClr val="auto"/>
-    </cs:fillRef>
-    <cs:effectRef idx="0"/>
-    <cs:fontRef idx="minor">
-      <a:schemeClr val="tx1"/>
-    </cs:fontRef>
-  </cs:dataPoint3D>
-  <cs:dataPointLine>
-    <cs:lnRef idx="0">
-      <cs:styleClr val="auto"/>
-    </cs:lnRef>
-    <cs:fillRef idx="1"/>
-    <cs:effectRef idx="0"/>
-    <cs:fontRef idx="minor">
-      <a:schemeClr val="tx1"/>
-    </cs:fontRef>
-    <cs:spPr>
-      <a:ln w="28575" cap="rnd">
-        <a:solidFill>
-          <a:schemeClr val="phClr"/>
-        </a:solidFill>
-        <a:round/>
-      </a:ln>
-    </cs:spPr>
-  </cs:dataPointLine>
-  <cs:dataPointMarker>
-    <cs:lnRef idx="0">
-      <cs:styleClr val="auto"/>
-    </cs:lnRef>
-    <cs:fillRef idx="1">
-      <cs:styleClr val="auto"/>
-    </cs:fillRef>
-    <cs:effectRef idx="0"/>
-    <cs:fontRef idx="minor">
-      <a:schemeClr val="tx1"/>
-    </cs:fontRef>
-    <cs:spPr>
-      <a:ln w="9525">
-        <a:solidFill>
-          <a:schemeClr val="phClr"/>
-        </a:solidFill>
-      </a:ln>
-    </cs:spPr>
-  </cs:dataPointMarker>
-  <cs:dataPointMarkerLayout symbol="circle" size="5"/>
-  <cs:dataPointWireframe>
-    <cs:lnRef idx="0">
-      <cs:styleClr val="auto"/>
-    </cs:lnRef>
-    <cs:fillRef idx="1"/>
-    <cs:effectRef idx="0"/>
-    <cs:fontRef idx="minor">
-      <a:schemeClr val="tx1"/>
-    </cs:fontRef>
-    <cs:spPr>
-      <a:ln w="9525" cap="rnd">
-        <a:solidFill>
-          <a:schemeClr val="phClr"/>
-        </a:solidFill>
-        <a:round/>
-      </a:ln>
-    </cs:spPr>
-  </cs:dataPointWireframe>
-  <cs:dataTable>
-    <cs:lnRef idx="0"/>
-    <cs:fillRef idx="0"/>
-    <cs:effectRef idx="0"/>
-    <cs:fontRef idx="minor">
-      <a:schemeClr val="tx1">
-        <a:lumMod val="65000"/>
-        <a:lumOff val="35000"/>
-      </a:schemeClr>
-    </cs:fontRef>
-    <cs:spPr>
-      <a:noFill/>
-      <a:ln w="9525" cap="flat" cmpd="sng" algn="ctr">
-        <a:solidFill>
-          <a:schemeClr val="tx1">
-            <a:lumMod val="15000"/>
-            <a:lumOff val="85000"/>
-          </a:schemeClr>
-        </a:solidFill>
-        <a:round/>
-      </a:ln>
-    </cs:spPr>
-    <cs:defRPr sz="1197" kern="1200"/>
-  </cs:dataTable>
-  <cs:downBar>
-    <cs:lnRef idx="0"/>
-    <cs:fillRef idx="0"/>
-    <cs:effectRef idx="0"/>
-    <cs:fontRef idx="minor">
-      <a:schemeClr val="tx1"/>
-    </cs:fontRef>
-    <cs:spPr>
-      <a:solidFill>
-        <a:schemeClr val="dk1">
-          <a:lumMod val="75000"/>
-          <a:lumOff val="25000"/>
-        </a:schemeClr>
-      </a:solidFill>
-      <a:ln w="9525" cap="flat" cmpd="sng" algn="ctr">
-        <a:solidFill>
-          <a:schemeClr val="tx1">
-            <a:lumMod val="65000"/>
-            <a:lumOff val="35000"/>
-          </a:schemeClr>
-        </a:solidFill>
-        <a:round/>
-      </a:ln>
-    </cs:spPr>
-  </cs:downBar>
-  <cs:dropLine>
-    <cs:lnRef idx="0"/>
-    <cs:fillRef idx="0"/>
-    <cs:effectRef idx="0"/>
-    <cs:fontRef idx="minor">
-      <a:schemeClr val="tx1"/>
-    </cs:fontRef>
-    <cs:spPr>
-      <a:ln w="9525" cap="flat" cmpd="sng" algn="ctr">
-        <a:solidFill>
-          <a:schemeClr val="tx1">
-            <a:lumMod val="35000"/>
-            <a:lumOff val="65000"/>
-          </a:schemeClr>
-        </a:solidFill>
-        <a:round/>
-      </a:ln>
-    </cs:spPr>
-  </cs:dropLine>
-  <cs:errorBar>
-    <cs:lnRef idx="0"/>
-    <cs:fillRef idx="0"/>
-    <cs:effectRef idx="0"/>
-    <cs:fontRef idx="minor">
-      <a:schemeClr val="tx1"/>
-    </cs:fontRef>
-    <cs:spPr>
-      <a:ln w="9525" cap="flat" cmpd="sng" algn="ctr">
-        <a:solidFill>
-          <a:schemeClr val="tx1">
-            <a:lumMod val="65000"/>
-            <a:lumOff val="35000"/>
-          </a:schemeClr>
-        </a:solidFill>
-        <a:round/>
-      </a:ln>
-    </cs:spPr>
-  </cs:errorBar>
-  <cs:floor>
-    <cs:lnRef idx="0"/>
-    <cs:fillRef idx="0"/>
-    <cs:effectRef idx="0"/>
-    <cs:fontRef idx="minor">
-      <a:schemeClr val="tx1"/>
-    </cs:fontRef>
-    <cs:spPr>
-      <a:noFill/>
-      <a:ln>
-        <a:noFill/>
-      </a:ln>
-    </cs:spPr>
-  </cs:floor>
-  <cs:gridlineMajor>
-    <cs:lnRef idx="0"/>
-    <cs:fillRef idx="0"/>
-    <cs:effectRef idx="0"/>
-    <cs:fontRef idx="minor">
-      <a:schemeClr val="tx1"/>
-    </cs:fontRef>
-    <cs:spPr>
-      <a:ln w="9525" cap="flat" cmpd="sng" algn="ctr">
-        <a:solidFill>
-          <a:schemeClr val="tx1">
-            <a:lumMod val="15000"/>
-            <a:lumOff val="85000"/>
-          </a:schemeClr>
-        </a:solidFill>
-        <a:round/>
-      </a:ln>
-    </cs:spPr>
-  </cs:gridlineMajor>
-  <cs:gridlineMinor>
-    <cs:lnRef idx="0"/>
-    <cs:fillRef idx="0"/>
-    <cs:effectRef idx="0"/>
-    <cs:fontRef idx="minor">
-      <a:schemeClr val="tx1"/>
-    </cs:fontRef>
-    <cs:spPr>
-      <a:ln w="9525" cap="flat" cmpd="sng" algn="ctr">
-        <a:solidFill>
-          <a:schemeClr val="tx1">
-            <a:lumMod val="5000"/>
-            <a:lumOff val="95000"/>
-          </a:schemeClr>
-        </a:solidFill>
-        <a:round/>
-      </a:ln>
-    </cs:spPr>
-  </cs:gridlineMinor>
-  <cs:hiLoLine>
-    <cs:lnRef idx="0"/>
-    <cs:fillRef idx="0"/>
-    <cs:effectRef idx="0"/>
-    <cs:fontRef idx="minor">
-      <a:schemeClr val="tx1"/>
-    </cs:fontRef>
-    <cs:spPr>
-      <a:ln w="9525" cap="flat" cmpd="sng" algn="ctr">
-        <a:solidFill>
-          <a:schemeClr val="tx1">
-            <a:lumMod val="50000"/>
-            <a:lumOff val="50000"/>
-          </a:schemeClr>
-        </a:solidFill>
-        <a:round/>
-      </a:ln>
-    </cs:spPr>
-  </cs:hiLoLine>
-  <cs:leaderLine>
-    <cs:lnRef idx="0"/>
-    <cs:fillRef idx="0"/>
-    <cs:effectRef idx="0"/>
-    <cs:fontRef idx="minor">
-      <a:schemeClr val="tx1"/>
-    </cs:fontRef>
-    <cs:spPr>
-      <a:ln w="9525" cap="flat" cmpd="sng" algn="ctr">
-        <a:solidFill>
-          <a:schemeClr val="tx1">
-            <a:lumMod val="35000"/>
-            <a:lumOff val="65000"/>
-          </a:schemeClr>
-        </a:solidFill>
-        <a:round/>
-      </a:ln>
-    </cs:spPr>
-  </cs:leaderLine>
-  <cs:legend>
-    <cs:lnRef idx="0"/>
-    <cs:fillRef idx="0"/>
-    <cs:effectRef idx="0"/>
-    <cs:fontRef idx="minor">
-      <a:schemeClr val="tx1">
-        <a:lumMod val="65000"/>
-        <a:lumOff val="35000"/>
-      </a:schemeClr>
-    </cs:fontRef>
-    <cs:defRPr sz="1197" kern="1200"/>
-  </cs:legend>
-  <cs:plotArea mods="allowNoFillOverride allowNoLineOverride">
-    <cs:lnRef idx="0"/>
-    <cs:fillRef idx="0"/>
-    <cs:effectRef idx="0"/>
-    <cs:fontRef idx="minor">
-      <a:schemeClr val="tx1"/>
-    </cs:fontRef>
-  </cs:plotArea>
-  <cs:plotArea3D mods="allowNoFillOverride allowNoLineOverride">
-    <cs:lnRef idx="0"/>
-    <cs:fillRef idx="0"/>
-    <cs:effectRef idx="0"/>
-    <cs:fontRef idx="minor">
-      <a:schemeClr val="tx1"/>
-    </cs:fontRef>
-  </cs:plotArea3D>
-  <cs:seriesAxis>
-    <cs:lnRef idx="0"/>
-    <cs:fillRef idx="0"/>
-    <cs:effectRef idx="0"/>
-    <cs:fontRef idx="minor">
-      <a:schemeClr val="tx1">
-        <a:lumMod val="65000"/>
-        <a:lumOff val="35000"/>
-      </a:schemeClr>
-    </cs:fontRef>
-    <cs:defRPr sz="1197" kern="1200"/>
-  </cs:seriesAxis>
-  <cs:seriesLine>
-    <cs:lnRef idx="0"/>
-    <cs:fillRef idx="0"/>
-    <cs:effectRef idx="0"/>
-    <cs:fontRef idx="minor">
-      <a:schemeClr val="tx1"/>
-    </cs:fontRef>
-    <cs:spPr>
-      <a:ln w="9525" cap="flat" cmpd="sng" algn="ctr">
-        <a:solidFill>
-          <a:schemeClr val="tx1">
-            <a:lumMod val="35000"/>
-            <a:lumOff val="65000"/>
-          </a:schemeClr>
-        </a:solidFill>
-        <a:round/>
-      </a:ln>
-    </cs:spPr>
-  </cs:seriesLine>
-  <cs:title>
-    <cs:lnRef idx="0"/>
-    <cs:fillRef idx="0"/>
-    <cs:effectRef idx="0"/>
-    <cs:fontRef idx="minor">
-      <a:schemeClr val="tx1">
-        <a:lumMod val="65000"/>
-        <a:lumOff val="35000"/>
-      </a:schemeClr>
-    </cs:fontRef>
-    <cs:defRPr sz="1862" b="0" kern="1200" spc="0" baseline="0"/>
-  </cs:title>
-  <cs:trendline>
-    <cs:lnRef idx="0">
-      <cs:styleClr val="auto"/>
-    </cs:lnRef>
-    <cs:fillRef idx="0"/>
-    <cs:effectRef idx="0"/>
-    <cs:fontRef idx="minor">
-      <a:schemeClr val="tx1"/>
-    </cs:fontRef>
-    <cs:spPr>
-      <a:ln w="19050" cap="rnd">
-        <a:solidFill>
-          <a:schemeClr val="phClr"/>
-        </a:solidFill>
-        <a:prstDash val="sysDot"/>
-      </a:ln>
-    </cs:spPr>
-  </cs:trendline>
-  <cs:trendlineLabel>
-    <cs:lnRef idx="0"/>
-    <cs:fillRef idx="0"/>
-    <cs:effectRef idx="0"/>
-    <cs:fontRef idx="minor">
-      <a:schemeClr val="tx1">
-        <a:lumMod val="65000"/>
-        <a:lumOff val="35000"/>
-      </a:schemeClr>
-    </cs:fontRef>
-    <cs:defRPr sz="1197" kern="1200"/>
-  </cs:trendlineLabel>
-  <cs:upBar>
-    <cs:lnRef idx="0"/>
-    <cs:fillRef idx="0"/>
-    <cs:effectRef idx="0"/>
-    <cs:fontRef idx="minor">
-      <a:schemeClr val="tx1"/>
-    </cs:fontRef>
-    <cs:spPr>
-      <a:solidFill>
-        <a:schemeClr val="lt1"/>
-      </a:solidFill>
-      <a:ln w="9525" cap="flat" cmpd="sng" algn="ctr">
-        <a:solidFill>
-          <a:schemeClr val="tx1">
-            <a:lumMod val="65000"/>
-            <a:lumOff val="35000"/>
-          </a:schemeClr>
-        </a:solidFill>
-        <a:round/>
-      </a:ln>
-    </cs:spPr>
-  </cs:upBar>
-  <cs:valueAxis>
-    <cs:lnRef idx="0"/>
-    <cs:fillRef idx="0"/>
-    <cs:effectRef idx="0"/>
-    <cs:fontRef idx="minor">
-      <a:schemeClr val="tx1">
-        <a:lumMod val="65000"/>
-        <a:lumOff val="35000"/>
-      </a:schemeClr>
-    </cs:fontRef>
-    <cs:defRPr sz="1197" kern="1200"/>
-  </cs:valueAxis>
-  <cs:wall>
-    <cs:lnRef idx="0"/>
-    <cs:fillRef idx="0"/>
-    <cs:effectRef idx="0"/>
-    <cs:fontRef idx="minor">
-      <a:schemeClr val="tx1"/>
-    </cs:fontRef>
-    <cs:spPr>
-      <a:noFill/>
-      <a:ln>
-        <a:noFill/>
-      </a:ln>
-    </cs:spPr>
-  </cs:wall>
-</cs:chartStyle>
-</file>
-
 <file path=ppt/charts/style8.xml><?xml version="1.0" encoding="utf-8"?>
-<cs:chartStyle xmlns:cs="http://schemas.microsoft.com/office/drawing/2012/chartStyle" xmlns:a="http://schemas.openxmlformats.org/drawingml/2006/main" id="216">
-  <cs:axisTitle>
-    <cs:lnRef idx="0"/>
-    <cs:fillRef idx="0"/>
-    <cs:effectRef idx="0"/>
-    <cs:fontRef idx="minor">
-      <a:schemeClr val="tx1">
-        <a:lumMod val="65000"/>
-        <a:lumOff val="35000"/>
-      </a:schemeClr>
-    </cs:fontRef>
-    <cs:defRPr sz="1330" kern="1200"/>
-  </cs:axisTitle>
-  <cs:categoryAxis>
-    <cs:lnRef idx="0"/>
-    <cs:fillRef idx="0"/>
-    <cs:effectRef idx="0"/>
-    <cs:fontRef idx="minor">
-      <a:schemeClr val="tx1">
-        <a:lumMod val="65000"/>
-        <a:lumOff val="35000"/>
-      </a:schemeClr>
-    </cs:fontRef>
-    <cs:spPr>
-      <a:ln w="9525" cap="flat" cmpd="sng" algn="ctr">
-        <a:solidFill>
-          <a:schemeClr val="tx1">
-            <a:lumMod val="15000"/>
-            <a:lumOff val="85000"/>
-          </a:schemeClr>
-        </a:solidFill>
-        <a:round/>
-      </a:ln>
-    </cs:spPr>
-    <cs:defRPr sz="1197" kern="1200"/>
-  </cs:categoryAxis>
-  <cs:chartArea mods="allowNoFillOverride allowNoLineOverride">
-    <cs:lnRef idx="0"/>
-    <cs:fillRef idx="0"/>
-    <cs:effectRef idx="0"/>
-    <cs:fontRef idx="minor">
-      <a:schemeClr val="tx1"/>
-    </cs:fontRef>
-    <cs:spPr>
-      <a:solidFill>
-        <a:schemeClr val="bg1"/>
-      </a:solidFill>
-      <a:ln w="9525" cap="flat" cmpd="sng" algn="ctr">
-        <a:solidFill>
-          <a:schemeClr val="tx1">
-            <a:lumMod val="15000"/>
-            <a:lumOff val="85000"/>
-          </a:schemeClr>
-        </a:solidFill>
-        <a:round/>
-      </a:ln>
-    </cs:spPr>
-    <cs:defRPr sz="1330" kern="1200"/>
-  </cs:chartArea>
-  <cs:dataLabel>
-    <cs:lnRef idx="0"/>
-    <cs:fillRef idx="0"/>
-    <cs:effectRef idx="0"/>
-    <cs:fontRef idx="minor">
-      <a:schemeClr val="tx1">
-        <a:lumMod val="75000"/>
-        <a:lumOff val="25000"/>
-      </a:schemeClr>
-    </cs:fontRef>
-    <cs:defRPr sz="1197" kern="1200"/>
-  </cs:dataLabel>
-  <cs:dataLabelCallout>
-    <cs:lnRef idx="0"/>
-    <cs:fillRef idx="0"/>
-    <cs:effectRef idx="0"/>
-    <cs:fontRef idx="minor">
-      <a:schemeClr val="dk1">
-        <a:lumMod val="65000"/>
-        <a:lumOff val="35000"/>
-      </a:schemeClr>
-    </cs:fontRef>
-    <cs:spPr>
-      <a:solidFill>
-        <a:schemeClr val="lt1"/>
-      </a:solidFill>
-      <a:ln>
-        <a:solidFill>
-          <a:schemeClr val="dk1">
-            <a:lumMod val="25000"/>
-            <a:lumOff val="75000"/>
-          </a:schemeClr>
-        </a:solidFill>
-      </a:ln>
-    </cs:spPr>
-    <cs:defRPr sz="1197" kern="1200"/>
-    <cs:bodyPr rot="0" spcFirstLastPara="1" vertOverflow="clip" horzOverflow="clip" vert="horz" wrap="square" lIns="36576" tIns="18288" rIns="36576" bIns="18288" anchor="ctr" anchorCtr="1">
-      <a:spAutoFit/>
-    </cs:bodyPr>
-  </cs:dataLabelCallout>
-  <cs:dataPoint>
-    <cs:lnRef idx="0"/>
-    <cs:fillRef idx="1">
-      <cs:styleClr val="auto"/>
-    </cs:fillRef>
-    <cs:effectRef idx="0"/>
-    <cs:fontRef idx="minor">
-      <a:schemeClr val="tx1"/>
-    </cs:fontRef>
-  </cs:dataPoint>
-  <cs:dataPoint3D>
-    <cs:lnRef idx="0"/>
-    <cs:fillRef idx="1">
-      <cs:styleClr val="auto"/>
-    </cs:fillRef>
-    <cs:effectRef idx="0"/>
-    <cs:fontRef idx="minor">
-      <a:schemeClr val="tx1"/>
-    </cs:fontRef>
-  </cs:dataPoint3D>
-  <cs:dataPointLine>
-    <cs:lnRef idx="0">
-      <cs:styleClr val="auto"/>
-    </cs:lnRef>
-    <cs:fillRef idx="1"/>
-    <cs:effectRef idx="0"/>
-    <cs:fontRef idx="minor">
-      <a:schemeClr val="tx1"/>
-    </cs:fontRef>
-    <cs:spPr>
-      <a:ln w="28575" cap="rnd">
-        <a:solidFill>
-          <a:schemeClr val="phClr"/>
-        </a:solidFill>
-        <a:round/>
-      </a:ln>
-    </cs:spPr>
-  </cs:dataPointLine>
-  <cs:dataPointMarker>
-    <cs:lnRef idx="0">
-      <cs:styleClr val="auto"/>
-    </cs:lnRef>
-    <cs:fillRef idx="1">
-      <cs:styleClr val="auto"/>
-    </cs:fillRef>
-    <cs:effectRef idx="0"/>
-    <cs:fontRef idx="minor">
-      <a:schemeClr val="tx1"/>
-    </cs:fontRef>
-    <cs:spPr>
-      <a:ln w="9525">
-        <a:solidFill>
-          <a:schemeClr val="phClr"/>
-        </a:solidFill>
-      </a:ln>
-    </cs:spPr>
-  </cs:dataPointMarker>
-  <cs:dataPointMarkerLayout symbol="circle" size="5"/>
-  <cs:dataPointWireframe>
-    <cs:lnRef idx="0">
-      <cs:styleClr val="auto"/>
-    </cs:lnRef>
-    <cs:fillRef idx="1"/>
-    <cs:effectRef idx="0"/>
-    <cs:fontRef idx="minor">
-      <a:schemeClr val="tx1"/>
-    </cs:fontRef>
-    <cs:spPr>
-      <a:ln w="9525" cap="rnd">
-        <a:solidFill>
-          <a:schemeClr val="phClr"/>
-        </a:solidFill>
-        <a:round/>
-      </a:ln>
-    </cs:spPr>
-  </cs:dataPointWireframe>
-  <cs:dataTable>
-    <cs:lnRef idx="0"/>
-    <cs:fillRef idx="0"/>
-    <cs:effectRef idx="0"/>
-    <cs:fontRef idx="minor">
-      <a:schemeClr val="tx1">
-        <a:lumMod val="65000"/>
-        <a:lumOff val="35000"/>
-      </a:schemeClr>
-    </cs:fontRef>
-    <cs:spPr>
-      <a:noFill/>
-      <a:ln w="9525" cap="flat" cmpd="sng" algn="ctr">
-        <a:solidFill>
-          <a:schemeClr val="tx1">
-            <a:lumMod val="15000"/>
-            <a:lumOff val="85000"/>
-          </a:schemeClr>
-        </a:solidFill>
-        <a:round/>
-      </a:ln>
-    </cs:spPr>
-    <cs:defRPr sz="1197" kern="1200"/>
-  </cs:dataTable>
-  <cs:downBar>
-    <cs:lnRef idx="0"/>
-    <cs:fillRef idx="0"/>
-    <cs:effectRef idx="0"/>
-    <cs:fontRef idx="minor">
-      <a:schemeClr val="tx1"/>
-    </cs:fontRef>
-    <cs:spPr>
-      <a:solidFill>
-        <a:schemeClr val="dk1">
-          <a:lumMod val="75000"/>
-          <a:lumOff val="25000"/>
-        </a:schemeClr>
-      </a:solidFill>
-      <a:ln w="9525" cap="flat" cmpd="sng" algn="ctr">
-        <a:solidFill>
-          <a:schemeClr val="tx1">
-            <a:lumMod val="65000"/>
-            <a:lumOff val="35000"/>
-          </a:schemeClr>
-        </a:solidFill>
-        <a:round/>
-      </a:ln>
-    </cs:spPr>
-  </cs:downBar>
-  <cs:dropLine>
-    <cs:lnRef idx="0"/>
-    <cs:fillRef idx="0"/>
-    <cs:effectRef idx="0"/>
-    <cs:fontRef idx="minor">
-      <a:schemeClr val="tx1"/>
-    </cs:fontRef>
-    <cs:spPr>
-      <a:ln w="9525" cap="flat" cmpd="sng" algn="ctr">
-        <a:solidFill>
-          <a:schemeClr val="tx1">
-            <a:lumMod val="35000"/>
-            <a:lumOff val="65000"/>
-          </a:schemeClr>
-        </a:solidFill>
-        <a:round/>
-      </a:ln>
-    </cs:spPr>
-  </cs:dropLine>
-  <cs:errorBar>
-    <cs:lnRef idx="0"/>
-    <cs:fillRef idx="0"/>
-    <cs:effectRef idx="0"/>
-    <cs:fontRef idx="minor">
-      <a:schemeClr val="tx1"/>
-    </cs:fontRef>
-    <cs:spPr>
-      <a:ln w="9525" cap="flat" cmpd="sng" algn="ctr">
-        <a:solidFill>
-          <a:schemeClr val="tx1">
-            <a:lumMod val="65000"/>
-            <a:lumOff val="35000"/>
-          </a:schemeClr>
-        </a:solidFill>
-        <a:round/>
-      </a:ln>
-    </cs:spPr>
-  </cs:errorBar>
-  <cs:floor>
-    <cs:lnRef idx="0"/>
-    <cs:fillRef idx="0"/>
-    <cs:effectRef idx="0"/>
-    <cs:fontRef idx="minor">
-      <a:schemeClr val="tx1"/>
-    </cs:fontRef>
-    <cs:spPr>
-      <a:noFill/>
-      <a:ln>
-        <a:noFill/>
-      </a:ln>
-    </cs:spPr>
-  </cs:floor>
-  <cs:gridlineMajor>
-    <cs:lnRef idx="0"/>
-    <cs:fillRef idx="0"/>
-    <cs:effectRef idx="0"/>
-    <cs:fontRef idx="minor">
-      <a:schemeClr val="tx1"/>
-    </cs:fontRef>
-    <cs:spPr>
-      <a:ln w="9525" cap="flat" cmpd="sng" algn="ctr">
-        <a:solidFill>
-          <a:schemeClr val="tx1">
-            <a:lumMod val="15000"/>
-            <a:lumOff val="85000"/>
-          </a:schemeClr>
-        </a:solidFill>
-        <a:round/>
-      </a:ln>
-    </cs:spPr>
-  </cs:gridlineMajor>
-  <cs:gridlineMinor>
-    <cs:lnRef idx="0"/>
-    <cs:fillRef idx="0"/>
-    <cs:effectRef idx="0"/>
-    <cs:fontRef idx="minor">
-      <a:schemeClr val="tx1"/>
-    </cs:fontRef>
-    <cs:spPr>
-      <a:ln w="9525" cap="flat" cmpd="sng" algn="ctr">
-        <a:solidFill>
-          <a:schemeClr val="tx1">
-            <a:lumMod val="5000"/>
-            <a:lumOff val="95000"/>
-          </a:schemeClr>
-        </a:solidFill>
-        <a:round/>
-      </a:ln>
-    </cs:spPr>
-  </cs:gridlineMinor>
-  <cs:hiLoLine>
-    <cs:lnRef idx="0"/>
-    <cs:fillRef idx="0"/>
-    <cs:effectRef idx="0"/>
-    <cs:fontRef idx="minor">
-      <a:schemeClr val="tx1"/>
-    </cs:fontRef>
-    <cs:spPr>
-      <a:ln w="9525" cap="flat" cmpd="sng" algn="ctr">
-        <a:solidFill>
-          <a:schemeClr val="tx1">
-            <a:lumMod val="50000"/>
-            <a:lumOff val="50000"/>
-          </a:schemeClr>
-        </a:solidFill>
-        <a:round/>
-      </a:ln>
-    </cs:spPr>
-  </cs:hiLoLine>
-  <cs:leaderLine>
-    <cs:lnRef idx="0"/>
-    <cs:fillRef idx="0"/>
-    <cs:effectRef idx="0"/>
-    <cs:fontRef idx="minor">
-      <a:schemeClr val="tx1"/>
-    </cs:fontRef>
-    <cs:spPr>
-      <a:ln w="9525" cap="flat" cmpd="sng" algn="ctr">
-        <a:solidFill>
-          <a:schemeClr val="tx1">
-            <a:lumMod val="35000"/>
-            <a:lumOff val="65000"/>
-          </a:schemeClr>
-        </a:solidFill>
-        <a:round/>
-      </a:ln>
-    </cs:spPr>
-  </cs:leaderLine>
-  <cs:legend>
-    <cs:lnRef idx="0"/>
-    <cs:fillRef idx="0"/>
-    <cs:effectRef idx="0"/>
-    <cs:fontRef idx="minor">
-      <a:schemeClr val="tx1">
-        <a:lumMod val="65000"/>
-        <a:lumOff val="35000"/>
-      </a:schemeClr>
-    </cs:fontRef>
-    <cs:defRPr sz="1197" kern="1200"/>
-  </cs:legend>
-  <cs:plotArea mods="allowNoFillOverride allowNoLineOverride">
-    <cs:lnRef idx="0"/>
-    <cs:fillRef idx="0"/>
-    <cs:effectRef idx="0"/>
-    <cs:fontRef idx="minor">
-      <a:schemeClr val="tx1"/>
-    </cs:fontRef>
-  </cs:plotArea>
-  <cs:plotArea3D mods="allowNoFillOverride allowNoLineOverride">
-    <cs:lnRef idx="0"/>
-    <cs:fillRef idx="0"/>
-    <cs:effectRef idx="0"/>
-    <cs:fontRef idx="minor">
-      <a:schemeClr val="tx1"/>
-    </cs:fontRef>
-  </cs:plotArea3D>
-  <cs:seriesAxis>
-    <cs:lnRef idx="0"/>
-    <cs:fillRef idx="0"/>
-    <cs:effectRef idx="0"/>
-    <cs:fontRef idx="minor">
-      <a:schemeClr val="tx1">
-        <a:lumMod val="65000"/>
-        <a:lumOff val="35000"/>
-      </a:schemeClr>
-    </cs:fontRef>
-    <cs:defRPr sz="1197" kern="1200"/>
-  </cs:seriesAxis>
-  <cs:seriesLine>
-    <cs:lnRef idx="0"/>
-    <cs:fillRef idx="0"/>
-    <cs:effectRef idx="0"/>
-    <cs:fontRef idx="minor">
-      <a:schemeClr val="tx1"/>
-    </cs:fontRef>
-    <cs:spPr>
-      <a:ln w="9525" cap="flat" cmpd="sng" algn="ctr">
-        <a:solidFill>
-          <a:schemeClr val="tx1">
-            <a:lumMod val="35000"/>
-            <a:lumOff val="65000"/>
-          </a:schemeClr>
-        </a:solidFill>
-        <a:round/>
-      </a:ln>
-    </cs:spPr>
-  </cs:seriesLine>
-  <cs:title>
-    <cs:lnRef idx="0"/>
-    <cs:fillRef idx="0"/>
-    <cs:effectRef idx="0"/>
-    <cs:fontRef idx="minor">
-      <a:schemeClr val="tx1">
-        <a:lumMod val="65000"/>
-        <a:lumOff val="35000"/>
-      </a:schemeClr>
-    </cs:fontRef>
-    <cs:defRPr sz="1862" b="0" kern="1200" spc="0" baseline="0"/>
-  </cs:title>
-  <cs:trendline>
-    <cs:lnRef idx="0">
-      <cs:styleClr val="auto"/>
-    </cs:lnRef>
-    <cs:fillRef idx="0"/>
-    <cs:effectRef idx="0"/>
-    <cs:fontRef idx="minor">
-      <a:schemeClr val="tx1"/>
-    </cs:fontRef>
-    <cs:spPr>
-      <a:ln w="19050" cap="rnd">
-        <a:solidFill>
-          <a:schemeClr val="phClr"/>
-        </a:solidFill>
-        <a:prstDash val="sysDot"/>
-      </a:ln>
-    </cs:spPr>
-  </cs:trendline>
-  <cs:trendlineLabel>
-    <cs:lnRef idx="0"/>
-    <cs:fillRef idx="0"/>
-    <cs:effectRef idx="0"/>
-    <cs:fontRef idx="minor">
-      <a:schemeClr val="tx1">
-        <a:lumMod val="65000"/>
-        <a:lumOff val="35000"/>
-      </a:schemeClr>
-    </cs:fontRef>
-    <cs:defRPr sz="1197" kern="1200"/>
-  </cs:trendlineLabel>
-  <cs:upBar>
-    <cs:lnRef idx="0"/>
-    <cs:fillRef idx="0"/>
-    <cs:effectRef idx="0"/>
-    <cs:fontRef idx="minor">
-      <a:schemeClr val="tx1"/>
-    </cs:fontRef>
-    <cs:spPr>
-      <a:solidFill>
-        <a:schemeClr val="lt1"/>
-      </a:solidFill>
-      <a:ln w="9525" cap="flat" cmpd="sng" algn="ctr">
-        <a:solidFill>
-          <a:schemeClr val="tx1">
-            <a:lumMod val="65000"/>
-            <a:lumOff val="35000"/>
-          </a:schemeClr>
-        </a:solidFill>
-        <a:round/>
-      </a:ln>
-    </cs:spPr>
-  </cs:upBar>
-  <cs:valueAxis>
-    <cs:lnRef idx="0"/>
-    <cs:fillRef idx="0"/>
-    <cs:effectRef idx="0"/>
-    <cs:fontRef idx="minor">
-      <a:schemeClr val="tx1">
-        <a:lumMod val="65000"/>
-        <a:lumOff val="35000"/>
-      </a:schemeClr>
-    </cs:fontRef>
-    <cs:defRPr sz="1197" kern="1200"/>
-  </cs:valueAxis>
-  <cs:wall>
-    <cs:lnRef idx="0"/>
-    <cs:fillRef idx="0"/>
-    <cs:effectRef idx="0"/>
-    <cs:fontRef idx="minor">
-      <a:schemeClr val="tx1"/>
-    </cs:fontRef>
-    <cs:spPr>
-      <a:noFill/>
-      <a:ln>
-        <a:noFill/>
-      </a:ln>
-    </cs:spPr>
-  </cs:wall>
-</cs:chartStyle>
-</file>
-
-<file path=ppt/charts/style9.xml><?xml version="1.0" encoding="utf-8"?>
 <cs:chartStyle xmlns:cs="http://schemas.microsoft.com/office/drawing/2012/chartStyle" xmlns:a="http://schemas.openxmlformats.org/drawingml/2006/main" id="216">
   <cs:axisTitle>
     <cs:lnRef idx="0"/>
@@ -12257,7 +10636,7 @@
           <a:p>
             <a:fld id="{A1FB918C-AB02-2B4F-97FB-6A9CCA8DCD35}" type="datetimeFigureOut">
               <a:rPr lang="en-US" smtClean="0"/>
-              <a:t>6/13/21</a:t>
+              <a:t>6/14/21</a:t>
             </a:fld>
             <a:endParaRPr lang="en-US"/>
           </a:p>
@@ -12455,7 +10834,7 @@
           <a:p>
             <a:fld id="{A1FB918C-AB02-2B4F-97FB-6A9CCA8DCD35}" type="datetimeFigureOut">
               <a:rPr lang="en-US" smtClean="0"/>
-              <a:t>6/13/21</a:t>
+              <a:t>6/14/21</a:t>
             </a:fld>
             <a:endParaRPr lang="en-US"/>
           </a:p>
@@ -12663,7 +11042,7 @@
           <a:p>
             <a:fld id="{A1FB918C-AB02-2B4F-97FB-6A9CCA8DCD35}" type="datetimeFigureOut">
               <a:rPr lang="en-US" smtClean="0"/>
-              <a:t>6/13/21</a:t>
+              <a:t>6/14/21</a:t>
             </a:fld>
             <a:endParaRPr lang="en-US"/>
           </a:p>
@@ -12861,7 +11240,7 @@
           <a:p>
             <a:fld id="{A1FB918C-AB02-2B4F-97FB-6A9CCA8DCD35}" type="datetimeFigureOut">
               <a:rPr lang="en-US" smtClean="0"/>
-              <a:t>6/13/21</a:t>
+              <a:t>6/14/21</a:t>
             </a:fld>
             <a:endParaRPr lang="en-US"/>
           </a:p>
@@ -13136,7 +11515,7 @@
           <a:p>
             <a:fld id="{A1FB918C-AB02-2B4F-97FB-6A9CCA8DCD35}" type="datetimeFigureOut">
               <a:rPr lang="en-US" smtClean="0"/>
-              <a:t>6/13/21</a:t>
+              <a:t>6/14/21</a:t>
             </a:fld>
             <a:endParaRPr lang="en-US"/>
           </a:p>
@@ -13401,7 +11780,7 @@
           <a:p>
             <a:fld id="{A1FB918C-AB02-2B4F-97FB-6A9CCA8DCD35}" type="datetimeFigureOut">
               <a:rPr lang="en-US" smtClean="0"/>
-              <a:t>6/13/21</a:t>
+              <a:t>6/14/21</a:t>
             </a:fld>
             <a:endParaRPr lang="en-US"/>
           </a:p>
@@ -13813,7 +12192,7 @@
           <a:p>
             <a:fld id="{A1FB918C-AB02-2B4F-97FB-6A9CCA8DCD35}" type="datetimeFigureOut">
               <a:rPr lang="en-US" smtClean="0"/>
-              <a:t>6/13/21</a:t>
+              <a:t>6/14/21</a:t>
             </a:fld>
             <a:endParaRPr lang="en-US"/>
           </a:p>
@@ -13954,7 +12333,7 @@
           <a:p>
             <a:fld id="{A1FB918C-AB02-2B4F-97FB-6A9CCA8DCD35}" type="datetimeFigureOut">
               <a:rPr lang="en-US" smtClean="0"/>
-              <a:t>6/13/21</a:t>
+              <a:t>6/14/21</a:t>
             </a:fld>
             <a:endParaRPr lang="en-US"/>
           </a:p>
@@ -14067,7 +12446,7 @@
           <a:p>
             <a:fld id="{A1FB918C-AB02-2B4F-97FB-6A9CCA8DCD35}" type="datetimeFigureOut">
               <a:rPr lang="en-US" smtClean="0"/>
-              <a:t>6/13/21</a:t>
+              <a:t>6/14/21</a:t>
             </a:fld>
             <a:endParaRPr lang="en-US"/>
           </a:p>
@@ -14378,7 +12757,7 @@
           <a:p>
             <a:fld id="{A1FB918C-AB02-2B4F-97FB-6A9CCA8DCD35}" type="datetimeFigureOut">
               <a:rPr lang="en-US" smtClean="0"/>
-              <a:t>6/13/21</a:t>
+              <a:t>6/14/21</a:t>
             </a:fld>
             <a:endParaRPr lang="en-US"/>
           </a:p>
@@ -14666,7 +13045,7 @@
           <a:p>
             <a:fld id="{A1FB918C-AB02-2B4F-97FB-6A9CCA8DCD35}" type="datetimeFigureOut">
               <a:rPr lang="en-US" smtClean="0"/>
-              <a:t>6/13/21</a:t>
+              <a:t>6/14/21</a:t>
             </a:fld>
             <a:endParaRPr lang="en-US"/>
           </a:p>
@@ -14907,7 +13286,7 @@
           <a:p>
             <a:fld id="{A1FB918C-AB02-2B4F-97FB-6A9CCA8DCD35}" type="datetimeFigureOut">
               <a:rPr lang="en-US" smtClean="0"/>
-              <a:t>6/13/21</a:t>
+              <a:t>6/14/21</a:t>
             </a:fld>
             <a:endParaRPr lang="en-US"/>
           </a:p>
@@ -15488,7 +13867,7 @@
                 <a:latin typeface="Times New Roman" panose="02020603050405020304" pitchFamily="18" charset="0"/>
                 <a:cs typeface="Times New Roman" panose="02020603050405020304" pitchFamily="18" charset="0"/>
               </a:rPr>
-              <a:t>¹ Average job satisfaction (+0.63) over all survey respondents (not limited to those working with Data Science) – values on the chart are relative to this average developer job satisfaction.</a:t>
+              <a:t>¹ Relative job satisfaction (0% corresponding to satisfaction of +0.63 over all survey respondents not limited to those working with Data Science) – values on the chart are relative to this average developer job satisfaction.</a:t>
             </a:r>
           </a:p>
           <a:p>
@@ -15497,7 +13876,7 @@
                 <a:latin typeface="Times New Roman" panose="02020603050405020304" pitchFamily="18" charset="0"/>
                 <a:cs typeface="Times New Roman" panose="02020603050405020304" pitchFamily="18" charset="0"/>
               </a:rPr>
-              <a:t>  Numeric values were attributed according to those inside parenthesis in the legend of the left chart (caps correspond to 95% confidence interval based on 1000 bootstrap replicates).</a:t>
+              <a:t>  Numeric values were attributed according to those inside parenthesis in the legend of the left chart (caps correspond to 95% confidence interval based on 1000 bootstrap replicates – approximately 0,06).</a:t>
             </a:r>
           </a:p>
           <a:p>
@@ -15533,13 +13912,13 @@
           <p:nvPr>
             <p:extLst>
               <p:ext uri="{D42A27DB-BD31-4B8C-83A1-F6EECF244321}">
-                <p14:modId xmlns:p14="http://schemas.microsoft.com/office/powerpoint/2010/main" val="2960368239"/>
+                <p14:modId xmlns:p14="http://schemas.microsoft.com/office/powerpoint/2010/main" val="4217920313"/>
               </p:ext>
             </p:extLst>
           </p:nvPr>
         </p:nvGraphicFramePr>
         <p:xfrm>
-          <a:off x="8322223" y="1910980"/>
+          <a:off x="8147456" y="1910980"/>
           <a:ext cx="3678687" cy="3347050"/>
         </p:xfrm>
         <a:graphic>
@@ -15595,7 +13974,7 @@
                 <a:latin typeface="Times New Roman" panose="02020603050405020304" pitchFamily="18" charset="0"/>
                 <a:cs typeface="Times New Roman" panose="02020603050405020304" pitchFamily="18" charset="0"/>
               </a:rPr>
-              <a:t>by a significant margin compared to Data Engineers, who, in turn, are considerably more satisfied than the average developer. Data and Business Analyst are the least satisfied with their jobs in the Data Science landscape</a:t>
+              <a:t>by a significant margin compared to Data Engineers, who, in turn, are considerably more satisfied than the average developer. Data and Business Analyst are the ones least satisfied with their jobs in the Data Science landscape</a:t>
             </a:r>
           </a:p>
         </p:txBody>
@@ -15761,7 +14140,7 @@
         </p:nvGrpSpPr>
         <p:grpSpPr>
           <a:xfrm>
-            <a:off x="8398074" y="1855828"/>
+            <a:off x="8342319" y="1855828"/>
             <a:ext cx="2172302" cy="400110"/>
             <a:chOff x="8414268" y="1935776"/>
             <a:chExt cx="2172302" cy="400110"/>
@@ -15806,7 +14185,7 @@
                   <a:latin typeface="Times New Roman" panose="02020603050405020304" pitchFamily="18" charset="0"/>
                   <a:cs typeface="Times New Roman" panose="02020603050405020304" pitchFamily="18" charset="0"/>
                 </a:rPr>
-                <a:t>Average Job Satisfaction¹</a:t>
+                <a:t>Relative Job Satisfaction¹</a:t>
               </a:r>
             </a:p>
           </p:txBody>
@@ -17197,7 +15576,7 @@
 </file>
 
 <file path=ppt/slides/slide3.xml><?xml version="1.0" encoding="utf-8"?>
-<p:sld xmlns:a="http://schemas.openxmlformats.org/drawingml/2006/main" xmlns:r="http://schemas.openxmlformats.org/officeDocument/2006/relationships" xmlns:p="http://schemas.openxmlformats.org/presentationml/2006/main" show="0">
+<p:sld xmlns:a="http://schemas.openxmlformats.org/drawingml/2006/main" xmlns:r="http://schemas.openxmlformats.org/officeDocument/2006/relationships" xmlns:p="http://schemas.openxmlformats.org/presentationml/2006/main">
   <p:cSld>
     <p:spTree>
       <p:nvGrpSpPr>
@@ -17228,7 +15607,7 @@
         <p:spPr>
           <a:xfrm>
             <a:off x="287405" y="5402474"/>
-            <a:ext cx="11538738" cy="938719"/>
+            <a:ext cx="11538738" cy="1015663"/>
           </a:xfrm>
           <a:prstGeom prst="rect">
             <a:avLst/>
@@ -17242,34 +15621,25 @@
           <a:lstStyle/>
           <a:p>
             <a:r>
-              <a:rPr lang="en-US" sz="1100" dirty="0">
+              <a:rPr lang="en-US" sz="1000" dirty="0">
                 <a:latin typeface="Times New Roman" panose="02020603050405020304" pitchFamily="18" charset="0"/>
                 <a:cs typeface="Times New Roman" panose="02020603050405020304" pitchFamily="18" charset="0"/>
               </a:rPr>
-              <a:t>Participants were asked the question: “How satisfied are you with your current job? (If you work multiple jobs, answer for the one you spend the most hours on.)”</a:t>
+              <a:t>Participants were asked the question: “Imagine that you are deciding between two job offers with the same compensation, benefits, and location. Of the following factors, which 3 are MOST important to you?” – (caps correspond to 95% confidence interval based on 1000 bootstrap replicates – approximately 2%).</a:t>
             </a:r>
           </a:p>
           <a:p>
             <a:r>
-              <a:rPr lang="en-US" sz="1100" dirty="0">
+              <a:rPr lang="en-US" sz="1000" dirty="0">
                 <a:latin typeface="Times New Roman" panose="02020603050405020304" pitchFamily="18" charset="0"/>
                 <a:cs typeface="Times New Roman" panose="02020603050405020304" pitchFamily="18" charset="0"/>
               </a:rPr>
-              <a:t>¹ Average job satisfaction (+0.63) over all survey respondents (not limited to those working with Data Science) – values on the chart are relative to this average developer job satisfaction.</a:t>
+              <a:t>¹ A total of 11 factors were listed. In decreasing order of importance for the average developer, they were (excluding the 4 above): remote work options, how widely used or impactful my work output would be, industry that I’d be working in, family friendliness, financial performance or funding status of the company or organization, specific department or team I’d be working on, diversity of the company organization.</a:t>
             </a:r>
           </a:p>
           <a:p>
             <a:r>
-              <a:rPr lang="en-US" sz="1100" dirty="0">
-                <a:latin typeface="Times New Roman" panose="02020603050405020304" pitchFamily="18" charset="0"/>
-                <a:cs typeface="Times New Roman" panose="02020603050405020304" pitchFamily="18" charset="0"/>
-              </a:rPr>
-              <a:t>  Numeric values were attributed according to those inside parenthesis in the legend of the left chart (caps correspond to 95% confidence interval based on 1000 bootstrap replicates).</a:t>
-            </a:r>
-          </a:p>
-          <a:p>
-            <a:r>
-              <a:rPr lang="en-US" sz="1100" dirty="0">
+              <a:rPr lang="en-US" sz="1000" dirty="0">
                 <a:latin typeface="Times New Roman" panose="02020603050405020304" pitchFamily="18" charset="0"/>
                 <a:cs typeface="Times New Roman" panose="02020603050405020304" pitchFamily="18" charset="0"/>
               </a:rPr>
@@ -17278,7 +15648,7 @@
           </a:p>
           <a:p>
             <a:r>
-              <a:rPr lang="en-US" sz="1100" dirty="0">
+              <a:rPr lang="en-US" sz="1000" b="1" dirty="0">
                 <a:latin typeface="Times New Roman" panose="02020603050405020304" pitchFamily="18" charset="0"/>
                 <a:cs typeface="Times New Roman" panose="02020603050405020304" pitchFamily="18" charset="0"/>
               </a:rPr>
@@ -17302,7 +15672,7 @@
         <p:spPr>
           <a:xfrm>
             <a:off x="287405" y="602274"/>
-            <a:ext cx="11422242" cy="923330"/>
+            <a:ext cx="11538738" cy="923330"/>
           </a:xfrm>
           <a:prstGeom prst="rect">
             <a:avLst/>
@@ -17325,7 +15695,7 @@
                 <a:latin typeface="Times New Roman" panose="02020603050405020304" pitchFamily="18" charset="0"/>
                 <a:cs typeface="Times New Roman" panose="02020603050405020304" pitchFamily="18" charset="0"/>
               </a:rPr>
-              <a:t>Data Scientists and Machine Learning Specialists are the most satisfied with their jobs</a:t>
+              <a:t>Most important job factors to Data Professionals </a:t>
             </a:r>
           </a:p>
           <a:p>
@@ -17334,7 +15704,7 @@
                 <a:latin typeface="Times New Roman" panose="02020603050405020304" pitchFamily="18" charset="0"/>
                 <a:cs typeface="Times New Roman" panose="02020603050405020304" pitchFamily="18" charset="0"/>
               </a:rPr>
-              <a:t>by a significant margin compared to Data Engineers, who, in turn, are considerably more satisfied than the average developer. Data and Business Analyst are the least satisfied with their jobs in the Data Science landscape</a:t>
+              <a:t>Controlled for compensation, benefits and location, the 4 main factors¹ are shown for Data or Business Analysts, Data Scientists or Machine Learning Specialists, and Data Engineers. Opportunities for professional development is one of the most important component</a:t>
             </a:r>
           </a:p>
         </p:txBody>
@@ -17460,14 +15830,14 @@
           <p:nvPr>
             <p:extLst>
               <p:ext uri="{D42A27DB-BD31-4B8C-83A1-F6EECF244321}">
-                <p14:modId xmlns:p14="http://schemas.microsoft.com/office/powerpoint/2010/main" val="3037477366"/>
+                <p14:modId xmlns:p14="http://schemas.microsoft.com/office/powerpoint/2010/main" val="1705347094"/>
               </p:ext>
             </p:extLst>
           </p:nvPr>
         </p:nvGraphicFramePr>
         <p:xfrm>
-          <a:off x="2586722" y="2450472"/>
-          <a:ext cx="2665556" cy="2952002"/>
+          <a:off x="3037979" y="2081186"/>
+          <a:ext cx="2665556" cy="3219743"/>
         </p:xfrm>
         <a:graphic>
           <a:graphicData uri="http://schemas.openxmlformats.org/drawingml/2006/chart">
@@ -17475,878 +15845,6 @@
           </a:graphicData>
         </a:graphic>
       </p:graphicFrame>
-      <p:graphicFrame>
-        <p:nvGraphicFramePr>
-          <p:cNvPr id="9" name="Chart 8">
-            <a:extLst>
-              <a:ext uri="{FF2B5EF4-FFF2-40B4-BE49-F238E27FC236}">
-                <a16:creationId xmlns:a16="http://schemas.microsoft.com/office/drawing/2014/main" id="{9F7F2F6C-618C-654E-9BE6-4D5AB73E465B}"/>
-              </a:ext>
-            </a:extLst>
-          </p:cNvPr>
-          <p:cNvGraphicFramePr/>
-          <p:nvPr>
-            <p:extLst>
-              <p:ext uri="{D42A27DB-BD31-4B8C-83A1-F6EECF244321}">
-                <p14:modId xmlns:p14="http://schemas.microsoft.com/office/powerpoint/2010/main" val="2868505799"/>
-              </p:ext>
-            </p:extLst>
-          </p:nvPr>
-        </p:nvGraphicFramePr>
-        <p:xfrm>
-          <a:off x="5691872" y="2450472"/>
-          <a:ext cx="2665556" cy="2952002"/>
-        </p:xfrm>
-        <a:graphic>
-          <a:graphicData uri="http://schemas.openxmlformats.org/drawingml/2006/chart">
-            <c:chart xmlns:c="http://schemas.openxmlformats.org/drawingml/2006/chart" xmlns:r="http://schemas.openxmlformats.org/officeDocument/2006/relationships" r:id="rId3"/>
-          </a:graphicData>
-        </a:graphic>
-      </p:graphicFrame>
-      <p:graphicFrame>
-        <p:nvGraphicFramePr>
-          <p:cNvPr id="10" name="Chart 9">
-            <a:extLst>
-              <a:ext uri="{FF2B5EF4-FFF2-40B4-BE49-F238E27FC236}">
-                <a16:creationId xmlns:a16="http://schemas.microsoft.com/office/drawing/2014/main" id="{0A69C592-A77B-EB41-9952-66F45CB2AB32}"/>
-              </a:ext>
-            </a:extLst>
-          </p:cNvPr>
-          <p:cNvGraphicFramePr/>
-          <p:nvPr>
-            <p:extLst>
-              <p:ext uri="{D42A27DB-BD31-4B8C-83A1-F6EECF244321}">
-                <p14:modId xmlns:p14="http://schemas.microsoft.com/office/powerpoint/2010/main" val="1186684013"/>
-              </p:ext>
-            </p:extLst>
-          </p:nvPr>
-        </p:nvGraphicFramePr>
-        <p:xfrm>
-          <a:off x="8797022" y="2450472"/>
-          <a:ext cx="2665556" cy="2952002"/>
-        </p:xfrm>
-        <a:graphic>
-          <a:graphicData uri="http://schemas.openxmlformats.org/drawingml/2006/chart">
-            <c:chart xmlns:c="http://schemas.openxmlformats.org/drawingml/2006/chart" xmlns:r="http://schemas.openxmlformats.org/officeDocument/2006/relationships" r:id="rId4"/>
-          </a:graphicData>
-        </a:graphic>
-      </p:graphicFrame>
-      <p:grpSp>
-        <p:nvGrpSpPr>
-          <p:cNvPr id="25" name="Group 24">
-            <a:extLst>
-              <a:ext uri="{FF2B5EF4-FFF2-40B4-BE49-F238E27FC236}">
-                <a16:creationId xmlns:a16="http://schemas.microsoft.com/office/drawing/2014/main" id="{7A88584B-DBC1-4040-A48B-011F03A674A7}"/>
-              </a:ext>
-            </a:extLst>
-          </p:cNvPr>
-          <p:cNvGrpSpPr/>
-          <p:nvPr/>
-        </p:nvGrpSpPr>
-        <p:grpSpPr>
-          <a:xfrm>
-            <a:off x="4680778" y="3553499"/>
-            <a:ext cx="1011094" cy="1406882"/>
-            <a:chOff x="4781550" y="3048000"/>
-            <a:chExt cx="1011094" cy="1406882"/>
-          </a:xfrm>
-        </p:grpSpPr>
-        <p:cxnSp>
-          <p:nvCxnSpPr>
-            <p:cNvPr id="14" name="Straight Connector 13">
-              <a:extLst>
-                <a:ext uri="{FF2B5EF4-FFF2-40B4-BE49-F238E27FC236}">
-                  <a16:creationId xmlns:a16="http://schemas.microsoft.com/office/drawing/2014/main" id="{26DC7807-C12C-F749-A120-7E214970F5D9}"/>
-                </a:ext>
-              </a:extLst>
-            </p:cNvPr>
-            <p:cNvCxnSpPr>
-              <a:cxnSpLocks/>
-            </p:cNvCxnSpPr>
-            <p:nvPr/>
-          </p:nvCxnSpPr>
-          <p:spPr>
-            <a:xfrm>
-              <a:off x="4781550" y="3751441"/>
-              <a:ext cx="1011094" cy="660916"/>
-            </a:xfrm>
-            <a:prstGeom prst="line">
-              <a:avLst/>
-            </a:prstGeom>
-            <a:ln w="19050">
-              <a:solidFill>
-                <a:schemeClr val="accent1">
-                  <a:lumMod val="75000"/>
-                </a:schemeClr>
-              </a:solidFill>
-            </a:ln>
-          </p:spPr>
-          <p:style>
-            <a:lnRef idx="1">
-              <a:schemeClr val="accent1"/>
-            </a:lnRef>
-            <a:fillRef idx="0">
-              <a:schemeClr val="accent1"/>
-            </a:fillRef>
-            <a:effectRef idx="0">
-              <a:schemeClr val="accent1"/>
-            </a:effectRef>
-            <a:fontRef idx="minor">
-              <a:schemeClr val="tx1"/>
-            </a:fontRef>
-          </p:style>
-        </p:cxnSp>
-        <p:cxnSp>
-          <p:nvCxnSpPr>
-            <p:cNvPr id="15" name="Straight Connector 14">
-              <a:extLst>
-                <a:ext uri="{FF2B5EF4-FFF2-40B4-BE49-F238E27FC236}">
-                  <a16:creationId xmlns:a16="http://schemas.microsoft.com/office/drawing/2014/main" id="{BC83D1F5-CCA3-634B-AED0-51319F7FC34B}"/>
-                </a:ext>
-              </a:extLst>
-            </p:cNvPr>
-            <p:cNvCxnSpPr>
-              <a:cxnSpLocks/>
-            </p:cNvCxnSpPr>
-            <p:nvPr/>
-          </p:nvCxnSpPr>
-          <p:spPr>
-            <a:xfrm flipV="1">
-              <a:off x="4781550" y="3048000"/>
-              <a:ext cx="1011094" cy="1406882"/>
-            </a:xfrm>
-            <a:prstGeom prst="line">
-              <a:avLst/>
-            </a:prstGeom>
-            <a:ln w="19050">
-              <a:solidFill>
-                <a:schemeClr val="accent1">
-                  <a:lumMod val="60000"/>
-                  <a:lumOff val="40000"/>
-                </a:schemeClr>
-              </a:solidFill>
-            </a:ln>
-          </p:spPr>
-          <p:style>
-            <a:lnRef idx="1">
-              <a:schemeClr val="accent1"/>
-            </a:lnRef>
-            <a:fillRef idx="0">
-              <a:schemeClr val="accent1"/>
-            </a:fillRef>
-            <a:effectRef idx="0">
-              <a:schemeClr val="accent1"/>
-            </a:effectRef>
-            <a:fontRef idx="minor">
-              <a:schemeClr val="tx1"/>
-            </a:fontRef>
-          </p:style>
-        </p:cxnSp>
-        <p:cxnSp>
-          <p:nvCxnSpPr>
-            <p:cNvPr id="27" name="Straight Connector 26">
-              <a:extLst>
-                <a:ext uri="{FF2B5EF4-FFF2-40B4-BE49-F238E27FC236}">
-                  <a16:creationId xmlns:a16="http://schemas.microsoft.com/office/drawing/2014/main" id="{F87AFFAF-26F4-594F-B66C-5B46025FE1ED}"/>
-                </a:ext>
-              </a:extLst>
-            </p:cNvPr>
-            <p:cNvCxnSpPr>
-              <a:cxnSpLocks/>
-            </p:cNvCxnSpPr>
-            <p:nvPr/>
-          </p:nvCxnSpPr>
-          <p:spPr>
-            <a:xfrm>
-              <a:off x="4781550" y="3069263"/>
-              <a:ext cx="1011094" cy="660916"/>
-            </a:xfrm>
-            <a:prstGeom prst="line">
-              <a:avLst/>
-            </a:prstGeom>
-            <a:ln w="19050">
-              <a:solidFill>
-                <a:schemeClr val="accent1">
-                  <a:lumMod val="50000"/>
-                </a:schemeClr>
-              </a:solidFill>
-            </a:ln>
-          </p:spPr>
-          <p:style>
-            <a:lnRef idx="1">
-              <a:schemeClr val="accent1"/>
-            </a:lnRef>
-            <a:fillRef idx="0">
-              <a:schemeClr val="accent1"/>
-            </a:fillRef>
-            <a:effectRef idx="0">
-              <a:schemeClr val="accent1"/>
-            </a:effectRef>
-            <a:fontRef idx="minor">
-              <a:schemeClr val="tx1"/>
-            </a:fontRef>
-          </p:style>
-        </p:cxnSp>
-      </p:grpSp>
-      <p:grpSp>
-        <p:nvGrpSpPr>
-          <p:cNvPr id="31" name="Group 30">
-            <a:extLst>
-              <a:ext uri="{FF2B5EF4-FFF2-40B4-BE49-F238E27FC236}">
-                <a16:creationId xmlns:a16="http://schemas.microsoft.com/office/drawing/2014/main" id="{1524DEB0-F4D1-044F-A9C8-F7F29D3F60CE}"/>
-              </a:ext>
-            </a:extLst>
-          </p:cNvPr>
-          <p:cNvGrpSpPr/>
-          <p:nvPr/>
-        </p:nvGrpSpPr>
-        <p:grpSpPr>
-          <a:xfrm>
-            <a:off x="7785928" y="3574762"/>
-            <a:ext cx="1011094" cy="1406882"/>
-            <a:chOff x="4781550" y="3048000"/>
-            <a:chExt cx="1011094" cy="1406882"/>
-          </a:xfrm>
-        </p:grpSpPr>
-        <p:cxnSp>
-          <p:nvCxnSpPr>
-            <p:cNvPr id="32" name="Straight Connector 31">
-              <a:extLst>
-                <a:ext uri="{FF2B5EF4-FFF2-40B4-BE49-F238E27FC236}">
-                  <a16:creationId xmlns:a16="http://schemas.microsoft.com/office/drawing/2014/main" id="{7D64CA42-B5BD-294A-9231-9B54BA0D9429}"/>
-                </a:ext>
-              </a:extLst>
-            </p:cNvPr>
-            <p:cNvCxnSpPr>
-              <a:cxnSpLocks/>
-            </p:cNvCxnSpPr>
-            <p:nvPr/>
-          </p:nvCxnSpPr>
-          <p:spPr>
-            <a:xfrm>
-              <a:off x="4781550" y="3751441"/>
-              <a:ext cx="1011094" cy="660916"/>
-            </a:xfrm>
-            <a:prstGeom prst="line">
-              <a:avLst/>
-            </a:prstGeom>
-            <a:ln w="19050">
-              <a:solidFill>
-                <a:schemeClr val="accent1">
-                  <a:lumMod val="50000"/>
-                </a:schemeClr>
-              </a:solidFill>
-            </a:ln>
-          </p:spPr>
-          <p:style>
-            <a:lnRef idx="1">
-              <a:schemeClr val="accent1"/>
-            </a:lnRef>
-            <a:fillRef idx="0">
-              <a:schemeClr val="accent1"/>
-            </a:fillRef>
-            <a:effectRef idx="0">
-              <a:schemeClr val="accent1"/>
-            </a:effectRef>
-            <a:fontRef idx="minor">
-              <a:schemeClr val="tx1"/>
-            </a:fontRef>
-          </p:style>
-        </p:cxnSp>
-        <p:cxnSp>
-          <p:nvCxnSpPr>
-            <p:cNvPr id="33" name="Straight Connector 32">
-              <a:extLst>
-                <a:ext uri="{FF2B5EF4-FFF2-40B4-BE49-F238E27FC236}">
-                  <a16:creationId xmlns:a16="http://schemas.microsoft.com/office/drawing/2014/main" id="{ADBDD7E4-9C6A-6742-9CE7-4501FCCA8406}"/>
-                </a:ext>
-              </a:extLst>
-            </p:cNvPr>
-            <p:cNvCxnSpPr>
-              <a:cxnSpLocks/>
-            </p:cNvCxnSpPr>
-            <p:nvPr/>
-          </p:nvCxnSpPr>
-          <p:spPr>
-            <a:xfrm flipV="1">
-              <a:off x="4781550" y="3048000"/>
-              <a:ext cx="1011094" cy="1406882"/>
-            </a:xfrm>
-            <a:prstGeom prst="line">
-              <a:avLst/>
-            </a:prstGeom>
-            <a:ln w="19050">
-              <a:solidFill>
-                <a:schemeClr val="accent1">
-                  <a:lumMod val="75000"/>
-                </a:schemeClr>
-              </a:solidFill>
-            </a:ln>
-          </p:spPr>
-          <p:style>
-            <a:lnRef idx="1">
-              <a:schemeClr val="accent1"/>
-            </a:lnRef>
-            <a:fillRef idx="0">
-              <a:schemeClr val="accent1"/>
-            </a:fillRef>
-            <a:effectRef idx="0">
-              <a:schemeClr val="accent1"/>
-            </a:effectRef>
-            <a:fontRef idx="minor">
-              <a:schemeClr val="tx1"/>
-            </a:fontRef>
-          </p:style>
-        </p:cxnSp>
-        <p:cxnSp>
-          <p:nvCxnSpPr>
-            <p:cNvPr id="34" name="Straight Connector 33">
-              <a:extLst>
-                <a:ext uri="{FF2B5EF4-FFF2-40B4-BE49-F238E27FC236}">
-                  <a16:creationId xmlns:a16="http://schemas.microsoft.com/office/drawing/2014/main" id="{EABB32B6-D9D7-5F4D-A01B-226692F4EA15}"/>
-                </a:ext>
-              </a:extLst>
-            </p:cNvPr>
-            <p:cNvCxnSpPr>
-              <a:cxnSpLocks/>
-            </p:cNvCxnSpPr>
-            <p:nvPr/>
-          </p:nvCxnSpPr>
-          <p:spPr>
-            <a:xfrm>
-              <a:off x="4781550" y="3069263"/>
-              <a:ext cx="1011094" cy="660916"/>
-            </a:xfrm>
-            <a:prstGeom prst="line">
-              <a:avLst/>
-            </a:prstGeom>
-            <a:ln w="19050">
-              <a:solidFill>
-                <a:schemeClr val="accent1">
-                  <a:lumMod val="60000"/>
-                  <a:lumOff val="40000"/>
-                </a:schemeClr>
-              </a:solidFill>
-            </a:ln>
-          </p:spPr>
-          <p:style>
-            <a:lnRef idx="1">
-              <a:schemeClr val="accent1"/>
-            </a:lnRef>
-            <a:fillRef idx="0">
-              <a:schemeClr val="accent1"/>
-            </a:fillRef>
-            <a:effectRef idx="0">
-              <a:schemeClr val="accent1"/>
-            </a:effectRef>
-            <a:fontRef idx="minor">
-              <a:schemeClr val="tx1"/>
-            </a:fontRef>
-          </p:style>
-        </p:cxnSp>
-      </p:grpSp>
-      <p:grpSp>
-        <p:nvGrpSpPr>
-          <p:cNvPr id="50" name="Group 49">
-            <a:extLst>
-              <a:ext uri="{FF2B5EF4-FFF2-40B4-BE49-F238E27FC236}">
-                <a16:creationId xmlns:a16="http://schemas.microsoft.com/office/drawing/2014/main" id="{724244FC-1FDD-BF42-A49B-A182DDF53BBF}"/>
-              </a:ext>
-            </a:extLst>
-          </p:cNvPr>
-          <p:cNvGrpSpPr/>
-          <p:nvPr/>
-        </p:nvGrpSpPr>
-        <p:grpSpPr>
-          <a:xfrm>
-            <a:off x="287405" y="2692001"/>
-            <a:ext cx="2282853" cy="2443342"/>
-            <a:chOff x="388177" y="2186502"/>
-            <a:chExt cx="2282853" cy="2443342"/>
-          </a:xfrm>
-        </p:grpSpPr>
-        <p:grpSp>
-          <p:nvGrpSpPr>
-            <p:cNvPr id="46" name="Group 45">
-              <a:extLst>
-                <a:ext uri="{FF2B5EF4-FFF2-40B4-BE49-F238E27FC236}">
-                  <a16:creationId xmlns:a16="http://schemas.microsoft.com/office/drawing/2014/main" id="{5604BC55-1A33-1A43-BFF6-C9E8CEB94514}"/>
-                </a:ext>
-              </a:extLst>
-            </p:cNvPr>
-            <p:cNvGrpSpPr/>
-            <p:nvPr/>
-          </p:nvGrpSpPr>
-          <p:grpSpPr>
-            <a:xfrm>
-              <a:off x="388177" y="2186502"/>
-              <a:ext cx="2265658" cy="432000"/>
-              <a:chOff x="388177" y="2207576"/>
-              <a:chExt cx="2265658" cy="432000"/>
-            </a:xfrm>
-          </p:grpSpPr>
-          <p:sp>
-            <p:nvSpPr>
-              <p:cNvPr id="35" name="TextBox 34">
-                <a:extLst>
-                  <a:ext uri="{FF2B5EF4-FFF2-40B4-BE49-F238E27FC236}">
-                    <a16:creationId xmlns:a16="http://schemas.microsoft.com/office/drawing/2014/main" id="{527CC5FA-01E1-5F41-A154-005B559C1045}"/>
-                  </a:ext>
-                </a:extLst>
-              </p:cNvPr>
-              <p:cNvSpPr txBox="1"/>
-              <p:nvPr/>
-            </p:nvSpPr>
-            <p:spPr>
-              <a:xfrm>
-                <a:off x="388177" y="2207576"/>
-                <a:ext cx="1800000" cy="432000"/>
-              </a:xfrm>
-              <a:prstGeom prst="rect">
-                <a:avLst/>
-              </a:prstGeom>
-              <a:noFill/>
-            </p:spPr>
-            <p:txBody>
-              <a:bodyPr wrap="square" rtlCol="0" anchor="ctr">
-                <a:spAutoFit/>
-              </a:bodyPr>
-              <a:lstStyle/>
-              <a:p>
-                <a:pPr algn="r"/>
-                <a:r>
-                  <a:rPr lang="en-US" sz="1200" b="1" dirty="0">
-                    <a:solidFill>
-                      <a:schemeClr val="tx2">
-                        <a:lumMod val="40000"/>
-                        <a:lumOff val="60000"/>
-                      </a:schemeClr>
-                    </a:solidFill>
-                    <a:latin typeface="Times New Roman" panose="02020603050405020304" pitchFamily="18" charset="0"/>
-                    <a:cs typeface="Times New Roman" panose="02020603050405020304" pitchFamily="18" charset="0"/>
-                  </a:rPr>
-                  <a:t>Better</a:t>
-                </a:r>
-              </a:p>
-              <a:p>
-                <a:pPr algn="r"/>
-                <a:r>
-                  <a:rPr lang="en-US" sz="1200" b="1" dirty="0">
-                    <a:solidFill>
-                      <a:schemeClr val="tx2">
-                        <a:lumMod val="40000"/>
-                        <a:lumOff val="60000"/>
-                      </a:schemeClr>
-                    </a:solidFill>
-                    <a:latin typeface="Times New Roman" panose="02020603050405020304" pitchFamily="18" charset="0"/>
-                    <a:cs typeface="Times New Roman" panose="02020603050405020304" pitchFamily="18" charset="0"/>
-                  </a:rPr>
-                  <a:t>Compensation</a:t>
-                </a:r>
-              </a:p>
-            </p:txBody>
-          </p:sp>
-          <p:pic>
-            <p:nvPicPr>
-              <p:cNvPr id="28" name="Graphic 27" descr="Payroll outline">
-                <a:extLst>
-                  <a:ext uri="{FF2B5EF4-FFF2-40B4-BE49-F238E27FC236}">
-                    <a16:creationId xmlns:a16="http://schemas.microsoft.com/office/drawing/2014/main" id="{8A61E654-42E2-4B44-9891-B65F7A9461FA}"/>
-                  </a:ext>
-                </a:extLst>
-              </p:cNvPr>
-              <p:cNvPicPr>
-                <a:picLocks noChangeAspect="1"/>
-              </p:cNvPicPr>
-              <p:nvPr/>
-            </p:nvPicPr>
-            <p:blipFill>
-              <a:blip r:embed="rId5">
-                <a:extLst>
-                  <a:ext uri="{96DAC541-7B7A-43D3-8B79-37D633B846F1}">
-                    <asvg:svgBlip xmlns:asvg="http://schemas.microsoft.com/office/drawing/2016/SVG/main" r:embed="rId6"/>
-                  </a:ext>
-                </a:extLst>
-              </a:blip>
-              <a:stretch>
-                <a:fillRect/>
-              </a:stretch>
-            </p:blipFill>
-            <p:spPr>
-              <a:xfrm>
-                <a:off x="2221835" y="2207576"/>
-                <a:ext cx="432000" cy="432000"/>
-              </a:xfrm>
-              <a:prstGeom prst="rect">
-                <a:avLst/>
-              </a:prstGeom>
-            </p:spPr>
-          </p:pic>
-        </p:grpSp>
-        <p:grpSp>
-          <p:nvGrpSpPr>
-            <p:cNvPr id="47" name="Group 46">
-              <a:extLst>
-                <a:ext uri="{FF2B5EF4-FFF2-40B4-BE49-F238E27FC236}">
-                  <a16:creationId xmlns:a16="http://schemas.microsoft.com/office/drawing/2014/main" id="{C64B4907-3D1E-914D-AEDF-C5AED2E96D56}"/>
-                </a:ext>
-              </a:extLst>
-            </p:cNvPr>
-            <p:cNvGrpSpPr/>
-            <p:nvPr/>
-          </p:nvGrpSpPr>
-          <p:grpSpPr>
-            <a:xfrm>
-              <a:off x="388177" y="2856949"/>
-              <a:ext cx="2265658" cy="432000"/>
-              <a:chOff x="388177" y="2859258"/>
-              <a:chExt cx="2265658" cy="432000"/>
-            </a:xfrm>
-          </p:grpSpPr>
-          <p:sp>
-            <p:nvSpPr>
-              <p:cNvPr id="39" name="TextBox 38">
-                <a:extLst>
-                  <a:ext uri="{FF2B5EF4-FFF2-40B4-BE49-F238E27FC236}">
-                    <a16:creationId xmlns:a16="http://schemas.microsoft.com/office/drawing/2014/main" id="{77667409-4DFD-C044-B052-2894A8810881}"/>
-                  </a:ext>
-                </a:extLst>
-              </p:cNvPr>
-              <p:cNvSpPr txBox="1"/>
-              <p:nvPr/>
-            </p:nvSpPr>
-            <p:spPr>
-              <a:xfrm>
-                <a:off x="388177" y="2859258"/>
-                <a:ext cx="1800000" cy="432000"/>
-              </a:xfrm>
-              <a:prstGeom prst="rect">
-                <a:avLst/>
-              </a:prstGeom>
-              <a:noFill/>
-            </p:spPr>
-            <p:txBody>
-              <a:bodyPr wrap="square" rtlCol="0" anchor="ctr">
-                <a:spAutoFit/>
-              </a:bodyPr>
-              <a:lstStyle/>
-              <a:p>
-                <a:pPr algn="r"/>
-                <a:r>
-                  <a:rPr lang="en-US" sz="1200" b="1" dirty="0">
-                    <a:solidFill>
-                      <a:schemeClr val="accent1">
-                        <a:lumMod val="50000"/>
-                      </a:schemeClr>
-                    </a:solidFill>
-                    <a:latin typeface="Times New Roman" panose="02020603050405020304" pitchFamily="18" charset="0"/>
-                    <a:cs typeface="Times New Roman" panose="02020603050405020304" pitchFamily="18" charset="0"/>
-                  </a:rPr>
-                  <a:t>Growth or Leadership Opportunities</a:t>
-                </a:r>
-                <a:endParaRPr lang="en-US" sz="1200" dirty="0">
-                  <a:solidFill>
-                    <a:schemeClr val="accent1">
-                      <a:lumMod val="50000"/>
-                    </a:schemeClr>
-                  </a:solidFill>
-                  <a:latin typeface="Times New Roman" panose="02020603050405020304" pitchFamily="18" charset="0"/>
-                  <a:cs typeface="Times New Roman" panose="02020603050405020304" pitchFamily="18" charset="0"/>
-                </a:endParaRPr>
-              </a:p>
-            </p:txBody>
-          </p:sp>
-          <p:pic>
-            <p:nvPicPr>
-              <p:cNvPr id="41" name="Graphic 40" descr="Upstairs outline">
-                <a:extLst>
-                  <a:ext uri="{FF2B5EF4-FFF2-40B4-BE49-F238E27FC236}">
-                    <a16:creationId xmlns:a16="http://schemas.microsoft.com/office/drawing/2014/main" id="{1687ACF6-3544-6F4B-86B6-D117925F8073}"/>
-                  </a:ext>
-                </a:extLst>
-              </p:cNvPr>
-              <p:cNvPicPr>
-                <a:picLocks noChangeAspect="1"/>
-              </p:cNvPicPr>
-              <p:nvPr/>
-            </p:nvPicPr>
-            <p:blipFill>
-              <a:blip r:embed="rId7">
-                <a:extLst>
-                  <a:ext uri="{96DAC541-7B7A-43D3-8B79-37D633B846F1}">
-                    <asvg:svgBlip xmlns:asvg="http://schemas.microsoft.com/office/drawing/2016/SVG/main" r:embed="rId8"/>
-                  </a:ext>
-                </a:extLst>
-              </a:blip>
-              <a:stretch>
-                <a:fillRect/>
-              </a:stretch>
-            </p:blipFill>
-            <p:spPr>
-              <a:xfrm>
-                <a:off x="2221835" y="2859258"/>
-                <a:ext cx="432000" cy="432000"/>
-              </a:xfrm>
-              <a:prstGeom prst="rect">
-                <a:avLst/>
-              </a:prstGeom>
-            </p:spPr>
-          </p:pic>
-        </p:grpSp>
-        <p:grpSp>
-          <p:nvGrpSpPr>
-            <p:cNvPr id="48" name="Group 47">
-              <a:extLst>
-                <a:ext uri="{FF2B5EF4-FFF2-40B4-BE49-F238E27FC236}">
-                  <a16:creationId xmlns:a16="http://schemas.microsoft.com/office/drawing/2014/main" id="{AB5370FC-CD23-7046-BA2B-1661D693F0C0}"/>
-                </a:ext>
-              </a:extLst>
-            </p:cNvPr>
-            <p:cNvGrpSpPr/>
-            <p:nvPr/>
-          </p:nvGrpSpPr>
-          <p:grpSpPr>
-            <a:xfrm>
-              <a:off x="388177" y="3529355"/>
-              <a:ext cx="2265658" cy="432000"/>
-              <a:chOff x="388177" y="3510940"/>
-              <a:chExt cx="2265658" cy="432000"/>
-            </a:xfrm>
-          </p:grpSpPr>
-          <p:sp>
-            <p:nvSpPr>
-              <p:cNvPr id="36" name="TextBox 35">
-                <a:extLst>
-                  <a:ext uri="{FF2B5EF4-FFF2-40B4-BE49-F238E27FC236}">
-                    <a16:creationId xmlns:a16="http://schemas.microsoft.com/office/drawing/2014/main" id="{6F9557B1-9A6D-C14E-8391-74C6AA2C7F4C}"/>
-                  </a:ext>
-                </a:extLst>
-              </p:cNvPr>
-              <p:cNvSpPr txBox="1"/>
-              <p:nvPr/>
-            </p:nvSpPr>
-            <p:spPr>
-              <a:xfrm>
-                <a:off x="388177" y="3510940"/>
-                <a:ext cx="1800000" cy="432000"/>
-              </a:xfrm>
-              <a:prstGeom prst="rect">
-                <a:avLst/>
-              </a:prstGeom>
-              <a:noFill/>
-            </p:spPr>
-            <p:txBody>
-              <a:bodyPr wrap="square" rtlCol="0" anchor="ctr">
-                <a:spAutoFit/>
-              </a:bodyPr>
-              <a:lstStyle/>
-              <a:p>
-                <a:pPr algn="r"/>
-                <a:r>
-                  <a:rPr lang="en-US" sz="1200" b="1" dirty="0">
-                    <a:solidFill>
-                      <a:schemeClr val="accent1">
-                        <a:lumMod val="75000"/>
-                      </a:schemeClr>
-                    </a:solidFill>
-                    <a:latin typeface="Times New Roman" panose="02020603050405020304" pitchFamily="18" charset="0"/>
-                    <a:cs typeface="Times New Roman" panose="02020603050405020304" pitchFamily="18" charset="0"/>
-                  </a:rPr>
-                  <a:t>Wanting to Work</a:t>
-                </a:r>
-              </a:p>
-              <a:p>
-                <a:pPr algn="r"/>
-                <a:r>
-                  <a:rPr lang="en-US" sz="1200" b="1" dirty="0">
-                    <a:solidFill>
-                      <a:schemeClr val="accent1">
-                        <a:lumMod val="75000"/>
-                      </a:schemeClr>
-                    </a:solidFill>
-                    <a:latin typeface="Times New Roman" panose="02020603050405020304" pitchFamily="18" charset="0"/>
-                    <a:cs typeface="Times New Roman" panose="02020603050405020304" pitchFamily="18" charset="0"/>
-                  </a:rPr>
-                  <a:t>With New Technologies</a:t>
-                </a:r>
-                <a:endParaRPr lang="en-US" sz="1200" dirty="0">
-                  <a:solidFill>
-                    <a:schemeClr val="accent1">
-                      <a:lumMod val="75000"/>
-                    </a:schemeClr>
-                  </a:solidFill>
-                  <a:latin typeface="Times New Roman" panose="02020603050405020304" pitchFamily="18" charset="0"/>
-                  <a:cs typeface="Times New Roman" panose="02020603050405020304" pitchFamily="18" charset="0"/>
-                </a:endParaRPr>
-              </a:p>
-            </p:txBody>
-          </p:sp>
-          <p:pic>
-            <p:nvPicPr>
-              <p:cNvPr id="43" name="Graphic 42" descr="Qr Code outline">
-                <a:extLst>
-                  <a:ext uri="{FF2B5EF4-FFF2-40B4-BE49-F238E27FC236}">
-                    <a16:creationId xmlns:a16="http://schemas.microsoft.com/office/drawing/2014/main" id="{E96E4ACF-E271-9B4D-9349-73E6A7571773}"/>
-                  </a:ext>
-                </a:extLst>
-              </p:cNvPr>
-              <p:cNvPicPr>
-                <a:picLocks noChangeAspect="1"/>
-              </p:cNvPicPr>
-              <p:nvPr/>
-            </p:nvPicPr>
-            <p:blipFill>
-              <a:blip r:embed="rId9">
-                <a:extLst>
-                  <a:ext uri="{96DAC541-7B7A-43D3-8B79-37D633B846F1}">
-                    <asvg:svgBlip xmlns:asvg="http://schemas.microsoft.com/office/drawing/2016/SVG/main" r:embed="rId10"/>
-                  </a:ext>
-                </a:extLst>
-              </a:blip>
-              <a:stretch>
-                <a:fillRect/>
-              </a:stretch>
-            </p:blipFill>
-            <p:spPr>
-              <a:xfrm>
-                <a:off x="2221835" y="3510940"/>
-                <a:ext cx="432000" cy="432000"/>
-              </a:xfrm>
-              <a:prstGeom prst="rect">
-                <a:avLst/>
-              </a:prstGeom>
-            </p:spPr>
-          </p:pic>
-        </p:grpSp>
-        <p:grpSp>
-          <p:nvGrpSpPr>
-            <p:cNvPr id="49" name="Group 48">
-              <a:extLst>
-                <a:ext uri="{FF2B5EF4-FFF2-40B4-BE49-F238E27FC236}">
-                  <a16:creationId xmlns:a16="http://schemas.microsoft.com/office/drawing/2014/main" id="{C742983C-4AE4-9D41-8B22-ECCD4EE8803C}"/>
-                </a:ext>
-              </a:extLst>
-            </p:cNvPr>
-            <p:cNvGrpSpPr/>
-            <p:nvPr/>
-          </p:nvGrpSpPr>
-          <p:grpSpPr>
-            <a:xfrm>
-              <a:off x="405372" y="4197844"/>
-              <a:ext cx="2265658" cy="432000"/>
-              <a:chOff x="388177" y="4162622"/>
-              <a:chExt cx="2265658" cy="432000"/>
-            </a:xfrm>
-          </p:grpSpPr>
-          <p:sp>
-            <p:nvSpPr>
-              <p:cNvPr id="37" name="TextBox 36">
-                <a:extLst>
-                  <a:ext uri="{FF2B5EF4-FFF2-40B4-BE49-F238E27FC236}">
-                    <a16:creationId xmlns:a16="http://schemas.microsoft.com/office/drawing/2014/main" id="{39C6ED03-501C-1346-B657-947554364C1B}"/>
-                  </a:ext>
-                </a:extLst>
-              </p:cNvPr>
-              <p:cNvSpPr txBox="1"/>
-              <p:nvPr/>
-            </p:nvSpPr>
-            <p:spPr>
-              <a:xfrm>
-                <a:off x="388177" y="4162622"/>
-                <a:ext cx="1800000" cy="432000"/>
-              </a:xfrm>
-              <a:prstGeom prst="rect">
-                <a:avLst/>
-              </a:prstGeom>
-              <a:noFill/>
-            </p:spPr>
-            <p:txBody>
-              <a:bodyPr wrap="square" rtlCol="0" anchor="ctr">
-                <a:spAutoFit/>
-              </a:bodyPr>
-              <a:lstStyle/>
-              <a:p>
-                <a:pPr algn="r"/>
-                <a:r>
-                  <a:rPr lang="en-US" sz="1200" b="1" dirty="0">
-                    <a:solidFill>
-                      <a:schemeClr val="accent1">
-                        <a:lumMod val="60000"/>
-                        <a:lumOff val="40000"/>
-                      </a:schemeClr>
-                    </a:solidFill>
-                    <a:latin typeface="Times New Roman" panose="02020603050405020304" pitchFamily="18" charset="0"/>
-                    <a:cs typeface="Times New Roman" panose="02020603050405020304" pitchFamily="18" charset="0"/>
-                  </a:rPr>
-                  <a:t>Curious About</a:t>
-                </a:r>
-              </a:p>
-              <a:p>
-                <a:pPr algn="r"/>
-                <a:r>
-                  <a:rPr lang="en-US" sz="1200" b="1" dirty="0">
-                    <a:solidFill>
-                      <a:schemeClr val="accent1">
-                        <a:lumMod val="60000"/>
-                        <a:lumOff val="40000"/>
-                      </a:schemeClr>
-                    </a:solidFill>
-                    <a:latin typeface="Times New Roman" panose="02020603050405020304" pitchFamily="18" charset="0"/>
-                    <a:cs typeface="Times New Roman" panose="02020603050405020304" pitchFamily="18" charset="0"/>
-                  </a:rPr>
-                  <a:t>Other Opportunities</a:t>
-                </a:r>
-                <a:endParaRPr lang="en-US" sz="1200" dirty="0">
-                  <a:solidFill>
-                    <a:schemeClr val="accent1">
-                      <a:lumMod val="60000"/>
-                      <a:lumOff val="40000"/>
-                    </a:schemeClr>
-                  </a:solidFill>
-                  <a:latin typeface="Times New Roman" panose="02020603050405020304" pitchFamily="18" charset="0"/>
-                  <a:cs typeface="Times New Roman" panose="02020603050405020304" pitchFamily="18" charset="0"/>
-                </a:endParaRPr>
-              </a:p>
-            </p:txBody>
-          </p:sp>
-          <p:pic>
-            <p:nvPicPr>
-              <p:cNvPr id="45" name="Graphic 44" descr="Fork In Road outline">
-                <a:extLst>
-                  <a:ext uri="{FF2B5EF4-FFF2-40B4-BE49-F238E27FC236}">
-                    <a16:creationId xmlns:a16="http://schemas.microsoft.com/office/drawing/2014/main" id="{833D9249-8A6E-054A-B92A-EF14F1459F51}"/>
-                  </a:ext>
-                </a:extLst>
-              </p:cNvPr>
-              <p:cNvPicPr>
-                <a:picLocks noChangeAspect="1"/>
-              </p:cNvPicPr>
-              <p:nvPr/>
-            </p:nvPicPr>
-            <p:blipFill>
-              <a:blip r:embed="rId11">
-                <a:extLst>
-                  <a:ext uri="{96DAC541-7B7A-43D3-8B79-37D633B846F1}">
-                    <asvg:svgBlip xmlns:asvg="http://schemas.microsoft.com/office/drawing/2016/SVG/main" r:embed="rId12"/>
-                  </a:ext>
-                </a:extLst>
-              </a:blip>
-              <a:stretch>
-                <a:fillRect/>
-              </a:stretch>
-            </p:blipFill>
-            <p:spPr>
-              <a:xfrm>
-                <a:off x="2221835" y="4162622"/>
-                <a:ext cx="432000" cy="432000"/>
-              </a:xfrm>
-              <a:prstGeom prst="rect">
-                <a:avLst/>
-              </a:prstGeom>
-            </p:spPr>
-          </p:pic>
-        </p:grpSp>
-      </p:grpSp>
       <p:sp>
         <p:nvSpPr>
           <p:cNvPr id="54" name="TextBox 53">
@@ -18361,7 +15859,7 @@
         </p:nvSpPr>
         <p:spPr>
           <a:xfrm>
-            <a:off x="2643871" y="2082401"/>
+            <a:off x="3095128" y="1642098"/>
             <a:ext cx="2299317" cy="461665"/>
           </a:xfrm>
           <a:prstGeom prst="rect">
@@ -18394,1091 +15892,6 @@
           </a:p>
         </p:txBody>
       </p:sp>
-      <p:sp>
-        <p:nvSpPr>
-          <p:cNvPr id="55" name="TextBox 54">
-            <a:extLst>
-              <a:ext uri="{FF2B5EF4-FFF2-40B4-BE49-F238E27FC236}">
-                <a16:creationId xmlns:a16="http://schemas.microsoft.com/office/drawing/2014/main" id="{EDAE46A5-1C82-E64D-BD28-EE7A12A9A7C1}"/>
-              </a:ext>
-            </a:extLst>
-          </p:cNvPr>
-          <p:cNvSpPr txBox="1"/>
-          <p:nvPr/>
-        </p:nvSpPr>
-        <p:spPr>
-          <a:xfrm>
-            <a:off x="8820150" y="2077886"/>
-            <a:ext cx="2299317" cy="461665"/>
-          </a:xfrm>
-          <a:prstGeom prst="rect">
-            <a:avLst/>
-          </a:prstGeom>
-          <a:noFill/>
-        </p:spPr>
-        <p:txBody>
-          <a:bodyPr wrap="square" rtlCol="0">
-            <a:spAutoFit/>
-          </a:bodyPr>
-          <a:lstStyle/>
-          <a:p>
-            <a:r>
-              <a:rPr lang="en-US" sz="1200" b="1" dirty="0">
-                <a:latin typeface="Times New Roman" panose="02020603050405020304" pitchFamily="18" charset="0"/>
-                <a:cs typeface="Times New Roman" panose="02020603050405020304" pitchFamily="18" charset="0"/>
-              </a:rPr>
-              <a:t>Engineer, Data</a:t>
-            </a:r>
-          </a:p>
-          <a:p>
-            <a:r>
-              <a:rPr lang="en-US" sz="1200" dirty="0">
-                <a:latin typeface="Times New Roman" panose="02020603050405020304" pitchFamily="18" charset="0"/>
-                <a:cs typeface="Times New Roman" panose="02020603050405020304" pitchFamily="18" charset="0"/>
-              </a:rPr>
-              <a:t>1678 respondents²</a:t>
-            </a:r>
-          </a:p>
-        </p:txBody>
-      </p:sp>
-      <p:sp>
-        <p:nvSpPr>
-          <p:cNvPr id="56" name="TextBox 55">
-            <a:extLst>
-              <a:ext uri="{FF2B5EF4-FFF2-40B4-BE49-F238E27FC236}">
-                <a16:creationId xmlns:a16="http://schemas.microsoft.com/office/drawing/2014/main" id="{6190FAEB-4476-9B43-9C65-9F0B26F08C8A}"/>
-              </a:ext>
-            </a:extLst>
-          </p:cNvPr>
-          <p:cNvSpPr txBox="1"/>
-          <p:nvPr/>
-        </p:nvSpPr>
-        <p:spPr>
-          <a:xfrm>
-            <a:off x="5751595" y="2082401"/>
-            <a:ext cx="2299317" cy="461665"/>
-          </a:xfrm>
-          <a:prstGeom prst="rect">
-            <a:avLst/>
-          </a:prstGeom>
-          <a:noFill/>
-        </p:spPr>
-        <p:txBody>
-          <a:bodyPr wrap="square" rtlCol="0">
-            <a:spAutoFit/>
-          </a:bodyPr>
-          <a:lstStyle/>
-          <a:p>
-            <a:r>
-              <a:rPr lang="en-US" sz="1200" b="1" dirty="0">
-                <a:latin typeface="Times New Roman" panose="02020603050405020304" pitchFamily="18" charset="0"/>
-                <a:cs typeface="Times New Roman" panose="02020603050405020304" pitchFamily="18" charset="0"/>
-              </a:rPr>
-              <a:t>Data Scientist or ML Specialist</a:t>
-            </a:r>
-          </a:p>
-          <a:p>
-            <a:r>
-              <a:rPr lang="en-US" sz="1200" dirty="0">
-                <a:latin typeface="Times New Roman" panose="02020603050405020304" pitchFamily="18" charset="0"/>
-                <a:cs typeface="Times New Roman" panose="02020603050405020304" pitchFamily="18" charset="0"/>
-              </a:rPr>
-              <a:t>1702 respondents²</a:t>
-            </a:r>
-          </a:p>
-        </p:txBody>
-      </p:sp>
-    </p:spTree>
-    <p:extLst>
-      <p:ext uri="{BB962C8B-B14F-4D97-AF65-F5344CB8AC3E}">
-        <p14:creationId xmlns:p14="http://schemas.microsoft.com/office/powerpoint/2010/main" val="3312937235"/>
-      </p:ext>
-    </p:extLst>
-  </p:cSld>
-  <p:clrMapOvr>
-    <a:masterClrMapping/>
-  </p:clrMapOvr>
-</p:sld>
-</file>
-
-<file path=ppt/slides/slide4.xml><?xml version="1.0" encoding="utf-8"?>
-<p:sld xmlns:a="http://schemas.openxmlformats.org/drawingml/2006/main" xmlns:r="http://schemas.openxmlformats.org/officeDocument/2006/relationships" xmlns:p="http://schemas.openxmlformats.org/presentationml/2006/main" show="0">
-  <p:cSld>
-    <p:spTree>
-      <p:nvGrpSpPr>
-        <p:cNvPr id="1" name=""/>
-        <p:cNvGrpSpPr/>
-        <p:nvPr/>
-      </p:nvGrpSpPr>
-      <p:grpSpPr>
-        <a:xfrm>
-          <a:off x="0" y="0"/>
-          <a:ext cx="0" cy="0"/>
-          <a:chOff x="0" y="0"/>
-          <a:chExt cx="0" cy="0"/>
-        </a:xfrm>
-      </p:grpSpPr>
-      <p:sp>
-        <p:nvSpPr>
-          <p:cNvPr id="5" name="TextBox 4">
-            <a:extLst>
-              <a:ext uri="{FF2B5EF4-FFF2-40B4-BE49-F238E27FC236}">
-                <a16:creationId xmlns:a16="http://schemas.microsoft.com/office/drawing/2014/main" id="{94658013-CCB5-1540-AD26-AC6224CE1B98}"/>
-              </a:ext>
-            </a:extLst>
-          </p:cNvPr>
-          <p:cNvSpPr txBox="1"/>
-          <p:nvPr/>
-        </p:nvSpPr>
-        <p:spPr>
-          <a:xfrm>
-            <a:off x="287405" y="5402474"/>
-            <a:ext cx="11538738" cy="938719"/>
-          </a:xfrm>
-          <a:prstGeom prst="rect">
-            <a:avLst/>
-          </a:prstGeom>
-          <a:noFill/>
-        </p:spPr>
-        <p:txBody>
-          <a:bodyPr wrap="square" rtlCol="0">
-            <a:spAutoFit/>
-          </a:bodyPr>
-          <a:lstStyle/>
-          <a:p>
-            <a:r>
-              <a:rPr lang="en-US" sz="1100" dirty="0">
-                <a:latin typeface="Times New Roman" panose="02020603050405020304" pitchFamily="18" charset="0"/>
-                <a:cs typeface="Times New Roman" panose="02020603050405020304" pitchFamily="18" charset="0"/>
-              </a:rPr>
-              <a:t>Participants were asked the question: “How satisfied are you with your current job? (If you work multiple jobs, answer for the one you spend the most hours on.)”</a:t>
-            </a:r>
-          </a:p>
-          <a:p>
-            <a:r>
-              <a:rPr lang="en-US" sz="1100" dirty="0">
-                <a:latin typeface="Times New Roman" panose="02020603050405020304" pitchFamily="18" charset="0"/>
-                <a:cs typeface="Times New Roman" panose="02020603050405020304" pitchFamily="18" charset="0"/>
-              </a:rPr>
-              <a:t>¹ Average job satisfaction (+0.63) over all survey respondents (not limited to those working with Data Science) – values on the chart are relative to this average developer job satisfaction.</a:t>
-            </a:r>
-          </a:p>
-          <a:p>
-            <a:r>
-              <a:rPr lang="en-US" sz="1100" dirty="0">
-                <a:latin typeface="Times New Roman" panose="02020603050405020304" pitchFamily="18" charset="0"/>
-                <a:cs typeface="Times New Roman" panose="02020603050405020304" pitchFamily="18" charset="0"/>
-              </a:rPr>
-              <a:t>  Numeric values were attributed according to those inside parenthesis in the legend of the left chart (caps correspond to 95% confidence interval based on 1000 bootstrap replicates).</a:t>
-            </a:r>
-          </a:p>
-          <a:p>
-            <a:r>
-              <a:rPr lang="en-US" sz="1100" dirty="0">
-                <a:latin typeface="Times New Roman" panose="02020603050405020304" pitchFamily="18" charset="0"/>
-                <a:cs typeface="Times New Roman" panose="02020603050405020304" pitchFamily="18" charset="0"/>
-              </a:rPr>
-              <a:t>² Respondents that checked exclusively only one option among the roles “Data or business analyst”, “Data scientist or machine learning specialist” and “Engineer, data”.</a:t>
-            </a:r>
-          </a:p>
-          <a:p>
-            <a:r>
-              <a:rPr lang="en-US" sz="1100" dirty="0">
-                <a:latin typeface="Times New Roman" panose="02020603050405020304" pitchFamily="18" charset="0"/>
-                <a:cs typeface="Times New Roman" panose="02020603050405020304" pitchFamily="18" charset="0"/>
-              </a:rPr>
-              <a:t>Source: Stack Overflow Developer Survey 2020. Analysis: Felipe Heiji Takaoka.</a:t>
-            </a:r>
-          </a:p>
-        </p:txBody>
-      </p:sp>
-      <p:sp>
-        <p:nvSpPr>
-          <p:cNvPr id="17" name="TextBox 16">
-            <a:extLst>
-              <a:ext uri="{FF2B5EF4-FFF2-40B4-BE49-F238E27FC236}">
-                <a16:creationId xmlns:a16="http://schemas.microsoft.com/office/drawing/2014/main" id="{351BBA27-C9C1-E347-B885-6109074256A9}"/>
-              </a:ext>
-            </a:extLst>
-          </p:cNvPr>
-          <p:cNvSpPr txBox="1"/>
-          <p:nvPr/>
-        </p:nvSpPr>
-        <p:spPr>
-          <a:xfrm>
-            <a:off x="287405" y="602274"/>
-            <a:ext cx="11422242" cy="923330"/>
-          </a:xfrm>
-          <a:prstGeom prst="rect">
-            <a:avLst/>
-          </a:prstGeom>
-          <a:noFill/>
-        </p:spPr>
-        <p:txBody>
-          <a:bodyPr wrap="square" rtlCol="0">
-            <a:spAutoFit/>
-          </a:bodyPr>
-          <a:lstStyle/>
-          <a:p>
-            <a:r>
-              <a:rPr lang="en-US" sz="2200" b="1" dirty="0">
-                <a:solidFill>
-                  <a:schemeClr val="accent1">
-                    <a:lumMod val="75000"/>
-                  </a:schemeClr>
-                </a:solidFill>
-                <a:latin typeface="Times New Roman" panose="02020603050405020304" pitchFamily="18" charset="0"/>
-                <a:cs typeface="Times New Roman" panose="02020603050405020304" pitchFamily="18" charset="0"/>
-              </a:rPr>
-              <a:t>Data Scientists and Machine Learning Specialists are the most satisfied with their jobs</a:t>
-            </a:r>
-          </a:p>
-          <a:p>
-            <a:r>
-              <a:rPr lang="en-US" sz="1600" dirty="0">
-                <a:latin typeface="Times New Roman" panose="02020603050405020304" pitchFamily="18" charset="0"/>
-                <a:cs typeface="Times New Roman" panose="02020603050405020304" pitchFamily="18" charset="0"/>
-              </a:rPr>
-              <a:t>by a significant margin compared to Data Engineers, who, in turn, are considerably more satisfied than the average developer. Data and Business Analyst are the least satisfied with their jobs in the Data Science landscape</a:t>
-            </a:r>
-          </a:p>
-        </p:txBody>
-      </p:sp>
-      <p:sp>
-        <p:nvSpPr>
-          <p:cNvPr id="29" name="Rectangle 28">
-            <a:extLst>
-              <a:ext uri="{FF2B5EF4-FFF2-40B4-BE49-F238E27FC236}">
-                <a16:creationId xmlns:a16="http://schemas.microsoft.com/office/drawing/2014/main" id="{E9DB0FD5-570E-A74A-9B03-51FFEB26A670}"/>
-              </a:ext>
-            </a:extLst>
-          </p:cNvPr>
-          <p:cNvSpPr/>
-          <p:nvPr/>
-        </p:nvSpPr>
-        <p:spPr>
-          <a:xfrm>
-            <a:off x="0" y="-16052"/>
-            <a:ext cx="12192000" cy="291025"/>
-          </a:xfrm>
-          <a:prstGeom prst="rect">
-            <a:avLst/>
-          </a:prstGeom>
-          <a:solidFill>
-            <a:schemeClr val="accent1">
-              <a:lumMod val="75000"/>
-            </a:schemeClr>
-          </a:solidFill>
-          <a:ln>
-            <a:noFill/>
-          </a:ln>
-        </p:spPr>
-        <p:style>
-          <a:lnRef idx="2">
-            <a:schemeClr val="accent1">
-              <a:shade val="50000"/>
-            </a:schemeClr>
-          </a:lnRef>
-          <a:fillRef idx="1">
-            <a:schemeClr val="accent1"/>
-          </a:fillRef>
-          <a:effectRef idx="0">
-            <a:schemeClr val="accent1"/>
-          </a:effectRef>
-          <a:fontRef idx="minor">
-            <a:schemeClr val="lt1"/>
-          </a:fontRef>
-        </p:style>
-        <p:txBody>
-          <a:bodyPr rtlCol="0" anchor="ctr"/>
-          <a:lstStyle/>
-          <a:p>
-            <a:pPr algn="ctr"/>
-            <a:endParaRPr lang="en-US"/>
-          </a:p>
-        </p:txBody>
-      </p:sp>
-      <p:sp>
-        <p:nvSpPr>
-          <p:cNvPr id="30" name="Rectangle 29">
-            <a:extLst>
-              <a:ext uri="{FF2B5EF4-FFF2-40B4-BE49-F238E27FC236}">
-                <a16:creationId xmlns:a16="http://schemas.microsoft.com/office/drawing/2014/main" id="{F3DB8F9A-5DDA-A34A-8630-419FDF416CF7}"/>
-              </a:ext>
-            </a:extLst>
-          </p:cNvPr>
-          <p:cNvSpPr/>
-          <p:nvPr/>
-        </p:nvSpPr>
-        <p:spPr>
-          <a:xfrm>
-            <a:off x="0" y="6566975"/>
-            <a:ext cx="12192000" cy="291025"/>
-          </a:xfrm>
-          <a:prstGeom prst="rect">
-            <a:avLst/>
-          </a:prstGeom>
-          <a:solidFill>
-            <a:schemeClr val="accent1">
-              <a:lumMod val="75000"/>
-            </a:schemeClr>
-          </a:solidFill>
-          <a:ln>
-            <a:noFill/>
-          </a:ln>
-        </p:spPr>
-        <p:style>
-          <a:lnRef idx="2">
-            <a:schemeClr val="accent1">
-              <a:shade val="50000"/>
-            </a:schemeClr>
-          </a:lnRef>
-          <a:fillRef idx="1">
-            <a:schemeClr val="accent1"/>
-          </a:fillRef>
-          <a:effectRef idx="0">
-            <a:schemeClr val="accent1"/>
-          </a:effectRef>
-          <a:fontRef idx="minor">
-            <a:schemeClr val="lt1"/>
-          </a:fontRef>
-        </p:style>
-        <p:txBody>
-          <a:bodyPr rtlCol="0" anchor="ctr"/>
-          <a:lstStyle/>
-          <a:p>
-            <a:pPr algn="ctr"/>
-            <a:endParaRPr lang="en-US"/>
-          </a:p>
-        </p:txBody>
-      </p:sp>
-      <p:grpSp>
-        <p:nvGrpSpPr>
-          <p:cNvPr id="50" name="Group 49">
-            <a:extLst>
-              <a:ext uri="{FF2B5EF4-FFF2-40B4-BE49-F238E27FC236}">
-                <a16:creationId xmlns:a16="http://schemas.microsoft.com/office/drawing/2014/main" id="{724244FC-1FDD-BF42-A49B-A182DDF53BBF}"/>
-              </a:ext>
-            </a:extLst>
-          </p:cNvPr>
-          <p:cNvGrpSpPr/>
-          <p:nvPr/>
-        </p:nvGrpSpPr>
-        <p:grpSpPr>
-          <a:xfrm>
-            <a:off x="401124" y="2467020"/>
-            <a:ext cx="2282853" cy="2443342"/>
-            <a:chOff x="388177" y="2186502"/>
-            <a:chExt cx="2282853" cy="2443342"/>
-          </a:xfrm>
-        </p:grpSpPr>
-        <p:grpSp>
-          <p:nvGrpSpPr>
-            <p:cNvPr id="46" name="Group 45">
-              <a:extLst>
-                <a:ext uri="{FF2B5EF4-FFF2-40B4-BE49-F238E27FC236}">
-                  <a16:creationId xmlns:a16="http://schemas.microsoft.com/office/drawing/2014/main" id="{5604BC55-1A33-1A43-BFF6-C9E8CEB94514}"/>
-                </a:ext>
-              </a:extLst>
-            </p:cNvPr>
-            <p:cNvGrpSpPr/>
-            <p:nvPr/>
-          </p:nvGrpSpPr>
-          <p:grpSpPr>
-            <a:xfrm>
-              <a:off x="388177" y="2186502"/>
-              <a:ext cx="2265658" cy="432000"/>
-              <a:chOff x="388177" y="2207576"/>
-              <a:chExt cx="2265658" cy="432000"/>
-            </a:xfrm>
-          </p:grpSpPr>
-          <p:sp>
-            <p:nvSpPr>
-              <p:cNvPr id="35" name="TextBox 34">
-                <a:extLst>
-                  <a:ext uri="{FF2B5EF4-FFF2-40B4-BE49-F238E27FC236}">
-                    <a16:creationId xmlns:a16="http://schemas.microsoft.com/office/drawing/2014/main" id="{527CC5FA-01E1-5F41-A154-005B559C1045}"/>
-                  </a:ext>
-                </a:extLst>
-              </p:cNvPr>
-              <p:cNvSpPr txBox="1"/>
-              <p:nvPr/>
-            </p:nvSpPr>
-            <p:spPr>
-              <a:xfrm>
-                <a:off x="388177" y="2207576"/>
-                <a:ext cx="1800000" cy="432000"/>
-              </a:xfrm>
-              <a:prstGeom prst="rect">
-                <a:avLst/>
-              </a:prstGeom>
-              <a:noFill/>
-            </p:spPr>
-            <p:txBody>
-              <a:bodyPr wrap="square" rtlCol="0" anchor="ctr">
-                <a:spAutoFit/>
-              </a:bodyPr>
-              <a:lstStyle/>
-              <a:p>
-                <a:pPr algn="r"/>
-                <a:r>
-                  <a:rPr lang="en-US" sz="1200" b="1" dirty="0">
-                    <a:solidFill>
-                      <a:schemeClr val="tx2">
-                        <a:lumMod val="40000"/>
-                        <a:lumOff val="60000"/>
-                      </a:schemeClr>
-                    </a:solidFill>
-                    <a:latin typeface="Times New Roman" panose="02020603050405020304" pitchFamily="18" charset="0"/>
-                    <a:cs typeface="Times New Roman" panose="02020603050405020304" pitchFamily="18" charset="0"/>
-                  </a:rPr>
-                  <a:t>Better</a:t>
-                </a:r>
-              </a:p>
-              <a:p>
-                <a:pPr algn="r"/>
-                <a:r>
-                  <a:rPr lang="en-US" sz="1200" b="1" dirty="0">
-                    <a:solidFill>
-                      <a:schemeClr val="tx2">
-                        <a:lumMod val="40000"/>
-                        <a:lumOff val="60000"/>
-                      </a:schemeClr>
-                    </a:solidFill>
-                    <a:latin typeface="Times New Roman" panose="02020603050405020304" pitchFamily="18" charset="0"/>
-                    <a:cs typeface="Times New Roman" panose="02020603050405020304" pitchFamily="18" charset="0"/>
-                  </a:rPr>
-                  <a:t>Compensation</a:t>
-                </a:r>
-              </a:p>
-            </p:txBody>
-          </p:sp>
-          <p:pic>
-            <p:nvPicPr>
-              <p:cNvPr id="28" name="Graphic 27" descr="Payroll outline">
-                <a:extLst>
-                  <a:ext uri="{FF2B5EF4-FFF2-40B4-BE49-F238E27FC236}">
-                    <a16:creationId xmlns:a16="http://schemas.microsoft.com/office/drawing/2014/main" id="{8A61E654-42E2-4B44-9891-B65F7A9461FA}"/>
-                  </a:ext>
-                </a:extLst>
-              </p:cNvPr>
-              <p:cNvPicPr>
-                <a:picLocks noChangeAspect="1"/>
-              </p:cNvPicPr>
-              <p:nvPr/>
-            </p:nvPicPr>
-            <p:blipFill>
-              <a:blip r:embed="rId2">
-                <a:extLst>
-                  <a:ext uri="{96DAC541-7B7A-43D3-8B79-37D633B846F1}">
-                    <asvg:svgBlip xmlns:asvg="http://schemas.microsoft.com/office/drawing/2016/SVG/main" r:embed="rId3"/>
-                  </a:ext>
-                </a:extLst>
-              </a:blip>
-              <a:stretch>
-                <a:fillRect/>
-              </a:stretch>
-            </p:blipFill>
-            <p:spPr>
-              <a:xfrm>
-                <a:off x="2221835" y="2207576"/>
-                <a:ext cx="432000" cy="432000"/>
-              </a:xfrm>
-              <a:prstGeom prst="rect">
-                <a:avLst/>
-              </a:prstGeom>
-            </p:spPr>
-          </p:pic>
-        </p:grpSp>
-        <p:grpSp>
-          <p:nvGrpSpPr>
-            <p:cNvPr id="47" name="Group 46">
-              <a:extLst>
-                <a:ext uri="{FF2B5EF4-FFF2-40B4-BE49-F238E27FC236}">
-                  <a16:creationId xmlns:a16="http://schemas.microsoft.com/office/drawing/2014/main" id="{C64B4907-3D1E-914D-AEDF-C5AED2E96D56}"/>
-                </a:ext>
-              </a:extLst>
-            </p:cNvPr>
-            <p:cNvGrpSpPr/>
-            <p:nvPr/>
-          </p:nvGrpSpPr>
-          <p:grpSpPr>
-            <a:xfrm>
-              <a:off x="388177" y="2856949"/>
-              <a:ext cx="2265658" cy="432000"/>
-              <a:chOff x="388177" y="2859258"/>
-              <a:chExt cx="2265658" cy="432000"/>
-            </a:xfrm>
-          </p:grpSpPr>
-          <p:sp>
-            <p:nvSpPr>
-              <p:cNvPr id="39" name="TextBox 38">
-                <a:extLst>
-                  <a:ext uri="{FF2B5EF4-FFF2-40B4-BE49-F238E27FC236}">
-                    <a16:creationId xmlns:a16="http://schemas.microsoft.com/office/drawing/2014/main" id="{77667409-4DFD-C044-B052-2894A8810881}"/>
-                  </a:ext>
-                </a:extLst>
-              </p:cNvPr>
-              <p:cNvSpPr txBox="1"/>
-              <p:nvPr/>
-            </p:nvSpPr>
-            <p:spPr>
-              <a:xfrm>
-                <a:off x="388177" y="2859258"/>
-                <a:ext cx="1800000" cy="432000"/>
-              </a:xfrm>
-              <a:prstGeom prst="rect">
-                <a:avLst/>
-              </a:prstGeom>
-              <a:noFill/>
-            </p:spPr>
-            <p:txBody>
-              <a:bodyPr wrap="square" rtlCol="0" anchor="ctr">
-                <a:spAutoFit/>
-              </a:bodyPr>
-              <a:lstStyle/>
-              <a:p>
-                <a:pPr algn="r"/>
-                <a:r>
-                  <a:rPr lang="en-US" sz="1200" b="1" dirty="0">
-                    <a:solidFill>
-                      <a:schemeClr val="accent1">
-                        <a:lumMod val="50000"/>
-                      </a:schemeClr>
-                    </a:solidFill>
-                    <a:latin typeface="Times New Roman" panose="02020603050405020304" pitchFamily="18" charset="0"/>
-                    <a:cs typeface="Times New Roman" panose="02020603050405020304" pitchFamily="18" charset="0"/>
-                  </a:rPr>
-                  <a:t>Growth or Leadership Opportunities</a:t>
-                </a:r>
-                <a:endParaRPr lang="en-US" sz="1200" dirty="0">
-                  <a:solidFill>
-                    <a:schemeClr val="accent1">
-                      <a:lumMod val="50000"/>
-                    </a:schemeClr>
-                  </a:solidFill>
-                  <a:latin typeface="Times New Roman" panose="02020603050405020304" pitchFamily="18" charset="0"/>
-                  <a:cs typeface="Times New Roman" panose="02020603050405020304" pitchFamily="18" charset="0"/>
-                </a:endParaRPr>
-              </a:p>
-            </p:txBody>
-          </p:sp>
-          <p:pic>
-            <p:nvPicPr>
-              <p:cNvPr id="41" name="Graphic 40" descr="Upstairs outline">
-                <a:extLst>
-                  <a:ext uri="{FF2B5EF4-FFF2-40B4-BE49-F238E27FC236}">
-                    <a16:creationId xmlns:a16="http://schemas.microsoft.com/office/drawing/2014/main" id="{1687ACF6-3544-6F4B-86B6-D117925F8073}"/>
-                  </a:ext>
-                </a:extLst>
-              </p:cNvPr>
-              <p:cNvPicPr>
-                <a:picLocks noChangeAspect="1"/>
-              </p:cNvPicPr>
-              <p:nvPr/>
-            </p:nvPicPr>
-            <p:blipFill>
-              <a:blip r:embed="rId4">
-                <a:extLst>
-                  <a:ext uri="{96DAC541-7B7A-43D3-8B79-37D633B846F1}">
-                    <asvg:svgBlip xmlns:asvg="http://schemas.microsoft.com/office/drawing/2016/SVG/main" r:embed="rId5"/>
-                  </a:ext>
-                </a:extLst>
-              </a:blip>
-              <a:stretch>
-                <a:fillRect/>
-              </a:stretch>
-            </p:blipFill>
-            <p:spPr>
-              <a:xfrm>
-                <a:off x="2221835" y="2859258"/>
-                <a:ext cx="432000" cy="432000"/>
-              </a:xfrm>
-              <a:prstGeom prst="rect">
-                <a:avLst/>
-              </a:prstGeom>
-            </p:spPr>
-          </p:pic>
-        </p:grpSp>
-        <p:grpSp>
-          <p:nvGrpSpPr>
-            <p:cNvPr id="48" name="Group 47">
-              <a:extLst>
-                <a:ext uri="{FF2B5EF4-FFF2-40B4-BE49-F238E27FC236}">
-                  <a16:creationId xmlns:a16="http://schemas.microsoft.com/office/drawing/2014/main" id="{AB5370FC-CD23-7046-BA2B-1661D693F0C0}"/>
-                </a:ext>
-              </a:extLst>
-            </p:cNvPr>
-            <p:cNvGrpSpPr/>
-            <p:nvPr/>
-          </p:nvGrpSpPr>
-          <p:grpSpPr>
-            <a:xfrm>
-              <a:off x="388177" y="3529355"/>
-              <a:ext cx="2265658" cy="432000"/>
-              <a:chOff x="388177" y="3510940"/>
-              <a:chExt cx="2265658" cy="432000"/>
-            </a:xfrm>
-          </p:grpSpPr>
-          <p:sp>
-            <p:nvSpPr>
-              <p:cNvPr id="36" name="TextBox 35">
-                <a:extLst>
-                  <a:ext uri="{FF2B5EF4-FFF2-40B4-BE49-F238E27FC236}">
-                    <a16:creationId xmlns:a16="http://schemas.microsoft.com/office/drawing/2014/main" id="{6F9557B1-9A6D-C14E-8391-74C6AA2C7F4C}"/>
-                  </a:ext>
-                </a:extLst>
-              </p:cNvPr>
-              <p:cNvSpPr txBox="1"/>
-              <p:nvPr/>
-            </p:nvSpPr>
-            <p:spPr>
-              <a:xfrm>
-                <a:off x="388177" y="3510940"/>
-                <a:ext cx="1800000" cy="432000"/>
-              </a:xfrm>
-              <a:prstGeom prst="rect">
-                <a:avLst/>
-              </a:prstGeom>
-              <a:noFill/>
-            </p:spPr>
-            <p:txBody>
-              <a:bodyPr wrap="square" rtlCol="0" anchor="ctr">
-                <a:spAutoFit/>
-              </a:bodyPr>
-              <a:lstStyle/>
-              <a:p>
-                <a:pPr algn="r"/>
-                <a:r>
-                  <a:rPr lang="en-US" sz="1200" b="1" dirty="0">
-                    <a:solidFill>
-                      <a:schemeClr val="accent1">
-                        <a:lumMod val="75000"/>
-                      </a:schemeClr>
-                    </a:solidFill>
-                    <a:latin typeface="Times New Roman" panose="02020603050405020304" pitchFamily="18" charset="0"/>
-                    <a:cs typeface="Times New Roman" panose="02020603050405020304" pitchFamily="18" charset="0"/>
-                  </a:rPr>
-                  <a:t>Wanting to Work</a:t>
-                </a:r>
-              </a:p>
-              <a:p>
-                <a:pPr algn="r"/>
-                <a:r>
-                  <a:rPr lang="en-US" sz="1200" b="1" dirty="0">
-                    <a:solidFill>
-                      <a:schemeClr val="accent1">
-                        <a:lumMod val="75000"/>
-                      </a:schemeClr>
-                    </a:solidFill>
-                    <a:latin typeface="Times New Roman" panose="02020603050405020304" pitchFamily="18" charset="0"/>
-                    <a:cs typeface="Times New Roman" panose="02020603050405020304" pitchFamily="18" charset="0"/>
-                  </a:rPr>
-                  <a:t>With New Technologies</a:t>
-                </a:r>
-                <a:endParaRPr lang="en-US" sz="1200" dirty="0">
-                  <a:solidFill>
-                    <a:schemeClr val="accent1">
-                      <a:lumMod val="75000"/>
-                    </a:schemeClr>
-                  </a:solidFill>
-                  <a:latin typeface="Times New Roman" panose="02020603050405020304" pitchFamily="18" charset="0"/>
-                  <a:cs typeface="Times New Roman" panose="02020603050405020304" pitchFamily="18" charset="0"/>
-                </a:endParaRPr>
-              </a:p>
-            </p:txBody>
-          </p:sp>
-          <p:pic>
-            <p:nvPicPr>
-              <p:cNvPr id="43" name="Graphic 42" descr="Qr Code outline">
-                <a:extLst>
-                  <a:ext uri="{FF2B5EF4-FFF2-40B4-BE49-F238E27FC236}">
-                    <a16:creationId xmlns:a16="http://schemas.microsoft.com/office/drawing/2014/main" id="{E96E4ACF-E271-9B4D-9349-73E6A7571773}"/>
-                  </a:ext>
-                </a:extLst>
-              </p:cNvPr>
-              <p:cNvPicPr>
-                <a:picLocks noChangeAspect="1"/>
-              </p:cNvPicPr>
-              <p:nvPr/>
-            </p:nvPicPr>
-            <p:blipFill>
-              <a:blip r:embed="rId6">
-                <a:extLst>
-                  <a:ext uri="{96DAC541-7B7A-43D3-8B79-37D633B846F1}">
-                    <asvg:svgBlip xmlns:asvg="http://schemas.microsoft.com/office/drawing/2016/SVG/main" r:embed="rId7"/>
-                  </a:ext>
-                </a:extLst>
-              </a:blip>
-              <a:stretch>
-                <a:fillRect/>
-              </a:stretch>
-            </p:blipFill>
-            <p:spPr>
-              <a:xfrm>
-                <a:off x="2221835" y="3510940"/>
-                <a:ext cx="432000" cy="432000"/>
-              </a:xfrm>
-              <a:prstGeom prst="rect">
-                <a:avLst/>
-              </a:prstGeom>
-            </p:spPr>
-          </p:pic>
-        </p:grpSp>
-        <p:grpSp>
-          <p:nvGrpSpPr>
-            <p:cNvPr id="49" name="Group 48">
-              <a:extLst>
-                <a:ext uri="{FF2B5EF4-FFF2-40B4-BE49-F238E27FC236}">
-                  <a16:creationId xmlns:a16="http://schemas.microsoft.com/office/drawing/2014/main" id="{C742983C-4AE4-9D41-8B22-ECCD4EE8803C}"/>
-                </a:ext>
-              </a:extLst>
-            </p:cNvPr>
-            <p:cNvGrpSpPr/>
-            <p:nvPr/>
-          </p:nvGrpSpPr>
-          <p:grpSpPr>
-            <a:xfrm>
-              <a:off x="405372" y="4197844"/>
-              <a:ext cx="2265658" cy="432000"/>
-              <a:chOff x="388177" y="4162622"/>
-              <a:chExt cx="2265658" cy="432000"/>
-            </a:xfrm>
-          </p:grpSpPr>
-          <p:sp>
-            <p:nvSpPr>
-              <p:cNvPr id="37" name="TextBox 36">
-                <a:extLst>
-                  <a:ext uri="{FF2B5EF4-FFF2-40B4-BE49-F238E27FC236}">
-                    <a16:creationId xmlns:a16="http://schemas.microsoft.com/office/drawing/2014/main" id="{39C6ED03-501C-1346-B657-947554364C1B}"/>
-                  </a:ext>
-                </a:extLst>
-              </p:cNvPr>
-              <p:cNvSpPr txBox="1"/>
-              <p:nvPr/>
-            </p:nvSpPr>
-            <p:spPr>
-              <a:xfrm>
-                <a:off x="388177" y="4162622"/>
-                <a:ext cx="1800000" cy="432000"/>
-              </a:xfrm>
-              <a:prstGeom prst="rect">
-                <a:avLst/>
-              </a:prstGeom>
-              <a:noFill/>
-            </p:spPr>
-            <p:txBody>
-              <a:bodyPr wrap="square" rtlCol="0" anchor="ctr">
-                <a:spAutoFit/>
-              </a:bodyPr>
-              <a:lstStyle/>
-              <a:p>
-                <a:pPr algn="r"/>
-                <a:r>
-                  <a:rPr lang="en-US" sz="1200" b="1" dirty="0">
-                    <a:solidFill>
-                      <a:schemeClr val="accent1">
-                        <a:lumMod val="60000"/>
-                        <a:lumOff val="40000"/>
-                      </a:schemeClr>
-                    </a:solidFill>
-                    <a:latin typeface="Times New Roman" panose="02020603050405020304" pitchFamily="18" charset="0"/>
-                    <a:cs typeface="Times New Roman" panose="02020603050405020304" pitchFamily="18" charset="0"/>
-                  </a:rPr>
-                  <a:t>Curious About</a:t>
-                </a:r>
-              </a:p>
-              <a:p>
-                <a:pPr algn="r"/>
-                <a:r>
-                  <a:rPr lang="en-US" sz="1200" b="1" dirty="0">
-                    <a:solidFill>
-                      <a:schemeClr val="accent1">
-                        <a:lumMod val="60000"/>
-                        <a:lumOff val="40000"/>
-                      </a:schemeClr>
-                    </a:solidFill>
-                    <a:latin typeface="Times New Roman" panose="02020603050405020304" pitchFamily="18" charset="0"/>
-                    <a:cs typeface="Times New Roman" panose="02020603050405020304" pitchFamily="18" charset="0"/>
-                  </a:rPr>
-                  <a:t>Other Opportunities</a:t>
-                </a:r>
-                <a:endParaRPr lang="en-US" sz="1200" dirty="0">
-                  <a:solidFill>
-                    <a:schemeClr val="accent1">
-                      <a:lumMod val="60000"/>
-                      <a:lumOff val="40000"/>
-                    </a:schemeClr>
-                  </a:solidFill>
-                  <a:latin typeface="Times New Roman" panose="02020603050405020304" pitchFamily="18" charset="0"/>
-                  <a:cs typeface="Times New Roman" panose="02020603050405020304" pitchFamily="18" charset="0"/>
-                </a:endParaRPr>
-              </a:p>
-            </p:txBody>
-          </p:sp>
-          <p:pic>
-            <p:nvPicPr>
-              <p:cNvPr id="45" name="Graphic 44" descr="Fork In Road outline">
-                <a:extLst>
-                  <a:ext uri="{FF2B5EF4-FFF2-40B4-BE49-F238E27FC236}">
-                    <a16:creationId xmlns:a16="http://schemas.microsoft.com/office/drawing/2014/main" id="{833D9249-8A6E-054A-B92A-EF14F1459F51}"/>
-                  </a:ext>
-                </a:extLst>
-              </p:cNvPr>
-              <p:cNvPicPr>
-                <a:picLocks noChangeAspect="1"/>
-              </p:cNvPicPr>
-              <p:nvPr/>
-            </p:nvPicPr>
-            <p:blipFill>
-              <a:blip r:embed="rId8">
-                <a:extLst>
-                  <a:ext uri="{96DAC541-7B7A-43D3-8B79-37D633B846F1}">
-                    <asvg:svgBlip xmlns:asvg="http://schemas.microsoft.com/office/drawing/2016/SVG/main" r:embed="rId9"/>
-                  </a:ext>
-                </a:extLst>
-              </a:blip>
-              <a:stretch>
-                <a:fillRect/>
-              </a:stretch>
-            </p:blipFill>
-            <p:spPr>
-              <a:xfrm>
-                <a:off x="2221835" y="4162622"/>
-                <a:ext cx="432000" cy="432000"/>
-              </a:xfrm>
-              <a:prstGeom prst="rect">
-                <a:avLst/>
-              </a:prstGeom>
-            </p:spPr>
-          </p:pic>
-        </p:grpSp>
-      </p:grpSp>
-      <p:graphicFrame>
-        <p:nvGraphicFramePr>
-          <p:cNvPr id="2" name="Chart 1">
-            <a:extLst>
-              <a:ext uri="{FF2B5EF4-FFF2-40B4-BE49-F238E27FC236}">
-                <a16:creationId xmlns:a16="http://schemas.microsoft.com/office/drawing/2014/main" id="{7E9983DE-D470-2046-B750-113D9B5DA705}"/>
-              </a:ext>
-            </a:extLst>
-          </p:cNvPr>
-          <p:cNvGraphicFramePr/>
-          <p:nvPr>
-            <p:extLst>
-              <p:ext uri="{D42A27DB-BD31-4B8C-83A1-F6EECF244321}">
-                <p14:modId xmlns:p14="http://schemas.microsoft.com/office/powerpoint/2010/main" val="1250671612"/>
-              </p:ext>
-            </p:extLst>
-          </p:nvPr>
-        </p:nvGraphicFramePr>
-        <p:xfrm>
-          <a:off x="2833791" y="2223234"/>
-          <a:ext cx="2665556" cy="2952002"/>
-        </p:xfrm>
-        <a:graphic>
-          <a:graphicData uri="http://schemas.openxmlformats.org/drawingml/2006/chart">
-            <c:chart xmlns:c="http://schemas.openxmlformats.org/drawingml/2006/chart" xmlns:r="http://schemas.openxmlformats.org/officeDocument/2006/relationships" r:id="rId10"/>
-          </a:graphicData>
-        </a:graphic>
-      </p:graphicFrame>
-      <p:sp>
-        <p:nvSpPr>
-          <p:cNvPr id="54" name="TextBox 53">
-            <a:extLst>
-              <a:ext uri="{FF2B5EF4-FFF2-40B4-BE49-F238E27FC236}">
-                <a16:creationId xmlns:a16="http://schemas.microsoft.com/office/drawing/2014/main" id="{C014CBAA-E135-564B-B060-4B9486AEB007}"/>
-              </a:ext>
-            </a:extLst>
-          </p:cNvPr>
-          <p:cNvSpPr txBox="1"/>
-          <p:nvPr/>
-        </p:nvSpPr>
-        <p:spPr>
-          <a:xfrm>
-            <a:off x="2890940" y="1855163"/>
-            <a:ext cx="2299317" cy="461665"/>
-          </a:xfrm>
-          <a:prstGeom prst="rect">
-            <a:avLst/>
-          </a:prstGeom>
-          <a:noFill/>
-        </p:spPr>
-        <p:txBody>
-          <a:bodyPr wrap="square" rtlCol="0">
-            <a:spAutoFit/>
-          </a:bodyPr>
-          <a:lstStyle/>
-          <a:p>
-            <a:r>
-              <a:rPr lang="en-US" sz="1200" b="1" dirty="0">
-                <a:latin typeface="Times New Roman" panose="02020603050405020304" pitchFamily="18" charset="0"/>
-                <a:cs typeface="Times New Roman" panose="02020603050405020304" pitchFamily="18" charset="0"/>
-              </a:rPr>
-              <a:t>Data or Business Analyst</a:t>
-            </a:r>
-          </a:p>
-          <a:p>
-            <a:r>
-              <a:rPr lang="en-US" sz="1200" dirty="0">
-                <a:latin typeface="Times New Roman" panose="02020603050405020304" pitchFamily="18" charset="0"/>
-                <a:cs typeface="Times New Roman" panose="02020603050405020304" pitchFamily="18" charset="0"/>
-              </a:rPr>
-              <a:t>1716 respondents²</a:t>
-            </a:r>
-          </a:p>
-        </p:txBody>
-      </p:sp>
-      <p:graphicFrame>
-        <p:nvGraphicFramePr>
-          <p:cNvPr id="10" name="Chart 9">
-            <a:extLst>
-              <a:ext uri="{FF2B5EF4-FFF2-40B4-BE49-F238E27FC236}">
-                <a16:creationId xmlns:a16="http://schemas.microsoft.com/office/drawing/2014/main" id="{0A69C592-A77B-EB41-9952-66F45CB2AB32}"/>
-              </a:ext>
-            </a:extLst>
-          </p:cNvPr>
-          <p:cNvGraphicFramePr/>
-          <p:nvPr>
-            <p:extLst>
-              <p:ext uri="{D42A27DB-BD31-4B8C-83A1-F6EECF244321}">
-                <p14:modId xmlns:p14="http://schemas.microsoft.com/office/powerpoint/2010/main" val="3078361461"/>
-              </p:ext>
-            </p:extLst>
-          </p:nvPr>
-        </p:nvGraphicFramePr>
-        <p:xfrm>
-          <a:off x="8282091" y="2225491"/>
-          <a:ext cx="2665556" cy="2952002"/>
-        </p:xfrm>
-        <a:graphic>
-          <a:graphicData uri="http://schemas.openxmlformats.org/drawingml/2006/chart">
-            <c:chart xmlns:c="http://schemas.openxmlformats.org/drawingml/2006/chart" xmlns:r="http://schemas.openxmlformats.org/officeDocument/2006/relationships" r:id="rId11"/>
-          </a:graphicData>
-        </a:graphic>
-      </p:graphicFrame>
-      <p:sp>
-        <p:nvSpPr>
-          <p:cNvPr id="55" name="TextBox 54">
-            <a:extLst>
-              <a:ext uri="{FF2B5EF4-FFF2-40B4-BE49-F238E27FC236}">
-                <a16:creationId xmlns:a16="http://schemas.microsoft.com/office/drawing/2014/main" id="{EDAE46A5-1C82-E64D-BD28-EE7A12A9A7C1}"/>
-              </a:ext>
-            </a:extLst>
-          </p:cNvPr>
-          <p:cNvSpPr txBox="1"/>
-          <p:nvPr/>
-        </p:nvSpPr>
-        <p:spPr>
-          <a:xfrm>
-            <a:off x="8305219" y="1852905"/>
-            <a:ext cx="2299317" cy="461665"/>
-          </a:xfrm>
-          <a:prstGeom prst="rect">
-            <a:avLst/>
-          </a:prstGeom>
-          <a:noFill/>
-        </p:spPr>
-        <p:txBody>
-          <a:bodyPr wrap="square" rtlCol="0">
-            <a:spAutoFit/>
-          </a:bodyPr>
-          <a:lstStyle/>
-          <a:p>
-            <a:r>
-              <a:rPr lang="en-US" sz="1200" b="1" dirty="0">
-                <a:latin typeface="Times New Roman" panose="02020603050405020304" pitchFamily="18" charset="0"/>
-                <a:cs typeface="Times New Roman" panose="02020603050405020304" pitchFamily="18" charset="0"/>
-              </a:rPr>
-              <a:t>Engineer, Data</a:t>
-            </a:r>
-          </a:p>
-          <a:p>
-            <a:r>
-              <a:rPr lang="en-US" sz="1200" dirty="0">
-                <a:latin typeface="Times New Roman" panose="02020603050405020304" pitchFamily="18" charset="0"/>
-                <a:cs typeface="Times New Roman" panose="02020603050405020304" pitchFamily="18" charset="0"/>
-              </a:rPr>
-              <a:t>1678 respondents²</a:t>
-            </a:r>
-          </a:p>
-        </p:txBody>
-      </p:sp>
-      <p:graphicFrame>
-        <p:nvGraphicFramePr>
-          <p:cNvPr id="9" name="Chart 8">
-            <a:extLst>
-              <a:ext uri="{FF2B5EF4-FFF2-40B4-BE49-F238E27FC236}">
-                <a16:creationId xmlns:a16="http://schemas.microsoft.com/office/drawing/2014/main" id="{9F7F2F6C-618C-654E-9BE6-4D5AB73E465B}"/>
-              </a:ext>
-            </a:extLst>
-          </p:cNvPr>
-          <p:cNvGraphicFramePr/>
-          <p:nvPr>
-            <p:extLst>
-              <p:ext uri="{D42A27DB-BD31-4B8C-83A1-F6EECF244321}">
-                <p14:modId xmlns:p14="http://schemas.microsoft.com/office/powerpoint/2010/main" val="2285020042"/>
-              </p:ext>
-            </p:extLst>
-          </p:nvPr>
-        </p:nvGraphicFramePr>
-        <p:xfrm>
-          <a:off x="5557941" y="2223234"/>
-          <a:ext cx="2665556" cy="2952002"/>
-        </p:xfrm>
-        <a:graphic>
-          <a:graphicData uri="http://schemas.openxmlformats.org/drawingml/2006/chart">
-            <c:chart xmlns:c="http://schemas.openxmlformats.org/drawingml/2006/chart" xmlns:r="http://schemas.openxmlformats.org/officeDocument/2006/relationships" r:id="rId12"/>
-          </a:graphicData>
-        </a:graphic>
-      </p:graphicFrame>
-      <p:sp>
-        <p:nvSpPr>
-          <p:cNvPr id="56" name="TextBox 55">
-            <a:extLst>
-              <a:ext uri="{FF2B5EF4-FFF2-40B4-BE49-F238E27FC236}">
-                <a16:creationId xmlns:a16="http://schemas.microsoft.com/office/drawing/2014/main" id="{6190FAEB-4476-9B43-9C65-9F0B26F08C8A}"/>
-              </a:ext>
-            </a:extLst>
-          </p:cNvPr>
-          <p:cNvSpPr txBox="1"/>
-          <p:nvPr/>
-        </p:nvSpPr>
-        <p:spPr>
-          <a:xfrm>
-            <a:off x="5617664" y="1855163"/>
-            <a:ext cx="2299317" cy="461665"/>
-          </a:xfrm>
-          <a:prstGeom prst="rect">
-            <a:avLst/>
-          </a:prstGeom>
-          <a:noFill/>
-        </p:spPr>
-        <p:txBody>
-          <a:bodyPr wrap="square" rtlCol="0">
-            <a:spAutoFit/>
-          </a:bodyPr>
-          <a:lstStyle/>
-          <a:p>
-            <a:r>
-              <a:rPr lang="en-US" sz="1200" b="1" dirty="0">
-                <a:latin typeface="Times New Roman" panose="02020603050405020304" pitchFamily="18" charset="0"/>
-                <a:cs typeface="Times New Roman" panose="02020603050405020304" pitchFamily="18" charset="0"/>
-              </a:rPr>
-              <a:t>Data Scientist or ML Specialist</a:t>
-            </a:r>
-          </a:p>
-          <a:p>
-            <a:r>
-              <a:rPr lang="en-US" sz="1200" dirty="0">
-                <a:latin typeface="Times New Roman" panose="02020603050405020304" pitchFamily="18" charset="0"/>
-                <a:cs typeface="Times New Roman" panose="02020603050405020304" pitchFamily="18" charset="0"/>
-              </a:rPr>
-              <a:t>1702 respondents²</a:t>
-            </a:r>
-          </a:p>
-        </p:txBody>
-      </p:sp>
       <p:cxnSp>
         <p:nvCxnSpPr>
           <p:cNvPr id="38" name="Straight Connector 37">
@@ -19495,7 +15908,7 @@
         </p:nvCxnSpPr>
         <p:spPr>
           <a:xfrm>
-            <a:off x="451607" y="3021135"/>
+            <a:off x="655795" y="2941236"/>
             <a:ext cx="10224000" cy="0"/>
           </a:xfrm>
           <a:prstGeom prst="line">
@@ -19542,7 +15955,7 @@
         </p:nvCxnSpPr>
         <p:spPr>
           <a:xfrm>
-            <a:off x="451607" y="3702123"/>
+            <a:off x="655795" y="3675491"/>
             <a:ext cx="10224000" cy="0"/>
           </a:xfrm>
           <a:prstGeom prst="line">
@@ -19589,7 +16002,7 @@
         </p:nvCxnSpPr>
         <p:spPr>
           <a:xfrm>
-            <a:off x="451607" y="4383112"/>
+            <a:off x="655795" y="4409746"/>
             <a:ext cx="10224000" cy="0"/>
           </a:xfrm>
           <a:prstGeom prst="line">
@@ -19620,10 +16033,597 @@
           </a:fontRef>
         </p:style>
       </p:cxnSp>
+      <p:sp>
+        <p:nvSpPr>
+          <p:cNvPr id="31" name="TextBox 30">
+            <a:extLst>
+              <a:ext uri="{FF2B5EF4-FFF2-40B4-BE49-F238E27FC236}">
+                <a16:creationId xmlns:a16="http://schemas.microsoft.com/office/drawing/2014/main" id="{98B47340-EA26-A94B-8B56-87F03A894934}"/>
+              </a:ext>
+            </a:extLst>
+          </p:cNvPr>
+          <p:cNvSpPr txBox="1"/>
+          <p:nvPr/>
+        </p:nvSpPr>
+        <p:spPr>
+          <a:xfrm>
+            <a:off x="5683258" y="1639840"/>
+            <a:ext cx="2299317" cy="461665"/>
+          </a:xfrm>
+          <a:prstGeom prst="rect">
+            <a:avLst/>
+          </a:prstGeom>
+          <a:noFill/>
+        </p:spPr>
+        <p:txBody>
+          <a:bodyPr wrap="square" rtlCol="0">
+            <a:spAutoFit/>
+          </a:bodyPr>
+          <a:lstStyle/>
+          <a:p>
+            <a:r>
+              <a:rPr lang="en-US" sz="1200" b="1" dirty="0">
+                <a:latin typeface="Times New Roman" panose="02020603050405020304" pitchFamily="18" charset="0"/>
+                <a:cs typeface="Times New Roman" panose="02020603050405020304" pitchFamily="18" charset="0"/>
+              </a:rPr>
+              <a:t>Data Scientist or ML Specialist</a:t>
+            </a:r>
+          </a:p>
+          <a:p>
+            <a:r>
+              <a:rPr lang="en-US" sz="1200" dirty="0">
+                <a:latin typeface="Times New Roman" panose="02020603050405020304" pitchFamily="18" charset="0"/>
+                <a:cs typeface="Times New Roman" panose="02020603050405020304" pitchFamily="18" charset="0"/>
+              </a:rPr>
+              <a:t>1702 respondents²</a:t>
+            </a:r>
+          </a:p>
+        </p:txBody>
+      </p:sp>
+      <p:sp>
+        <p:nvSpPr>
+          <p:cNvPr id="32" name="TextBox 31">
+            <a:extLst>
+              <a:ext uri="{FF2B5EF4-FFF2-40B4-BE49-F238E27FC236}">
+                <a16:creationId xmlns:a16="http://schemas.microsoft.com/office/drawing/2014/main" id="{B15CE6C1-FD1F-9344-A13B-81B2C8677DFB}"/>
+              </a:ext>
+            </a:extLst>
+          </p:cNvPr>
+          <p:cNvSpPr txBox="1"/>
+          <p:nvPr/>
+        </p:nvSpPr>
+        <p:spPr>
+          <a:xfrm>
+            <a:off x="8291665" y="1639840"/>
+            <a:ext cx="2299317" cy="461665"/>
+          </a:xfrm>
+          <a:prstGeom prst="rect">
+            <a:avLst/>
+          </a:prstGeom>
+          <a:noFill/>
+        </p:spPr>
+        <p:txBody>
+          <a:bodyPr wrap="square" rtlCol="0">
+            <a:spAutoFit/>
+          </a:bodyPr>
+          <a:lstStyle/>
+          <a:p>
+            <a:r>
+              <a:rPr lang="en-US" sz="1200" b="1" dirty="0">
+                <a:latin typeface="Times New Roman" panose="02020603050405020304" pitchFamily="18" charset="0"/>
+                <a:cs typeface="Times New Roman" panose="02020603050405020304" pitchFamily="18" charset="0"/>
+              </a:rPr>
+              <a:t>Engineer, Data</a:t>
+            </a:r>
+          </a:p>
+          <a:p>
+            <a:r>
+              <a:rPr lang="en-US" sz="1200" dirty="0">
+                <a:latin typeface="Times New Roman" panose="02020603050405020304" pitchFamily="18" charset="0"/>
+                <a:cs typeface="Times New Roman" panose="02020603050405020304" pitchFamily="18" charset="0"/>
+              </a:rPr>
+              <a:t>1678 respondents²</a:t>
+            </a:r>
+          </a:p>
+        </p:txBody>
+      </p:sp>
+      <p:graphicFrame>
+        <p:nvGraphicFramePr>
+          <p:cNvPr id="42" name="Chart 41">
+            <a:extLst>
+              <a:ext uri="{FF2B5EF4-FFF2-40B4-BE49-F238E27FC236}">
+                <a16:creationId xmlns:a16="http://schemas.microsoft.com/office/drawing/2014/main" id="{C0B2A267-B355-5C4D-9614-E860E2ED7EB0}"/>
+              </a:ext>
+            </a:extLst>
+          </p:cNvPr>
+          <p:cNvGraphicFramePr/>
+          <p:nvPr>
+            <p:extLst>
+              <p:ext uri="{D42A27DB-BD31-4B8C-83A1-F6EECF244321}">
+                <p14:modId xmlns:p14="http://schemas.microsoft.com/office/powerpoint/2010/main" val="3046030664"/>
+              </p:ext>
+            </p:extLst>
+          </p:nvPr>
+        </p:nvGraphicFramePr>
+        <p:xfrm>
+          <a:off x="5626109" y="2069806"/>
+          <a:ext cx="2665556" cy="3219743"/>
+        </p:xfrm>
+        <a:graphic>
+          <a:graphicData uri="http://schemas.openxmlformats.org/drawingml/2006/chart">
+            <c:chart xmlns:c="http://schemas.openxmlformats.org/drawingml/2006/chart" xmlns:r="http://schemas.openxmlformats.org/officeDocument/2006/relationships" r:id="rId3"/>
+          </a:graphicData>
+        </a:graphic>
+      </p:graphicFrame>
+      <p:graphicFrame>
+        <p:nvGraphicFramePr>
+          <p:cNvPr id="51" name="Chart 50">
+            <a:extLst>
+              <a:ext uri="{FF2B5EF4-FFF2-40B4-BE49-F238E27FC236}">
+                <a16:creationId xmlns:a16="http://schemas.microsoft.com/office/drawing/2014/main" id="{D81EE047-9E49-2A49-BB2B-380B3E06E8DA}"/>
+              </a:ext>
+            </a:extLst>
+          </p:cNvPr>
+          <p:cNvGraphicFramePr/>
+          <p:nvPr>
+            <p:extLst>
+              <p:ext uri="{D42A27DB-BD31-4B8C-83A1-F6EECF244321}">
+                <p14:modId xmlns:p14="http://schemas.microsoft.com/office/powerpoint/2010/main" val="3635886406"/>
+              </p:ext>
+            </p:extLst>
+          </p:nvPr>
+        </p:nvGraphicFramePr>
+        <p:xfrm>
+          <a:off x="8214239" y="2058426"/>
+          <a:ext cx="2665556" cy="3219743"/>
+        </p:xfrm>
+        <a:graphic>
+          <a:graphicData uri="http://schemas.openxmlformats.org/drawingml/2006/chart">
+            <c:chart xmlns:c="http://schemas.openxmlformats.org/drawingml/2006/chart" xmlns:r="http://schemas.openxmlformats.org/officeDocument/2006/relationships" r:id="rId4"/>
+          </a:graphicData>
+        </a:graphic>
+      </p:graphicFrame>
+      <p:grpSp>
+        <p:nvGrpSpPr>
+          <p:cNvPr id="20" name="Group 19">
+            <a:extLst>
+              <a:ext uri="{FF2B5EF4-FFF2-40B4-BE49-F238E27FC236}">
+                <a16:creationId xmlns:a16="http://schemas.microsoft.com/office/drawing/2014/main" id="{0008D728-8F64-1845-B483-A3CBED64121D}"/>
+              </a:ext>
+            </a:extLst>
+          </p:cNvPr>
+          <p:cNvGrpSpPr/>
+          <p:nvPr/>
+        </p:nvGrpSpPr>
+        <p:grpSpPr>
+          <a:xfrm>
+            <a:off x="527275" y="2345652"/>
+            <a:ext cx="2360890" cy="2767617"/>
+            <a:chOff x="527275" y="2345652"/>
+            <a:chExt cx="2360890" cy="2767617"/>
+          </a:xfrm>
+        </p:grpSpPr>
+        <p:grpSp>
+          <p:nvGrpSpPr>
+            <p:cNvPr id="16" name="Group 15">
+              <a:extLst>
+                <a:ext uri="{FF2B5EF4-FFF2-40B4-BE49-F238E27FC236}">
+                  <a16:creationId xmlns:a16="http://schemas.microsoft.com/office/drawing/2014/main" id="{9F830ACC-7C81-3C4C-AE83-D410EC13DD36}"/>
+                </a:ext>
+              </a:extLst>
+            </p:cNvPr>
+            <p:cNvGrpSpPr/>
+            <p:nvPr/>
+          </p:nvGrpSpPr>
+          <p:grpSpPr>
+            <a:xfrm>
+              <a:off x="527275" y="3078245"/>
+              <a:ext cx="2360890" cy="461665"/>
+              <a:chOff x="527275" y="3078245"/>
+              <a:chExt cx="2360890" cy="461665"/>
+            </a:xfrm>
+          </p:grpSpPr>
+          <p:sp>
+            <p:nvSpPr>
+              <p:cNvPr id="39" name="TextBox 38">
+                <a:extLst>
+                  <a:ext uri="{FF2B5EF4-FFF2-40B4-BE49-F238E27FC236}">
+                    <a16:creationId xmlns:a16="http://schemas.microsoft.com/office/drawing/2014/main" id="{77667409-4DFD-C044-B052-2894A8810881}"/>
+                  </a:ext>
+                </a:extLst>
+              </p:cNvPr>
+              <p:cNvSpPr txBox="1"/>
+              <p:nvPr/>
+            </p:nvSpPr>
+            <p:spPr>
+              <a:xfrm>
+                <a:off x="527275" y="3078245"/>
+                <a:ext cx="1878037" cy="461665"/>
+              </a:xfrm>
+              <a:prstGeom prst="rect">
+                <a:avLst/>
+              </a:prstGeom>
+              <a:noFill/>
+            </p:spPr>
+            <p:txBody>
+              <a:bodyPr wrap="square" rtlCol="0" anchor="ctr">
+                <a:spAutoFit/>
+              </a:bodyPr>
+              <a:lstStyle/>
+              <a:p>
+                <a:pPr algn="r"/>
+                <a:r>
+                  <a:rPr lang="en-US" sz="1200" b="1" dirty="0">
+                    <a:latin typeface="Times New Roman" panose="02020603050405020304" pitchFamily="18" charset="0"/>
+                    <a:cs typeface="Times New Roman" panose="02020603050405020304" pitchFamily="18" charset="0"/>
+                  </a:rPr>
+                  <a:t>Flex time or</a:t>
+                </a:r>
+              </a:p>
+              <a:p>
+                <a:pPr algn="r"/>
+                <a:r>
+                  <a:rPr lang="en-US" sz="1200" b="1" dirty="0">
+                    <a:latin typeface="Times New Roman" panose="02020603050405020304" pitchFamily="18" charset="0"/>
+                    <a:cs typeface="Times New Roman" panose="02020603050405020304" pitchFamily="18" charset="0"/>
+                  </a:rPr>
+                  <a:t>a flexible schedule</a:t>
+                </a:r>
+                <a:endParaRPr lang="en-US" sz="1200" dirty="0">
+                  <a:latin typeface="Times New Roman" panose="02020603050405020304" pitchFamily="18" charset="0"/>
+                  <a:cs typeface="Times New Roman" panose="02020603050405020304" pitchFamily="18" charset="0"/>
+                </a:endParaRPr>
+              </a:p>
+            </p:txBody>
+          </p:sp>
+          <p:pic>
+            <p:nvPicPr>
+              <p:cNvPr id="6" name="Graphic 5" descr="Clock outline">
+                <a:extLst>
+                  <a:ext uri="{FF2B5EF4-FFF2-40B4-BE49-F238E27FC236}">
+                    <a16:creationId xmlns:a16="http://schemas.microsoft.com/office/drawing/2014/main" id="{F1564DFE-CDCC-044C-AA6F-1D9128A2CAC8}"/>
+                  </a:ext>
+                </a:extLst>
+              </p:cNvPr>
+              <p:cNvPicPr>
+                <a:picLocks noChangeAspect="1"/>
+              </p:cNvPicPr>
+              <p:nvPr/>
+            </p:nvPicPr>
+            <p:blipFill>
+              <a:blip r:embed="rId5">
+                <a:extLst>
+                  <a:ext uri="{96DAC541-7B7A-43D3-8B79-37D633B846F1}">
+                    <asvg:svgBlip xmlns:asvg="http://schemas.microsoft.com/office/drawing/2016/SVG/main" r:embed="rId6"/>
+                  </a:ext>
+                </a:extLst>
+              </a:blip>
+              <a:stretch>
+                <a:fillRect/>
+              </a:stretch>
+            </p:blipFill>
+            <p:spPr>
+              <a:xfrm>
+                <a:off x="2456165" y="3089196"/>
+                <a:ext cx="432000" cy="432000"/>
+              </a:xfrm>
+              <a:prstGeom prst="rect">
+                <a:avLst/>
+              </a:prstGeom>
+            </p:spPr>
+          </p:pic>
+        </p:grpSp>
+        <p:grpSp>
+          <p:nvGrpSpPr>
+            <p:cNvPr id="18" name="Group 17">
+              <a:extLst>
+                <a:ext uri="{FF2B5EF4-FFF2-40B4-BE49-F238E27FC236}">
+                  <a16:creationId xmlns:a16="http://schemas.microsoft.com/office/drawing/2014/main" id="{07B007DB-48CE-104A-AF75-C0E3C4E0630C}"/>
+                </a:ext>
+              </a:extLst>
+            </p:cNvPr>
+            <p:cNvGrpSpPr/>
+            <p:nvPr/>
+          </p:nvGrpSpPr>
+          <p:grpSpPr>
+            <a:xfrm>
+              <a:off x="527275" y="3821675"/>
+              <a:ext cx="2360890" cy="461665"/>
+              <a:chOff x="527275" y="3821675"/>
+              <a:chExt cx="2360890" cy="461665"/>
+            </a:xfrm>
+          </p:grpSpPr>
+          <p:sp>
+            <p:nvSpPr>
+              <p:cNvPr id="36" name="TextBox 35">
+                <a:extLst>
+                  <a:ext uri="{FF2B5EF4-FFF2-40B4-BE49-F238E27FC236}">
+                    <a16:creationId xmlns:a16="http://schemas.microsoft.com/office/drawing/2014/main" id="{6F9557B1-9A6D-C14E-8391-74C6AA2C7F4C}"/>
+                  </a:ext>
+                </a:extLst>
+              </p:cNvPr>
+              <p:cNvSpPr txBox="1"/>
+              <p:nvPr/>
+            </p:nvSpPr>
+            <p:spPr>
+              <a:xfrm>
+                <a:off x="527275" y="3821675"/>
+                <a:ext cx="1878037" cy="461665"/>
+              </a:xfrm>
+              <a:prstGeom prst="rect">
+                <a:avLst/>
+              </a:prstGeom>
+              <a:noFill/>
+            </p:spPr>
+            <p:txBody>
+              <a:bodyPr wrap="square" rtlCol="0" anchor="ctr">
+                <a:spAutoFit/>
+              </a:bodyPr>
+              <a:lstStyle/>
+              <a:p>
+                <a:pPr algn="r"/>
+                <a:r>
+                  <a:rPr lang="en-US" sz="1200" b="1" dirty="0">
+                    <a:latin typeface="Times New Roman" panose="02020603050405020304" pitchFamily="18" charset="0"/>
+                    <a:cs typeface="Times New Roman" panose="02020603050405020304" pitchFamily="18" charset="0"/>
+                  </a:rPr>
+                  <a:t>Office environment</a:t>
+                </a:r>
+              </a:p>
+              <a:p>
+                <a:pPr algn="r"/>
+                <a:r>
+                  <a:rPr lang="en-US" sz="1200" b="1" dirty="0">
+                    <a:latin typeface="Times New Roman" panose="02020603050405020304" pitchFamily="18" charset="0"/>
+                    <a:cs typeface="Times New Roman" panose="02020603050405020304" pitchFamily="18" charset="0"/>
+                  </a:rPr>
+                  <a:t>or company culture</a:t>
+                </a:r>
+                <a:endParaRPr lang="en-US" sz="1200" dirty="0">
+                  <a:latin typeface="Times New Roman" panose="02020603050405020304" pitchFamily="18" charset="0"/>
+                  <a:cs typeface="Times New Roman" panose="02020603050405020304" pitchFamily="18" charset="0"/>
+                </a:endParaRPr>
+              </a:p>
+            </p:txBody>
+          </p:sp>
+          <p:pic>
+            <p:nvPicPr>
+              <p:cNvPr id="8" name="Graphic 7" descr="Cheers outline">
+                <a:extLst>
+                  <a:ext uri="{FF2B5EF4-FFF2-40B4-BE49-F238E27FC236}">
+                    <a16:creationId xmlns:a16="http://schemas.microsoft.com/office/drawing/2014/main" id="{68EEE46C-209D-0442-8BAF-7E3E4A25D30B}"/>
+                  </a:ext>
+                </a:extLst>
+              </p:cNvPr>
+              <p:cNvPicPr>
+                <a:picLocks noChangeAspect="1"/>
+              </p:cNvPicPr>
+              <p:nvPr/>
+            </p:nvPicPr>
+            <p:blipFill>
+              <a:blip r:embed="rId7">
+                <a:extLst>
+                  <a:ext uri="{96DAC541-7B7A-43D3-8B79-37D633B846F1}">
+                    <asvg:svgBlip xmlns:asvg="http://schemas.microsoft.com/office/drawing/2016/SVG/main" r:embed="rId8"/>
+                  </a:ext>
+                </a:extLst>
+              </a:blip>
+              <a:stretch>
+                <a:fillRect/>
+              </a:stretch>
+            </p:blipFill>
+            <p:spPr>
+              <a:xfrm>
+                <a:off x="2456165" y="3833144"/>
+                <a:ext cx="432000" cy="432000"/>
+              </a:xfrm>
+              <a:prstGeom prst="rect">
+                <a:avLst/>
+              </a:prstGeom>
+            </p:spPr>
+          </p:pic>
+        </p:grpSp>
+        <p:grpSp>
+          <p:nvGrpSpPr>
+            <p:cNvPr id="19" name="Group 18">
+              <a:extLst>
+                <a:ext uri="{FF2B5EF4-FFF2-40B4-BE49-F238E27FC236}">
+                  <a16:creationId xmlns:a16="http://schemas.microsoft.com/office/drawing/2014/main" id="{F6A2596D-C836-0F43-B540-EFF4F98EB034}"/>
+                </a:ext>
+              </a:extLst>
+            </p:cNvPr>
+            <p:cNvGrpSpPr/>
+            <p:nvPr/>
+          </p:nvGrpSpPr>
+          <p:grpSpPr>
+            <a:xfrm>
+              <a:off x="544470" y="4466938"/>
+              <a:ext cx="2343695" cy="646331"/>
+              <a:chOff x="544470" y="4466938"/>
+              <a:chExt cx="2343695" cy="646331"/>
+            </a:xfrm>
+          </p:grpSpPr>
+          <p:sp>
+            <p:nvSpPr>
+              <p:cNvPr id="37" name="TextBox 36">
+                <a:extLst>
+                  <a:ext uri="{FF2B5EF4-FFF2-40B4-BE49-F238E27FC236}">
+                    <a16:creationId xmlns:a16="http://schemas.microsoft.com/office/drawing/2014/main" id="{39C6ED03-501C-1346-B657-947554364C1B}"/>
+                  </a:ext>
+                </a:extLst>
+              </p:cNvPr>
+              <p:cNvSpPr txBox="1"/>
+              <p:nvPr/>
+            </p:nvSpPr>
+            <p:spPr>
+              <a:xfrm>
+                <a:off x="544470" y="4466938"/>
+                <a:ext cx="1878037" cy="646331"/>
+              </a:xfrm>
+              <a:prstGeom prst="rect">
+                <a:avLst/>
+              </a:prstGeom>
+              <a:noFill/>
+            </p:spPr>
+            <p:txBody>
+              <a:bodyPr wrap="square" rtlCol="0" anchor="ctr">
+                <a:spAutoFit/>
+              </a:bodyPr>
+              <a:lstStyle/>
+              <a:p>
+                <a:pPr algn="r"/>
+                <a:r>
+                  <a:rPr lang="en-US" sz="1200" b="1" dirty="0">
+                    <a:latin typeface="Times New Roman" panose="02020603050405020304" pitchFamily="18" charset="0"/>
+                    <a:cs typeface="Times New Roman" panose="02020603050405020304" pitchFamily="18" charset="0"/>
+                  </a:rPr>
+                  <a:t>Languages, frameworks, and other technologies I’d be working with</a:t>
+                </a:r>
+                <a:endParaRPr lang="en-US" sz="1200" dirty="0">
+                  <a:latin typeface="Times New Roman" panose="02020603050405020304" pitchFamily="18" charset="0"/>
+                  <a:cs typeface="Times New Roman" panose="02020603050405020304" pitchFamily="18" charset="0"/>
+                </a:endParaRPr>
+              </a:p>
+            </p:txBody>
+          </p:sp>
+          <p:pic>
+            <p:nvPicPr>
+              <p:cNvPr id="12" name="Graphic 11" descr="Web design outline">
+                <a:extLst>
+                  <a:ext uri="{FF2B5EF4-FFF2-40B4-BE49-F238E27FC236}">
+                    <a16:creationId xmlns:a16="http://schemas.microsoft.com/office/drawing/2014/main" id="{FC57E285-063A-B540-80CB-A9697B460C4A}"/>
+                  </a:ext>
+                </a:extLst>
+              </p:cNvPr>
+              <p:cNvPicPr>
+                <a:picLocks noChangeAspect="1"/>
+              </p:cNvPicPr>
+              <p:nvPr/>
+            </p:nvPicPr>
+            <p:blipFill>
+              <a:blip r:embed="rId9">
+                <a:extLst>
+                  <a:ext uri="{96DAC541-7B7A-43D3-8B79-37D633B846F1}">
+                    <asvg:svgBlip xmlns:asvg="http://schemas.microsoft.com/office/drawing/2016/SVG/main" r:embed="rId10"/>
+                  </a:ext>
+                </a:extLst>
+              </a:blip>
+              <a:stretch>
+                <a:fillRect/>
+              </a:stretch>
+            </p:blipFill>
+            <p:spPr>
+              <a:xfrm>
+                <a:off x="2456165" y="4574103"/>
+                <a:ext cx="432000" cy="432000"/>
+              </a:xfrm>
+              <a:prstGeom prst="rect">
+                <a:avLst/>
+              </a:prstGeom>
+            </p:spPr>
+          </p:pic>
+        </p:grpSp>
+        <p:grpSp>
+          <p:nvGrpSpPr>
+            <p:cNvPr id="15" name="Group 14">
+              <a:extLst>
+                <a:ext uri="{FF2B5EF4-FFF2-40B4-BE49-F238E27FC236}">
+                  <a16:creationId xmlns:a16="http://schemas.microsoft.com/office/drawing/2014/main" id="{D682B3C7-88B1-B045-A019-2D346C1480D3}"/>
+                </a:ext>
+              </a:extLst>
+            </p:cNvPr>
+            <p:cNvGrpSpPr/>
+            <p:nvPr/>
+          </p:nvGrpSpPr>
+          <p:grpSpPr>
+            <a:xfrm>
+              <a:off x="527275" y="2345652"/>
+              <a:ext cx="2360890" cy="461665"/>
+              <a:chOff x="527275" y="2345652"/>
+              <a:chExt cx="2360890" cy="461665"/>
+            </a:xfrm>
+          </p:grpSpPr>
+          <p:sp>
+            <p:nvSpPr>
+              <p:cNvPr id="35" name="TextBox 34">
+                <a:extLst>
+                  <a:ext uri="{FF2B5EF4-FFF2-40B4-BE49-F238E27FC236}">
+                    <a16:creationId xmlns:a16="http://schemas.microsoft.com/office/drawing/2014/main" id="{527CC5FA-01E1-5F41-A154-005B559C1045}"/>
+                  </a:ext>
+                </a:extLst>
+              </p:cNvPr>
+              <p:cNvSpPr txBox="1"/>
+              <p:nvPr/>
+            </p:nvSpPr>
+            <p:spPr>
+              <a:xfrm>
+                <a:off x="527275" y="2345652"/>
+                <a:ext cx="1878037" cy="461665"/>
+              </a:xfrm>
+              <a:prstGeom prst="rect">
+                <a:avLst/>
+              </a:prstGeom>
+              <a:noFill/>
+            </p:spPr>
+            <p:txBody>
+              <a:bodyPr wrap="square" rtlCol="0" anchor="ctr">
+                <a:spAutoFit/>
+              </a:bodyPr>
+              <a:lstStyle/>
+              <a:p>
+                <a:pPr algn="r"/>
+                <a:r>
+                  <a:rPr lang="en-US" sz="1200" b="1" dirty="0">
+                    <a:latin typeface="Times New Roman" panose="02020603050405020304" pitchFamily="18" charset="0"/>
+                    <a:cs typeface="Times New Roman" panose="02020603050405020304" pitchFamily="18" charset="0"/>
+                  </a:rPr>
+                  <a:t>Opportunities for professional development</a:t>
+                </a:r>
+              </a:p>
+            </p:txBody>
+          </p:sp>
+          <p:pic>
+            <p:nvPicPr>
+              <p:cNvPr id="14" name="Graphic 13" descr="Business Growth outline">
+                <a:extLst>
+                  <a:ext uri="{FF2B5EF4-FFF2-40B4-BE49-F238E27FC236}">
+                    <a16:creationId xmlns:a16="http://schemas.microsoft.com/office/drawing/2014/main" id="{8401D154-7DB7-B34F-A5CE-546CE21F79B9}"/>
+                  </a:ext>
+                </a:extLst>
+              </p:cNvPr>
+              <p:cNvPicPr>
+                <a:picLocks noChangeAspect="1"/>
+              </p:cNvPicPr>
+              <p:nvPr/>
+            </p:nvPicPr>
+            <p:blipFill>
+              <a:blip r:embed="rId11">
+                <a:extLst>
+                  <a:ext uri="{96DAC541-7B7A-43D3-8B79-37D633B846F1}">
+                    <asvg:svgBlip xmlns:asvg="http://schemas.microsoft.com/office/drawing/2016/SVG/main" r:embed="rId12"/>
+                  </a:ext>
+                </a:extLst>
+              </a:blip>
+              <a:stretch>
+                <a:fillRect/>
+              </a:stretch>
+            </p:blipFill>
+            <p:spPr>
+              <a:xfrm>
+                <a:off x="2456165" y="2361277"/>
+                <a:ext cx="432000" cy="432000"/>
+              </a:xfrm>
+              <a:prstGeom prst="rect">
+                <a:avLst/>
+              </a:prstGeom>
+            </p:spPr>
+          </p:pic>
+        </p:grpSp>
+      </p:grpSp>
     </p:spTree>
     <p:extLst>
       <p:ext uri="{BB962C8B-B14F-4D97-AF65-F5344CB8AC3E}">
-        <p14:creationId xmlns:p14="http://schemas.microsoft.com/office/powerpoint/2010/main" val="4090377177"/>
+        <p14:creationId xmlns:p14="http://schemas.microsoft.com/office/powerpoint/2010/main" val="3345786785"/>
       </p:ext>
     </p:extLst>
   </p:cSld>

--- a/assets/charts.pptx
+++ b/assets/charts.pptx
@@ -180,7 +180,7 @@
                   <a:bodyPr/>
                   <a:lstStyle/>
                   <a:p>
-                    <a:fld id="{BA50F457-1B45-EE49-B7CF-1305D80CDA86}" type="CELLRANGE">
+                    <a:fld id="{865681CD-698A-934C-AE17-1A4F495CABA1}" type="CELLRANGE">
                       <a:rPr lang="en-US"/>
                       <a:pPr/>
                       <a:t>[CELLRANGE]</a:t>
@@ -214,7 +214,7 @@
                   <a:bodyPr/>
                   <a:lstStyle/>
                   <a:p>
-                    <a:fld id="{AEA16656-E7CC-8A4E-8D77-E2261C8459BF}" type="CELLRANGE">
+                    <a:fld id="{0B659329-BBB5-B448-BD91-76DFA119EE68}" type="CELLRANGE">
                       <a:rPr lang="en-US"/>
                       <a:pPr/>
                       <a:t>[CELLRANGE]</a:t>
@@ -248,7 +248,7 @@
                   <a:bodyPr/>
                   <a:lstStyle/>
                   <a:p>
-                    <a:fld id="{DD67E634-9463-AC4E-BFFE-CD79F58E0265}" type="CELLRANGE">
+                    <a:fld id="{E0CFA8AD-AD1A-BE43-9A4C-393C87A4E66C}" type="CELLRANGE">
                       <a:rPr lang="en-US"/>
                       <a:pPr/>
                       <a:t>[CELLRANGE]</a:t>
@@ -424,7 +424,7 @@
                   <a:bodyPr/>
                   <a:lstStyle/>
                   <a:p>
-                    <a:fld id="{40C58483-50F3-294A-BE9E-0AED19535E77}" type="CELLRANGE">
+                    <a:fld id="{C614E5E5-B9D5-DF40-868E-39D836A8F168}" type="CELLRANGE">
                       <a:rPr lang="en-US"/>
                       <a:pPr/>
                       <a:t>[CELLRANGE]</a:t>
@@ -458,7 +458,7 @@
                   <a:bodyPr/>
                   <a:lstStyle/>
                   <a:p>
-                    <a:fld id="{B2B68C3F-B369-5E4E-BBED-087C87775C9A}" type="CELLRANGE">
+                    <a:fld id="{3033C3A5-420F-0448-A951-A7CCA361F735}" type="CELLRANGE">
                       <a:rPr lang="en-US"/>
                       <a:pPr/>
                       <a:t>[CELLRANGE]</a:t>
@@ -492,7 +492,7 @@
                   <a:bodyPr/>
                   <a:lstStyle/>
                   <a:p>
-                    <a:fld id="{031C5C58-3F94-0342-BE3D-9A75874B0595}" type="CELLRANGE">
+                    <a:fld id="{820E771B-8B3E-5343-8CF9-EA6798C2EF79}" type="CELLRANGE">
                       <a:rPr lang="en-US"/>
                       <a:pPr/>
                       <a:t>[CELLRANGE]</a:t>
@@ -668,7 +668,7 @@
                   <a:bodyPr/>
                   <a:lstStyle/>
                   <a:p>
-                    <a:fld id="{55E39E56-9DE4-9241-8E12-9FCC612004D9}" type="CELLRANGE">
+                    <a:fld id="{21D79B47-D820-3246-A495-4D64A1F582AB}" type="CELLRANGE">
                       <a:rPr lang="en-US"/>
                       <a:pPr/>
                       <a:t>[CELLRANGE]</a:t>
@@ -702,7 +702,7 @@
                   <a:bodyPr/>
                   <a:lstStyle/>
                   <a:p>
-                    <a:fld id="{8E261B08-EE35-F34E-B93B-BE26AB6A9419}" type="CELLRANGE">
+                    <a:fld id="{A3538442-62E2-924F-8F53-D7968978AB4A}" type="CELLRANGE">
                       <a:rPr lang="en-US"/>
                       <a:pPr/>
                       <a:t>[CELLRANGE]</a:t>
@@ -736,7 +736,7 @@
                   <a:bodyPr/>
                   <a:lstStyle/>
                   <a:p>
-                    <a:fld id="{E66E051B-2AE6-8B4A-9F7A-0058E53F40BB}" type="CELLRANGE">
+                    <a:fld id="{345083B8-B5E7-244E-84E4-0238367ECB25}" type="CELLRANGE">
                       <a:rPr lang="en-US"/>
                       <a:pPr/>
                       <a:t>[CELLRANGE]</a:t>
@@ -912,7 +912,7 @@
                   <a:bodyPr/>
                   <a:lstStyle/>
                   <a:p>
-                    <a:fld id="{983BD300-3363-BA48-8BD5-3B7D49E5AAEF}" type="CELLRANGE">
+                    <a:fld id="{D4F93BD4-FB3E-D048-9860-D84AD72F470B}" type="CELLRANGE">
                       <a:rPr lang="en-US"/>
                       <a:pPr/>
                       <a:t>[CELLRANGE]</a:t>
@@ -946,7 +946,7 @@
                   <a:bodyPr/>
                   <a:lstStyle/>
                   <a:p>
-                    <a:fld id="{674EAC27-D4F5-524B-A39D-B8892500762C}" type="CELLRANGE">
+                    <a:fld id="{67AF5D9C-7984-AE4E-9E21-2ECD641E05FE}" type="CELLRANGE">
                       <a:rPr lang="en-US"/>
                       <a:pPr/>
                       <a:t>[CELLRANGE]</a:t>
@@ -980,7 +980,7 @@
                   <a:bodyPr/>
                   <a:lstStyle/>
                   <a:p>
-                    <a:fld id="{0F735206-62FC-6541-9A72-403186EAC937}" type="CELLRANGE">
+                    <a:fld id="{045343A7-5372-194A-B8A1-5792CD399724}" type="CELLRANGE">
                       <a:rPr lang="en-US"/>
                       <a:pPr/>
                       <a:t>[CELLRANGE]</a:t>
@@ -1155,7 +1155,7 @@
                   <a:bodyPr/>
                   <a:lstStyle/>
                   <a:p>
-                    <a:fld id="{BA991CC6-4E13-AE4D-9A24-B99857E5B993}" type="CELLRANGE">
+                    <a:fld id="{2D28AE78-C061-F44A-9A66-0521D4EAAC55}" type="CELLRANGE">
                       <a:rPr lang="en-US"/>
                       <a:pPr/>
                       <a:t>[CELLRANGE]</a:t>
@@ -1189,7 +1189,7 @@
                   <a:bodyPr/>
                   <a:lstStyle/>
                   <a:p>
-                    <a:fld id="{31D429BC-AFE5-8044-A8C8-1FD56723E6BA}" type="CELLRANGE">
+                    <a:fld id="{88E31CD6-8E1E-6C40-941F-D7D591731A14}" type="CELLRANGE">
                       <a:rPr lang="en-US"/>
                       <a:pPr/>
                       <a:t>[CELLRANGE]</a:t>
@@ -1223,7 +1223,7 @@
                   <a:bodyPr/>
                   <a:lstStyle/>
                   <a:p>
-                    <a:fld id="{773A4B3E-EE84-9E48-8AD4-0DA0AE4F488F}" type="CELLRANGE">
+                    <a:fld id="{DEEAD0B0-1569-5B49-95E1-0C8F0F8802FA}" type="CELLRANGE">
                       <a:rPr lang="en-US"/>
                       <a:pPr/>
                       <a:t>[CELLRANGE]</a:t>
@@ -13876,7 +13876,7 @@
                 <a:latin typeface="Times New Roman" panose="02020603050405020304" pitchFamily="18" charset="0"/>
                 <a:cs typeface="Times New Roman" panose="02020603050405020304" pitchFamily="18" charset="0"/>
               </a:rPr>
-              <a:t>  Numeric values were attributed according to those inside parenthesis in the legend of the left chart (caps correspond to 95% confidence interval based on 1000 bootstrap replicates – approximately 0,06).</a:t>
+              <a:t>  Numeric values were attributed according to those inside parenthesis in the legend of the left chart (caps correspond to 95% confidence interval based on 1000 bootstrap replicates – approximately 10%).</a:t>
             </a:r>
           </a:p>
           <a:p>

--- a/assets/charts.pptx
+++ b/assets/charts.pptx
@@ -180,7 +180,7 @@
                   <a:bodyPr/>
                   <a:lstStyle/>
                   <a:p>
-                    <a:fld id="{865681CD-698A-934C-AE17-1A4F495CABA1}" type="CELLRANGE">
+                    <a:fld id="{C36BA64D-E227-E942-A621-E99D2F3AF762}" type="CELLRANGE">
                       <a:rPr lang="en-US"/>
                       <a:pPr/>
                       <a:t>[CELLRANGE]</a:t>
@@ -214,7 +214,7 @@
                   <a:bodyPr/>
                   <a:lstStyle/>
                   <a:p>
-                    <a:fld id="{0B659329-BBB5-B448-BD91-76DFA119EE68}" type="CELLRANGE">
+                    <a:fld id="{AF030CF2-338E-904E-8547-B28C0BEA1723}" type="CELLRANGE">
                       <a:rPr lang="en-US"/>
                       <a:pPr/>
                       <a:t>[CELLRANGE]</a:t>
@@ -248,7 +248,7 @@
                   <a:bodyPr/>
                   <a:lstStyle/>
                   <a:p>
-                    <a:fld id="{E0CFA8AD-AD1A-BE43-9A4C-393C87A4E66C}" type="CELLRANGE">
+                    <a:fld id="{5303FD1E-B762-FC41-A511-7C8009B0C93C}" type="CELLRANGE">
                       <a:rPr lang="en-US"/>
                       <a:pPr/>
                       <a:t>[CELLRANGE]</a:t>
@@ -424,7 +424,7 @@
                   <a:bodyPr/>
                   <a:lstStyle/>
                   <a:p>
-                    <a:fld id="{C614E5E5-B9D5-DF40-868E-39D836A8F168}" type="CELLRANGE">
+                    <a:fld id="{28C50450-ABDD-274E-A38F-64F1CF577A53}" type="CELLRANGE">
                       <a:rPr lang="en-US"/>
                       <a:pPr/>
                       <a:t>[CELLRANGE]</a:t>
@@ -458,7 +458,7 @@
                   <a:bodyPr/>
                   <a:lstStyle/>
                   <a:p>
-                    <a:fld id="{3033C3A5-420F-0448-A951-A7CCA361F735}" type="CELLRANGE">
+                    <a:fld id="{066AD41D-00D1-404B-B7CA-3585EBB4B5C8}" type="CELLRANGE">
                       <a:rPr lang="en-US"/>
                       <a:pPr/>
                       <a:t>[CELLRANGE]</a:t>
@@ -492,7 +492,7 @@
                   <a:bodyPr/>
                   <a:lstStyle/>
                   <a:p>
-                    <a:fld id="{820E771B-8B3E-5343-8CF9-EA6798C2EF79}" type="CELLRANGE">
+                    <a:fld id="{9C50F3E5-2C95-1A4E-9E46-1CE77BE1FBE1}" type="CELLRANGE">
                       <a:rPr lang="en-US"/>
                       <a:pPr/>
                       <a:t>[CELLRANGE]</a:t>
@@ -668,7 +668,7 @@
                   <a:bodyPr/>
                   <a:lstStyle/>
                   <a:p>
-                    <a:fld id="{21D79B47-D820-3246-A495-4D64A1F582AB}" type="CELLRANGE">
+                    <a:fld id="{D7F703AA-E0E4-704E-AB61-1CD793C71911}" type="CELLRANGE">
                       <a:rPr lang="en-US"/>
                       <a:pPr/>
                       <a:t>[CELLRANGE]</a:t>
@@ -702,7 +702,7 @@
                   <a:bodyPr/>
                   <a:lstStyle/>
                   <a:p>
-                    <a:fld id="{A3538442-62E2-924F-8F53-D7968978AB4A}" type="CELLRANGE">
+                    <a:fld id="{3B483C08-6D7D-1F42-AD30-FF7986823455}" type="CELLRANGE">
                       <a:rPr lang="en-US"/>
                       <a:pPr/>
                       <a:t>[CELLRANGE]</a:t>
@@ -736,7 +736,7 @@
                   <a:bodyPr/>
                   <a:lstStyle/>
                   <a:p>
-                    <a:fld id="{345083B8-B5E7-244E-84E4-0238367ECB25}" type="CELLRANGE">
+                    <a:fld id="{B7D6F5FA-7F20-9D42-A503-2957CF1BBCEB}" type="CELLRANGE">
                       <a:rPr lang="en-US"/>
                       <a:pPr/>
                       <a:t>[CELLRANGE]</a:t>
@@ -912,7 +912,7 @@
                   <a:bodyPr/>
                   <a:lstStyle/>
                   <a:p>
-                    <a:fld id="{D4F93BD4-FB3E-D048-9860-D84AD72F470B}" type="CELLRANGE">
+                    <a:fld id="{26B7A3F7-0408-ED4B-839C-BBE935CF59BB}" type="CELLRANGE">
                       <a:rPr lang="en-US"/>
                       <a:pPr/>
                       <a:t>[CELLRANGE]</a:t>
@@ -946,7 +946,7 @@
                   <a:bodyPr/>
                   <a:lstStyle/>
                   <a:p>
-                    <a:fld id="{67AF5D9C-7984-AE4E-9E21-2ECD641E05FE}" type="CELLRANGE">
+                    <a:fld id="{3DBA2161-ADAB-C547-83EC-5C8EE7743465}" type="CELLRANGE">
                       <a:rPr lang="en-US"/>
                       <a:pPr/>
                       <a:t>[CELLRANGE]</a:t>
@@ -980,7 +980,7 @@
                   <a:bodyPr/>
                   <a:lstStyle/>
                   <a:p>
-                    <a:fld id="{045343A7-5372-194A-B8A1-5792CD399724}" type="CELLRANGE">
+                    <a:fld id="{0041B89B-D812-C84E-8020-225FC80DE116}" type="CELLRANGE">
                       <a:rPr lang="en-US"/>
                       <a:pPr/>
                       <a:t>[CELLRANGE]</a:t>
@@ -1155,7 +1155,7 @@
                   <a:bodyPr/>
                   <a:lstStyle/>
                   <a:p>
-                    <a:fld id="{2D28AE78-C061-F44A-9A66-0521D4EAAC55}" type="CELLRANGE">
+                    <a:fld id="{CDDBBDE9-B7EF-AD4B-8039-50B6ED20B32B}" type="CELLRANGE">
                       <a:rPr lang="en-US"/>
                       <a:pPr/>
                       <a:t>[CELLRANGE]</a:t>
@@ -1189,7 +1189,7 @@
                   <a:bodyPr/>
                   <a:lstStyle/>
                   <a:p>
-                    <a:fld id="{88E31CD6-8E1E-6C40-941F-D7D591731A14}" type="CELLRANGE">
+                    <a:fld id="{1DE31868-7FBB-E444-9B29-DE84B0E22486}" type="CELLRANGE">
                       <a:rPr lang="en-US"/>
                       <a:pPr/>
                       <a:t>[CELLRANGE]</a:t>
@@ -1223,7 +1223,7 @@
                   <a:bodyPr/>
                   <a:lstStyle/>
                   <a:p>
-                    <a:fld id="{DEEAD0B0-1569-5B49-95E1-0C8F0F8802FA}" type="CELLRANGE">
+                    <a:fld id="{4688F475-CB96-2C45-A060-DCA3740A0258}" type="CELLRANGE">
                       <a:rPr lang="en-US"/>
                       <a:pPr/>
                       <a:t>[CELLRANGE]</a:t>
@@ -14712,7 +14712,7 @@
           <a:lstStyle/>
           <a:p>
             <a:pPr algn="ctr"/>
-            <a:endParaRPr lang="en-US"/>
+            <a:endParaRPr lang="en-US" dirty="0"/>
           </a:p>
         </p:txBody>
       </p:sp>
